--- a/Experiment/Presentation1_v2.pptx
+++ b/Experiment/Presentation1_v2.pptx
@@ -12,9 +12,11 @@
     <p:sldId id="261" r:id="rId6"/>
     <p:sldId id="262" r:id="rId7"/>
     <p:sldId id="269" r:id="rId8"/>
-    <p:sldId id="263" r:id="rId9"/>
-    <p:sldId id="268" r:id="rId10"/>
-    <p:sldId id="267" r:id="rId11"/>
+    <p:sldId id="270" r:id="rId9"/>
+    <p:sldId id="272" r:id="rId10"/>
+    <p:sldId id="263" r:id="rId11"/>
+    <p:sldId id="268" r:id="rId12"/>
+    <p:sldId id="267" r:id="rId13"/>
   </p:sldIdLst>
   <p:sldSz cx="12192000" cy="6858000"/>
   <p:notesSz cx="6858000" cy="9144000"/>
@@ -270,7 +272,7 @@
           <a:p>
             <a:fld id="{739FE6FA-254E-4693-BB05-0FEE8925D8E4}" type="datetimeFigureOut">
               <a:rPr lang="en-NZ" smtClean="0"/>
-              <a:t>3/12/2021</a:t>
+              <a:t>7/12/2021</a:t>
             </a:fld>
             <a:endParaRPr lang="en-NZ"/>
           </a:p>
@@ -470,7 +472,7 @@
           <a:p>
             <a:fld id="{739FE6FA-254E-4693-BB05-0FEE8925D8E4}" type="datetimeFigureOut">
               <a:rPr lang="en-NZ" smtClean="0"/>
-              <a:t>3/12/2021</a:t>
+              <a:t>7/12/2021</a:t>
             </a:fld>
             <a:endParaRPr lang="en-NZ"/>
           </a:p>
@@ -680,7 +682,7 @@
           <a:p>
             <a:fld id="{739FE6FA-254E-4693-BB05-0FEE8925D8E4}" type="datetimeFigureOut">
               <a:rPr lang="en-NZ" smtClean="0"/>
-              <a:t>3/12/2021</a:t>
+              <a:t>7/12/2021</a:t>
             </a:fld>
             <a:endParaRPr lang="en-NZ"/>
           </a:p>
@@ -880,7 +882,7 @@
           <a:p>
             <a:fld id="{739FE6FA-254E-4693-BB05-0FEE8925D8E4}" type="datetimeFigureOut">
               <a:rPr lang="en-NZ" smtClean="0"/>
-              <a:t>3/12/2021</a:t>
+              <a:t>7/12/2021</a:t>
             </a:fld>
             <a:endParaRPr lang="en-NZ"/>
           </a:p>
@@ -1156,7 +1158,7 @@
           <a:p>
             <a:fld id="{739FE6FA-254E-4693-BB05-0FEE8925D8E4}" type="datetimeFigureOut">
               <a:rPr lang="en-NZ" smtClean="0"/>
-              <a:t>3/12/2021</a:t>
+              <a:t>7/12/2021</a:t>
             </a:fld>
             <a:endParaRPr lang="en-NZ"/>
           </a:p>
@@ -1424,7 +1426,7 @@
           <a:p>
             <a:fld id="{739FE6FA-254E-4693-BB05-0FEE8925D8E4}" type="datetimeFigureOut">
               <a:rPr lang="en-NZ" smtClean="0"/>
-              <a:t>3/12/2021</a:t>
+              <a:t>7/12/2021</a:t>
             </a:fld>
             <a:endParaRPr lang="en-NZ"/>
           </a:p>
@@ -1839,7 +1841,7 @@
           <a:p>
             <a:fld id="{739FE6FA-254E-4693-BB05-0FEE8925D8E4}" type="datetimeFigureOut">
               <a:rPr lang="en-NZ" smtClean="0"/>
-              <a:t>3/12/2021</a:t>
+              <a:t>7/12/2021</a:t>
             </a:fld>
             <a:endParaRPr lang="en-NZ"/>
           </a:p>
@@ -1981,7 +1983,7 @@
           <a:p>
             <a:fld id="{739FE6FA-254E-4693-BB05-0FEE8925D8E4}" type="datetimeFigureOut">
               <a:rPr lang="en-NZ" smtClean="0"/>
-              <a:t>3/12/2021</a:t>
+              <a:t>7/12/2021</a:t>
             </a:fld>
             <a:endParaRPr lang="en-NZ"/>
           </a:p>
@@ -2094,7 +2096,7 @@
           <a:p>
             <a:fld id="{739FE6FA-254E-4693-BB05-0FEE8925D8E4}" type="datetimeFigureOut">
               <a:rPr lang="en-NZ" smtClean="0"/>
-              <a:t>3/12/2021</a:t>
+              <a:t>7/12/2021</a:t>
             </a:fld>
             <a:endParaRPr lang="en-NZ"/>
           </a:p>
@@ -2407,7 +2409,7 @@
           <a:p>
             <a:fld id="{739FE6FA-254E-4693-BB05-0FEE8925D8E4}" type="datetimeFigureOut">
               <a:rPr lang="en-NZ" smtClean="0"/>
-              <a:t>3/12/2021</a:t>
+              <a:t>7/12/2021</a:t>
             </a:fld>
             <a:endParaRPr lang="en-NZ"/>
           </a:p>
@@ -2696,7 +2698,7 @@
           <a:p>
             <a:fld id="{739FE6FA-254E-4693-BB05-0FEE8925D8E4}" type="datetimeFigureOut">
               <a:rPr lang="en-NZ" smtClean="0"/>
-              <a:t>3/12/2021</a:t>
+              <a:t>7/12/2021</a:t>
             </a:fld>
             <a:endParaRPr lang="en-NZ"/>
           </a:p>
@@ -2939,7 +2941,7 @@
           <a:p>
             <a:fld id="{739FE6FA-254E-4693-BB05-0FEE8925D8E4}" type="datetimeFigureOut">
               <a:rPr lang="en-NZ" smtClean="0"/>
-              <a:t>3/12/2021</a:t>
+              <a:t>7/12/2021</a:t>
             </a:fld>
             <a:endParaRPr lang="en-NZ"/>
           </a:p>
@@ -3740,6 +3742,1692 @@
           <p:cNvPr id="2" name="Rectangle 1">
             <a:extLst>
               <a:ext uri="{FF2B5EF4-FFF2-40B4-BE49-F238E27FC236}">
+                <a16:creationId xmlns:a16="http://schemas.microsoft.com/office/drawing/2014/main" id="{7E911FA0-C61A-40F1-B8B4-53EFE8AAE8EF}"/>
+              </a:ext>
+            </a:extLst>
+          </p:cNvPr>
+          <p:cNvSpPr/>
+          <p:nvPr/>
+        </p:nvSpPr>
+        <p:spPr>
+          <a:xfrm>
+            <a:off x="-1" y="0"/>
+            <a:ext cx="12192000" cy="400110"/>
+          </a:xfrm>
+          <a:prstGeom prst="rect">
+            <a:avLst/>
+          </a:prstGeom>
+          <a:solidFill>
+            <a:schemeClr val="accent4">
+              <a:lumMod val="20000"/>
+              <a:lumOff val="80000"/>
+            </a:schemeClr>
+          </a:solidFill>
+        </p:spPr>
+        <p:txBody>
+          <a:bodyPr wrap="square">
+            <a:spAutoFit/>
+          </a:bodyPr>
+          <a:lstStyle/>
+          <a:p>
+            <a:pPr algn="ctr"/>
+            <a:r>
+              <a:rPr lang="en-NZ" sz="2000" b="1" dirty="0" err="1">
+                <a:latin typeface="Comic Sans MS" panose="030F0702030302020204" pitchFamily="66" charset="0"/>
+              </a:rPr>
+              <a:t>Prev</a:t>
+            </a:r>
+            <a:r>
+              <a:rPr lang="en-NZ" sz="2000" b="1" dirty="0">
+                <a:latin typeface="Comic Sans MS" panose="030F0702030302020204" pitchFamily="66" charset="0"/>
+              </a:rPr>
+              <a:t> cell cycle </a:t>
+            </a:r>
+            <a:r>
+              <a:rPr lang="en-NZ" sz="2000" b="1" dirty="0" err="1">
+                <a:latin typeface="Comic Sans MS" panose="030F0702030302020204" pitchFamily="66" charset="0"/>
+              </a:rPr>
+              <a:t>expt</a:t>
+            </a:r>
+            <a:r>
+              <a:rPr lang="en-NZ" sz="2000" b="1" dirty="0">
+                <a:latin typeface="Comic Sans MS" panose="030F0702030302020204" pitchFamily="66" charset="0"/>
+              </a:rPr>
+              <a:t> (CA-121)</a:t>
+            </a:r>
+          </a:p>
+        </p:txBody>
+      </p:sp>
+      <p:sp>
+        <p:nvSpPr>
+          <p:cNvPr id="3" name="TextBox 2">
+            <a:extLst>
+              <a:ext uri="{FF2B5EF4-FFF2-40B4-BE49-F238E27FC236}">
+                <a16:creationId xmlns:a16="http://schemas.microsoft.com/office/drawing/2014/main" id="{65C836CA-4682-4A9A-9036-C0885E0EABCD}"/>
+              </a:ext>
+            </a:extLst>
+          </p:cNvPr>
+          <p:cNvSpPr txBox="1"/>
+          <p:nvPr/>
+        </p:nvSpPr>
+        <p:spPr>
+          <a:xfrm>
+            <a:off x="395287" y="628650"/>
+            <a:ext cx="11401425" cy="3545009"/>
+          </a:xfrm>
+          <a:prstGeom prst="rect">
+            <a:avLst/>
+          </a:prstGeom>
+          <a:noFill/>
+        </p:spPr>
+        <p:txBody>
+          <a:bodyPr wrap="square" rtlCol="0">
+            <a:spAutoFit/>
+          </a:bodyPr>
+          <a:lstStyle/>
+          <a:p>
+            <a:pPr marL="285750" indent="-285750">
+              <a:lnSpc>
+                <a:spcPct val="114000"/>
+              </a:lnSpc>
+              <a:buFont typeface="Arial" panose="020B0604020202020204" pitchFamily="34" charset="0"/>
+              <a:buChar char="•"/>
+            </a:pPr>
+            <a:r>
+              <a:rPr lang="en-NZ" dirty="0">
+                <a:latin typeface="Comic Sans MS" panose="030F0702030302020204" pitchFamily="66" charset="0"/>
+              </a:rPr>
+              <a:t>54C cells were grown for 4 days in T175 (p23). Cells were ~85-90% confluent in T175 flasks</a:t>
+            </a:r>
+          </a:p>
+          <a:p>
+            <a:pPr marL="285750" indent="-285750">
+              <a:lnSpc>
+                <a:spcPct val="114000"/>
+              </a:lnSpc>
+              <a:buFont typeface="Arial" panose="020B0604020202020204" pitchFamily="34" charset="0"/>
+              <a:buChar char="•"/>
+            </a:pPr>
+            <a:r>
+              <a:rPr lang="en-NZ" dirty="0">
+                <a:latin typeface="Comic Sans MS" panose="030F0702030302020204" pitchFamily="66" charset="0"/>
+              </a:rPr>
+              <a:t>54C cells (1x 10</a:t>
+            </a:r>
+            <a:r>
+              <a:rPr lang="en-NZ" baseline="30000" dirty="0">
+                <a:latin typeface="Comic Sans MS" panose="030F0702030302020204" pitchFamily="66" charset="0"/>
+              </a:rPr>
+              <a:t>5</a:t>
+            </a:r>
+            <a:r>
+              <a:rPr lang="en-NZ" dirty="0">
+                <a:latin typeface="Comic Sans MS" panose="030F0702030302020204" pitchFamily="66" charset="0"/>
+              </a:rPr>
+              <a:t> cells/0.5 mL) were plated in </a:t>
+            </a:r>
+            <a:r>
+              <a:rPr lang="en-NZ" b="1" dirty="0">
+                <a:highlight>
+                  <a:srgbClr val="FFFF00"/>
+                </a:highlight>
+                <a:latin typeface="Comic Sans MS" panose="030F0702030302020204" pitchFamily="66" charset="0"/>
+              </a:rPr>
+              <a:t>24-well plates </a:t>
+            </a:r>
+            <a:r>
+              <a:rPr lang="en-NZ" dirty="0">
+                <a:latin typeface="Comic Sans MS" panose="030F0702030302020204" pitchFamily="66" charset="0"/>
+              </a:rPr>
+              <a:t>and incubated for </a:t>
+            </a:r>
+            <a:r>
+              <a:rPr lang="en-NZ" b="1" dirty="0">
+                <a:highlight>
+                  <a:srgbClr val="FFFF00"/>
+                </a:highlight>
+                <a:latin typeface="Comic Sans MS" panose="030F0702030302020204" pitchFamily="66" charset="0"/>
+              </a:rPr>
+              <a:t>5 h under oxia before RT</a:t>
+            </a:r>
+            <a:r>
+              <a:rPr lang="en-NZ" dirty="0">
+                <a:latin typeface="Comic Sans MS" panose="030F0702030302020204" pitchFamily="66" charset="0"/>
+              </a:rPr>
+              <a:t>. No drug treatment.</a:t>
+            </a:r>
+          </a:p>
+          <a:p>
+            <a:pPr marL="285750" indent="-285750">
+              <a:lnSpc>
+                <a:spcPct val="114000"/>
+              </a:lnSpc>
+              <a:buFont typeface="Arial" panose="020B0604020202020204" pitchFamily="34" charset="0"/>
+              <a:buChar char="•"/>
+            </a:pPr>
+            <a:r>
+              <a:rPr lang="en-NZ" dirty="0">
+                <a:latin typeface="Comic Sans MS" panose="030F0702030302020204" pitchFamily="66" charset="0"/>
+              </a:rPr>
+              <a:t>Cells were irradiated at 0-12 Gy (1 rad dose/plate). </a:t>
+            </a:r>
+          </a:p>
+          <a:p>
+            <a:pPr marL="285750" indent="-285750">
+              <a:lnSpc>
+                <a:spcPct val="114000"/>
+              </a:lnSpc>
+              <a:buFont typeface="Arial" panose="020B0604020202020204" pitchFamily="34" charset="0"/>
+              <a:buChar char="•"/>
+            </a:pPr>
+            <a:r>
+              <a:rPr lang="en-NZ" dirty="0">
+                <a:latin typeface="Comic Sans MS" panose="030F0702030302020204" pitchFamily="66" charset="0"/>
+              </a:rPr>
+              <a:t>Cell cycle assay (0 and 18 h after RT)</a:t>
+            </a:r>
+          </a:p>
+          <a:p>
+            <a:pPr marL="742950" lvl="1" indent="-285750">
+              <a:lnSpc>
+                <a:spcPct val="114000"/>
+              </a:lnSpc>
+              <a:buFont typeface="Arial" panose="020B0604020202020204" pitchFamily="34" charset="0"/>
+              <a:buChar char="•"/>
+            </a:pPr>
+            <a:r>
+              <a:rPr lang="en-NZ" dirty="0">
+                <a:latin typeface="Comic Sans MS" panose="030F0702030302020204" pitchFamily="66" charset="0"/>
+              </a:rPr>
+              <a:t>Cells were treated with 100 </a:t>
+            </a:r>
+            <a:r>
+              <a:rPr lang="en-NZ" dirty="0" err="1">
+                <a:latin typeface="Comic Sans MS" panose="030F0702030302020204" pitchFamily="66" charset="0"/>
+              </a:rPr>
+              <a:t>uM</a:t>
+            </a:r>
+            <a:r>
+              <a:rPr lang="en-NZ" dirty="0">
+                <a:latin typeface="Comic Sans MS" panose="030F0702030302020204" pitchFamily="66" charset="0"/>
+              </a:rPr>
+              <a:t> EdU for 1 h before fixing them in 70% EtOH</a:t>
+            </a:r>
+          </a:p>
+          <a:p>
+            <a:pPr marL="1200150" lvl="2" indent="-285750">
+              <a:lnSpc>
+                <a:spcPct val="114000"/>
+              </a:lnSpc>
+              <a:buFont typeface="Arial" panose="020B0604020202020204" pitchFamily="34" charset="0"/>
+              <a:buChar char="•"/>
+            </a:pPr>
+            <a:r>
+              <a:rPr lang="en-NZ" dirty="0">
+                <a:latin typeface="Comic Sans MS" panose="030F0702030302020204" pitchFamily="66" charset="0"/>
+              </a:rPr>
+              <a:t>Before radiation (4 h after cell attachment: cells were treated with </a:t>
+            </a:r>
+            <a:r>
+              <a:rPr lang="en-NZ" dirty="0" err="1">
+                <a:latin typeface="Comic Sans MS" panose="030F0702030302020204" pitchFamily="66" charset="0"/>
+              </a:rPr>
+              <a:t>EdU</a:t>
+            </a:r>
+            <a:r>
+              <a:rPr lang="en-NZ" dirty="0">
+                <a:latin typeface="Comic Sans MS" panose="030F0702030302020204" pitchFamily="66" charset="0"/>
+              </a:rPr>
+              <a:t> for 1 h before fixing cells in EtOH)</a:t>
+            </a:r>
+          </a:p>
+          <a:p>
+            <a:pPr marL="1200150" lvl="2" indent="-285750">
+              <a:lnSpc>
+                <a:spcPct val="114000"/>
+              </a:lnSpc>
+              <a:buFont typeface="Arial" panose="020B0604020202020204" pitchFamily="34" charset="0"/>
+              <a:buChar char="•"/>
+            </a:pPr>
+            <a:r>
+              <a:rPr lang="en-NZ" dirty="0">
+                <a:latin typeface="Comic Sans MS" panose="030F0702030302020204" pitchFamily="66" charset="0"/>
+              </a:rPr>
+              <a:t>18 h after radiation (0, 2, 4, 6, 8 Gy): EdU added 17 h after RT and fixed at 18h </a:t>
+            </a:r>
+          </a:p>
+          <a:p>
+            <a:pPr marL="1200150" lvl="2" indent="-285750">
+              <a:lnSpc>
+                <a:spcPct val="114000"/>
+              </a:lnSpc>
+              <a:buFont typeface="Arial" panose="020B0604020202020204" pitchFamily="34" charset="0"/>
+              <a:buChar char="•"/>
+            </a:pPr>
+            <a:r>
+              <a:rPr lang="en-NZ" dirty="0">
+                <a:latin typeface="Comic Sans MS" panose="030F0702030302020204" pitchFamily="66" charset="0"/>
+              </a:rPr>
+              <a:t>Cells were treated with PI just before FCM analysis</a:t>
+            </a:r>
+          </a:p>
+          <a:p>
+            <a:pPr marL="285750" indent="-285750">
+              <a:lnSpc>
+                <a:spcPct val="114000"/>
+              </a:lnSpc>
+              <a:buFont typeface="Arial" panose="020B0604020202020204" pitchFamily="34" charset="0"/>
+              <a:buChar char="•"/>
+            </a:pPr>
+            <a:r>
+              <a:rPr lang="en-NZ" dirty="0">
+                <a:latin typeface="Comic Sans MS" panose="030F0702030302020204" pitchFamily="66" charset="0"/>
+              </a:rPr>
+              <a:t>Clonogenic assay: cells were </a:t>
+            </a:r>
+            <a:r>
+              <a:rPr lang="en-NZ" dirty="0" err="1">
+                <a:latin typeface="Comic Sans MS" panose="030F0702030302020204" pitchFamily="66" charset="0"/>
+              </a:rPr>
+              <a:t>trypsinised</a:t>
+            </a:r>
+            <a:r>
+              <a:rPr lang="en-NZ" dirty="0">
+                <a:latin typeface="Comic Sans MS" panose="030F0702030302020204" pitchFamily="66" charset="0"/>
+              </a:rPr>
+              <a:t> and plated in p60 dishes after 18 h incubation (post-rad)</a:t>
+            </a:r>
+          </a:p>
+        </p:txBody>
+      </p:sp>
+      <p:graphicFrame>
+        <p:nvGraphicFramePr>
+          <p:cNvPr id="4" name="Object 3">
+            <a:extLst>
+              <a:ext uri="{FF2B5EF4-FFF2-40B4-BE49-F238E27FC236}">
+                <a16:creationId xmlns:a16="http://schemas.microsoft.com/office/drawing/2014/main" id="{2E53333A-3B37-482B-847B-6F66509A0A23}"/>
+              </a:ext>
+            </a:extLst>
+          </p:cNvPr>
+          <p:cNvGraphicFramePr>
+            <a:graphicFrameLocks noChangeAspect="1"/>
+          </p:cNvGraphicFramePr>
+          <p:nvPr>
+            <p:extLst>
+              <p:ext uri="{D42A27DB-BD31-4B8C-83A1-F6EECF244321}">
+                <p14:modId xmlns:p14="http://schemas.microsoft.com/office/powerpoint/2010/main" val="202513173"/>
+              </p:ext>
+            </p:extLst>
+          </p:nvPr>
+        </p:nvGraphicFramePr>
+        <p:xfrm>
+          <a:off x="3642191" y="4137457"/>
+          <a:ext cx="2808943" cy="2834603"/>
+        </p:xfrm>
+        <a:graphic>
+          <a:graphicData uri="http://schemas.openxmlformats.org/presentationml/2006/ole">
+            <mc:AlternateContent xmlns:mc="http://schemas.openxmlformats.org/markup-compatibility/2006">
+              <mc:Choice xmlns:v="urn:schemas-microsoft-com:vml" Requires="v">
+                <p:oleObj spid="_x0000_s5180" name="Prism 8" r:id="rId3" imgW="2954553" imgH="2982075" progId="Prism8.Document">
+                  <p:embed/>
+                </p:oleObj>
+              </mc:Choice>
+              <mc:Fallback>
+                <p:oleObj name="Prism 8" r:id="rId3" imgW="2954553" imgH="2982075" progId="Prism8.Document">
+                  <p:embed/>
+                  <p:pic>
+                    <p:nvPicPr>
+                      <p:cNvPr id="0" name=""/>
+                      <p:cNvPicPr/>
+                      <p:nvPr/>
+                    </p:nvPicPr>
+                    <p:blipFill>
+                      <a:blip r:embed="rId4"/>
+                      <a:stretch>
+                        <a:fillRect/>
+                      </a:stretch>
+                    </p:blipFill>
+                    <p:spPr>
+                      <a:xfrm>
+                        <a:off x="3642191" y="4137457"/>
+                        <a:ext cx="2808943" cy="2834603"/>
+                      </a:xfrm>
+                      <a:prstGeom prst="rect">
+                        <a:avLst/>
+                      </a:prstGeom>
+                    </p:spPr>
+                  </p:pic>
+                </p:oleObj>
+              </mc:Fallback>
+            </mc:AlternateContent>
+          </a:graphicData>
+        </a:graphic>
+      </p:graphicFrame>
+    </p:spTree>
+    <p:extLst>
+      <p:ext uri="{BB962C8B-B14F-4D97-AF65-F5344CB8AC3E}">
+        <p14:creationId xmlns:p14="http://schemas.microsoft.com/office/powerpoint/2010/main" val="1546839996"/>
+      </p:ext>
+    </p:extLst>
+  </p:cSld>
+  <p:clrMapOvr>
+    <a:masterClrMapping/>
+  </p:clrMapOvr>
+</p:sld>
+</file>
+
+<file path=ppt/slides/slide11.xml><?xml version="1.0" encoding="utf-8"?>
+<p:sld xmlns:a="http://schemas.openxmlformats.org/drawingml/2006/main" xmlns:r="http://schemas.openxmlformats.org/officeDocument/2006/relationships" xmlns:p="http://schemas.openxmlformats.org/presentationml/2006/main">
+  <p:cSld>
+    <p:spTree>
+      <p:nvGrpSpPr>
+        <p:cNvPr id="1" name=""/>
+        <p:cNvGrpSpPr/>
+        <p:nvPr/>
+      </p:nvGrpSpPr>
+      <p:grpSpPr>
+        <a:xfrm>
+          <a:off x="0" y="0"/>
+          <a:ext cx="0" cy="0"/>
+          <a:chOff x="0" y="0"/>
+          <a:chExt cx="0" cy="0"/>
+        </a:xfrm>
+      </p:grpSpPr>
+      <p:sp>
+        <p:nvSpPr>
+          <p:cNvPr id="9" name="TextBox 8">
+            <a:extLst>
+              <a:ext uri="{FF2B5EF4-FFF2-40B4-BE49-F238E27FC236}">
+                <a16:creationId xmlns:a16="http://schemas.microsoft.com/office/drawing/2014/main" id="{95669BD3-3B4B-4E0C-BC98-EBE046724EE1}"/>
+              </a:ext>
+            </a:extLst>
+          </p:cNvPr>
+          <p:cNvSpPr txBox="1"/>
+          <p:nvPr/>
+        </p:nvSpPr>
+        <p:spPr>
+          <a:xfrm>
+            <a:off x="1425496" y="322539"/>
+            <a:ext cx="1816972" cy="646331"/>
+          </a:xfrm>
+          <a:prstGeom prst="rect">
+            <a:avLst/>
+          </a:prstGeom>
+          <a:noFill/>
+        </p:spPr>
+        <p:txBody>
+          <a:bodyPr wrap="none" rtlCol="0">
+            <a:spAutoFit/>
+          </a:bodyPr>
+          <a:lstStyle/>
+          <a:p>
+            <a:r>
+              <a:rPr lang="en-NZ" dirty="0">
+                <a:solidFill>
+                  <a:srgbClr val="FF0000"/>
+                </a:solidFill>
+              </a:rPr>
+              <a:t>Before radiation</a:t>
+            </a:r>
+          </a:p>
+          <a:p>
+            <a:r>
+              <a:rPr lang="en-NZ" dirty="0">
+                <a:solidFill>
+                  <a:srgbClr val="FF0000"/>
+                </a:solidFill>
+              </a:rPr>
+              <a:t>(5 h after plating)</a:t>
+            </a:r>
+          </a:p>
+        </p:txBody>
+      </p:sp>
+      <p:sp>
+        <p:nvSpPr>
+          <p:cNvPr id="37" name="Rectangle 36">
+            <a:extLst>
+              <a:ext uri="{FF2B5EF4-FFF2-40B4-BE49-F238E27FC236}">
+                <a16:creationId xmlns:a16="http://schemas.microsoft.com/office/drawing/2014/main" id="{A32E55D2-BA1A-4AC9-9B41-1532EA545467}"/>
+              </a:ext>
+            </a:extLst>
+          </p:cNvPr>
+          <p:cNvSpPr/>
+          <p:nvPr/>
+        </p:nvSpPr>
+        <p:spPr>
+          <a:xfrm>
+            <a:off x="1215913" y="3233770"/>
+            <a:ext cx="10467358" cy="626640"/>
+          </a:xfrm>
+          <a:prstGeom prst="rect">
+            <a:avLst/>
+          </a:prstGeom>
+          <a:solidFill>
+            <a:schemeClr val="bg1"/>
+          </a:solidFill>
+          <a:ln>
+            <a:noFill/>
+          </a:ln>
+        </p:spPr>
+        <p:style>
+          <a:lnRef idx="2">
+            <a:schemeClr val="accent1">
+              <a:shade val="50000"/>
+            </a:schemeClr>
+          </a:lnRef>
+          <a:fillRef idx="1">
+            <a:schemeClr val="accent1"/>
+          </a:fillRef>
+          <a:effectRef idx="0">
+            <a:schemeClr val="accent1"/>
+          </a:effectRef>
+          <a:fontRef idx="minor">
+            <a:schemeClr val="lt1"/>
+          </a:fontRef>
+        </p:style>
+        <p:txBody>
+          <a:bodyPr rtlCol="0" anchor="ctr"/>
+          <a:lstStyle/>
+          <a:p>
+            <a:pPr algn="ctr"/>
+            <a:endParaRPr lang="en-NZ"/>
+          </a:p>
+        </p:txBody>
+      </p:sp>
+      <p:graphicFrame>
+        <p:nvGraphicFramePr>
+          <p:cNvPr id="40" name="Table 39">
+            <a:extLst>
+              <a:ext uri="{FF2B5EF4-FFF2-40B4-BE49-F238E27FC236}">
+                <a16:creationId xmlns:a16="http://schemas.microsoft.com/office/drawing/2014/main" id="{83F0726B-084D-45D7-A007-77F9B1BDDA01}"/>
+              </a:ext>
+            </a:extLst>
+          </p:cNvPr>
+          <p:cNvGraphicFramePr>
+            <a:graphicFrameLocks noGrp="1"/>
+          </p:cNvGraphicFramePr>
+          <p:nvPr>
+            <p:extLst>
+              <p:ext uri="{D42A27DB-BD31-4B8C-83A1-F6EECF244321}">
+                <p14:modId xmlns:p14="http://schemas.microsoft.com/office/powerpoint/2010/main" val="267452047"/>
+              </p:ext>
+            </p:extLst>
+          </p:nvPr>
+        </p:nvGraphicFramePr>
+        <p:xfrm>
+          <a:off x="8188442" y="1086215"/>
+          <a:ext cx="3349035" cy="1841999"/>
+        </p:xfrm>
+        <a:graphic>
+          <a:graphicData uri="http://schemas.openxmlformats.org/drawingml/2006/table">
+            <a:tbl>
+              <a:tblPr>
+                <a:tableStyleId>{E8B1032C-EA38-4F05-BA0D-38AFFFC7BED3}</a:tableStyleId>
+              </a:tblPr>
+              <a:tblGrid>
+                <a:gridCol w="669807">
+                  <a:extLst>
+                    <a:ext uri="{9D8B030D-6E8A-4147-A177-3AD203B41FA5}">
+                      <a16:colId xmlns:a16="http://schemas.microsoft.com/office/drawing/2014/main" val="96190203"/>
+                    </a:ext>
+                  </a:extLst>
+                </a:gridCol>
+                <a:gridCol w="669807">
+                  <a:extLst>
+                    <a:ext uri="{9D8B030D-6E8A-4147-A177-3AD203B41FA5}">
+                      <a16:colId xmlns:a16="http://schemas.microsoft.com/office/drawing/2014/main" val="2011770981"/>
+                    </a:ext>
+                  </a:extLst>
+                </a:gridCol>
+                <a:gridCol w="669807">
+                  <a:extLst>
+                    <a:ext uri="{9D8B030D-6E8A-4147-A177-3AD203B41FA5}">
+                      <a16:colId xmlns:a16="http://schemas.microsoft.com/office/drawing/2014/main" val="3673841729"/>
+                    </a:ext>
+                  </a:extLst>
+                </a:gridCol>
+                <a:gridCol w="669807">
+                  <a:extLst>
+                    <a:ext uri="{9D8B030D-6E8A-4147-A177-3AD203B41FA5}">
+                      <a16:colId xmlns:a16="http://schemas.microsoft.com/office/drawing/2014/main" val="1964090602"/>
+                    </a:ext>
+                  </a:extLst>
+                </a:gridCol>
+                <a:gridCol w="669807">
+                  <a:extLst>
+                    <a:ext uri="{9D8B030D-6E8A-4147-A177-3AD203B41FA5}">
+                      <a16:colId xmlns:a16="http://schemas.microsoft.com/office/drawing/2014/main" val="2337304450"/>
+                    </a:ext>
+                  </a:extLst>
+                </a:gridCol>
+              </a:tblGrid>
+              <a:tr h="622799">
+                <a:tc>
+                  <a:txBody>
+                    <a:bodyPr/>
+                    <a:lstStyle/>
+                    <a:p>
+                      <a:pPr algn="ctr" fontAlgn="b"/>
+                      <a:r>
+                        <a:rPr lang="en-NZ" sz="1600" b="0" u="none" strike="noStrike" dirty="0">
+                          <a:effectLst/>
+                          <a:latin typeface="Comic Sans MS" panose="030F0702030302020204" pitchFamily="66" charset="0"/>
+                        </a:rPr>
+                        <a:t>Rad (Gy)</a:t>
+                      </a:r>
+                      <a:endParaRPr lang="en-NZ" sz="1600" b="0" i="0" u="none" strike="noStrike" dirty="0">
+                        <a:solidFill>
+                          <a:srgbClr val="000000"/>
+                        </a:solidFill>
+                        <a:effectLst/>
+                        <a:latin typeface="Comic Sans MS" panose="030F0702030302020204" pitchFamily="66" charset="0"/>
+                      </a:endParaRPr>
+                    </a:p>
+                  </a:txBody>
+                  <a:tcPr marL="0" marR="0" marT="0" marB="0" anchor="b"/>
+                </a:tc>
+                <a:tc>
+                  <a:txBody>
+                    <a:bodyPr/>
+                    <a:lstStyle/>
+                    <a:p>
+                      <a:pPr algn="ctr" fontAlgn="b"/>
+                      <a:r>
+                        <a:rPr lang="en-NZ" sz="1600" b="0" i="0" u="none" strike="noStrike" dirty="0">
+                          <a:solidFill>
+                            <a:srgbClr val="000000"/>
+                          </a:solidFill>
+                          <a:effectLst/>
+                          <a:latin typeface="Comic Sans MS" panose="030F0702030302020204" pitchFamily="66" charset="0"/>
+                        </a:rPr>
+                        <a:t>Sub-G1</a:t>
+                      </a:r>
+                    </a:p>
+                  </a:txBody>
+                  <a:tcPr marL="0" marR="0" marT="0" marB="0" anchor="b"/>
+                </a:tc>
+                <a:tc>
+                  <a:txBody>
+                    <a:bodyPr/>
+                    <a:lstStyle/>
+                    <a:p>
+                      <a:pPr algn="ctr" fontAlgn="b"/>
+                      <a:r>
+                        <a:rPr lang="en-NZ" sz="1600" b="0" u="none" strike="noStrike" dirty="0">
+                          <a:effectLst/>
+                          <a:latin typeface="Comic Sans MS" panose="030F0702030302020204" pitchFamily="66" charset="0"/>
+                        </a:rPr>
+                        <a:t>G1</a:t>
+                      </a:r>
+                      <a:endParaRPr lang="en-NZ" sz="1600" b="0" i="0" u="none" strike="noStrike" dirty="0">
+                        <a:solidFill>
+                          <a:srgbClr val="000000"/>
+                        </a:solidFill>
+                        <a:effectLst/>
+                        <a:latin typeface="Comic Sans MS" panose="030F0702030302020204" pitchFamily="66" charset="0"/>
+                      </a:endParaRPr>
+                    </a:p>
+                  </a:txBody>
+                  <a:tcPr marL="0" marR="0" marT="0" marB="0" anchor="b"/>
+                </a:tc>
+                <a:tc>
+                  <a:txBody>
+                    <a:bodyPr/>
+                    <a:lstStyle/>
+                    <a:p>
+                      <a:pPr algn="ctr" fontAlgn="b"/>
+                      <a:r>
+                        <a:rPr lang="en-NZ" sz="1600" b="0" u="none" strike="noStrike" dirty="0">
+                          <a:effectLst/>
+                          <a:latin typeface="Comic Sans MS" panose="030F0702030302020204" pitchFamily="66" charset="0"/>
+                        </a:rPr>
+                        <a:t>S</a:t>
+                      </a:r>
+                      <a:endParaRPr lang="en-NZ" sz="1600" b="0" i="0" u="none" strike="noStrike" dirty="0">
+                        <a:solidFill>
+                          <a:srgbClr val="000000"/>
+                        </a:solidFill>
+                        <a:effectLst/>
+                        <a:latin typeface="Comic Sans MS" panose="030F0702030302020204" pitchFamily="66" charset="0"/>
+                      </a:endParaRPr>
+                    </a:p>
+                  </a:txBody>
+                  <a:tcPr marL="0" marR="0" marT="0" marB="0" anchor="b"/>
+                </a:tc>
+                <a:tc>
+                  <a:txBody>
+                    <a:bodyPr/>
+                    <a:lstStyle/>
+                    <a:p>
+                      <a:pPr algn="ctr" fontAlgn="b"/>
+                      <a:r>
+                        <a:rPr lang="en-NZ" sz="1600" b="0" u="none" strike="noStrike" dirty="0">
+                          <a:effectLst/>
+                          <a:latin typeface="Comic Sans MS" panose="030F0702030302020204" pitchFamily="66" charset="0"/>
+                        </a:rPr>
+                        <a:t>G2</a:t>
+                      </a:r>
+                      <a:endParaRPr lang="en-NZ" sz="1600" b="0" i="0" u="none" strike="noStrike" dirty="0">
+                        <a:solidFill>
+                          <a:srgbClr val="000000"/>
+                        </a:solidFill>
+                        <a:effectLst/>
+                        <a:latin typeface="Comic Sans MS" panose="030F0702030302020204" pitchFamily="66" charset="0"/>
+                      </a:endParaRPr>
+                    </a:p>
+                  </a:txBody>
+                  <a:tcPr marL="0" marR="0" marT="0" marB="0" anchor="b"/>
+                </a:tc>
+                <a:extLst>
+                  <a:ext uri="{0D108BD9-81ED-4DB2-BD59-A6C34878D82A}">
+                    <a16:rowId xmlns:a16="http://schemas.microsoft.com/office/drawing/2014/main" val="2765767569"/>
+                  </a:ext>
+                </a:extLst>
+              </a:tr>
+              <a:tr h="224097">
+                <a:tc>
+                  <a:txBody>
+                    <a:bodyPr/>
+                    <a:lstStyle/>
+                    <a:p>
+                      <a:pPr algn="ctr" fontAlgn="b"/>
+                      <a:r>
+                        <a:rPr lang="en-NZ" sz="1600" b="0" u="none" strike="noStrike">
+                          <a:effectLst/>
+                          <a:latin typeface="Comic Sans MS" panose="030F0702030302020204" pitchFamily="66" charset="0"/>
+                        </a:rPr>
+                        <a:t>0</a:t>
+                      </a:r>
+                      <a:endParaRPr lang="en-NZ" sz="1600" b="0" i="0" u="none" strike="noStrike">
+                        <a:solidFill>
+                          <a:srgbClr val="000000"/>
+                        </a:solidFill>
+                        <a:effectLst/>
+                        <a:latin typeface="Comic Sans MS" panose="030F0702030302020204" pitchFamily="66" charset="0"/>
+                      </a:endParaRPr>
+                    </a:p>
+                  </a:txBody>
+                  <a:tcPr marL="0" marR="0" marT="0" marB="0" anchor="b"/>
+                </a:tc>
+                <a:tc>
+                  <a:txBody>
+                    <a:bodyPr/>
+                    <a:lstStyle/>
+                    <a:p>
+                      <a:pPr algn="ctr" fontAlgn="b"/>
+                      <a:r>
+                        <a:rPr lang="en-NZ" sz="1200" b="0" i="0" u="none" strike="noStrike" dirty="0">
+                          <a:effectLst/>
+                          <a:latin typeface="Comic Sans MS" panose="030F0702030302020204" pitchFamily="66" charset="0"/>
+                        </a:rPr>
+                        <a:t>2.36</a:t>
+                      </a:r>
+                    </a:p>
+                  </a:txBody>
+                  <a:tcPr marL="9525" marR="9525" marT="9525" marB="0" anchor="b"/>
+                </a:tc>
+                <a:tc>
+                  <a:txBody>
+                    <a:bodyPr/>
+                    <a:lstStyle/>
+                    <a:p>
+                      <a:pPr algn="ctr" fontAlgn="b"/>
+                      <a:r>
+                        <a:rPr lang="en-NZ" sz="1200" b="0" i="0" u="none" strike="noStrike" dirty="0">
+                          <a:effectLst/>
+                          <a:latin typeface="Comic Sans MS" panose="030F0702030302020204" pitchFamily="66" charset="0"/>
+                        </a:rPr>
+                        <a:t>41.8</a:t>
+                      </a:r>
+                    </a:p>
+                  </a:txBody>
+                  <a:tcPr marL="9525" marR="9525" marT="9525" marB="0" anchor="b"/>
+                </a:tc>
+                <a:tc>
+                  <a:txBody>
+                    <a:bodyPr/>
+                    <a:lstStyle/>
+                    <a:p>
+                      <a:pPr algn="ctr" fontAlgn="b"/>
+                      <a:r>
+                        <a:rPr lang="en-NZ" sz="1200" b="0" i="0" u="none" strike="noStrike" dirty="0">
+                          <a:effectLst/>
+                          <a:latin typeface="Comic Sans MS" panose="030F0702030302020204" pitchFamily="66" charset="0"/>
+                        </a:rPr>
+                        <a:t>43.8</a:t>
+                      </a:r>
+                    </a:p>
+                  </a:txBody>
+                  <a:tcPr marL="9525" marR="9525" marT="9525" marB="0" anchor="b"/>
+                </a:tc>
+                <a:tc>
+                  <a:txBody>
+                    <a:bodyPr/>
+                    <a:lstStyle/>
+                    <a:p>
+                      <a:pPr algn="ctr" fontAlgn="b"/>
+                      <a:r>
+                        <a:rPr lang="en-NZ" sz="1200" b="0" i="0" u="none" strike="noStrike">
+                          <a:effectLst/>
+                          <a:latin typeface="Comic Sans MS" panose="030F0702030302020204" pitchFamily="66" charset="0"/>
+                        </a:rPr>
+                        <a:t>13.3</a:t>
+                      </a:r>
+                    </a:p>
+                  </a:txBody>
+                  <a:tcPr marL="9525" marR="9525" marT="9525" marB="0" anchor="b"/>
+                </a:tc>
+                <a:extLst>
+                  <a:ext uri="{0D108BD9-81ED-4DB2-BD59-A6C34878D82A}">
+                    <a16:rowId xmlns:a16="http://schemas.microsoft.com/office/drawing/2014/main" val="550385731"/>
+                  </a:ext>
+                </a:extLst>
+              </a:tr>
+              <a:tr h="224097">
+                <a:tc>
+                  <a:txBody>
+                    <a:bodyPr/>
+                    <a:lstStyle/>
+                    <a:p>
+                      <a:pPr algn="ctr" fontAlgn="b"/>
+                      <a:r>
+                        <a:rPr lang="en-NZ" sz="1600" b="0" u="none" strike="noStrike">
+                          <a:effectLst/>
+                          <a:latin typeface="Comic Sans MS" panose="030F0702030302020204" pitchFamily="66" charset="0"/>
+                        </a:rPr>
+                        <a:t>2</a:t>
+                      </a:r>
+                      <a:endParaRPr lang="en-NZ" sz="1600" b="0" i="0" u="none" strike="noStrike">
+                        <a:solidFill>
+                          <a:srgbClr val="000000"/>
+                        </a:solidFill>
+                        <a:effectLst/>
+                        <a:latin typeface="Comic Sans MS" panose="030F0702030302020204" pitchFamily="66" charset="0"/>
+                      </a:endParaRPr>
+                    </a:p>
+                  </a:txBody>
+                  <a:tcPr marL="0" marR="0" marT="0" marB="0" anchor="b"/>
+                </a:tc>
+                <a:tc>
+                  <a:txBody>
+                    <a:bodyPr/>
+                    <a:lstStyle/>
+                    <a:p>
+                      <a:pPr algn="ctr" fontAlgn="b"/>
+                      <a:r>
+                        <a:rPr lang="en-NZ" sz="1200" b="0" i="0" u="none" strike="noStrike">
+                          <a:effectLst/>
+                          <a:latin typeface="Comic Sans MS" panose="030F0702030302020204" pitchFamily="66" charset="0"/>
+                        </a:rPr>
+                        <a:t>4.35</a:t>
+                      </a:r>
+                    </a:p>
+                  </a:txBody>
+                  <a:tcPr marL="9525" marR="9525" marT="9525" marB="0" anchor="b"/>
+                </a:tc>
+                <a:tc>
+                  <a:txBody>
+                    <a:bodyPr/>
+                    <a:lstStyle/>
+                    <a:p>
+                      <a:pPr algn="ctr" fontAlgn="b"/>
+                      <a:r>
+                        <a:rPr lang="en-NZ" sz="1200" b="0" i="0" u="none" strike="noStrike">
+                          <a:effectLst/>
+                          <a:latin typeface="Comic Sans MS" panose="030F0702030302020204" pitchFamily="66" charset="0"/>
+                        </a:rPr>
+                        <a:t>31.1</a:t>
+                      </a:r>
+                    </a:p>
+                  </a:txBody>
+                  <a:tcPr marL="9525" marR="9525" marT="9525" marB="0" anchor="b"/>
+                </a:tc>
+                <a:tc>
+                  <a:txBody>
+                    <a:bodyPr/>
+                    <a:lstStyle/>
+                    <a:p>
+                      <a:pPr algn="ctr" fontAlgn="b"/>
+                      <a:r>
+                        <a:rPr lang="en-NZ" sz="1200" b="0" i="0" u="none" strike="noStrike" dirty="0">
+                          <a:effectLst/>
+                          <a:latin typeface="Comic Sans MS" panose="030F0702030302020204" pitchFamily="66" charset="0"/>
+                        </a:rPr>
+                        <a:t>53.3</a:t>
+                      </a:r>
+                    </a:p>
+                  </a:txBody>
+                  <a:tcPr marL="9525" marR="9525" marT="9525" marB="0" anchor="b"/>
+                </a:tc>
+                <a:tc>
+                  <a:txBody>
+                    <a:bodyPr/>
+                    <a:lstStyle/>
+                    <a:p>
+                      <a:pPr algn="ctr" fontAlgn="b"/>
+                      <a:r>
+                        <a:rPr lang="en-NZ" sz="1200" b="0" i="0" u="none" strike="noStrike" dirty="0">
+                          <a:effectLst/>
+                          <a:latin typeface="Comic Sans MS" panose="030F0702030302020204" pitchFamily="66" charset="0"/>
+                        </a:rPr>
+                        <a:t>15.7</a:t>
+                      </a:r>
+                    </a:p>
+                  </a:txBody>
+                  <a:tcPr marL="9525" marR="9525" marT="9525" marB="0" anchor="b"/>
+                </a:tc>
+                <a:extLst>
+                  <a:ext uri="{0D108BD9-81ED-4DB2-BD59-A6C34878D82A}">
+                    <a16:rowId xmlns:a16="http://schemas.microsoft.com/office/drawing/2014/main" val="1057367338"/>
+                  </a:ext>
+                </a:extLst>
+              </a:tr>
+              <a:tr h="224097">
+                <a:tc>
+                  <a:txBody>
+                    <a:bodyPr/>
+                    <a:lstStyle/>
+                    <a:p>
+                      <a:pPr algn="ctr" fontAlgn="b"/>
+                      <a:r>
+                        <a:rPr lang="en-NZ" sz="1600" b="0" u="none" strike="noStrike">
+                          <a:effectLst/>
+                          <a:latin typeface="Comic Sans MS" panose="030F0702030302020204" pitchFamily="66" charset="0"/>
+                        </a:rPr>
+                        <a:t>4</a:t>
+                      </a:r>
+                      <a:endParaRPr lang="en-NZ" sz="1600" b="0" i="0" u="none" strike="noStrike">
+                        <a:solidFill>
+                          <a:srgbClr val="000000"/>
+                        </a:solidFill>
+                        <a:effectLst/>
+                        <a:latin typeface="Comic Sans MS" panose="030F0702030302020204" pitchFamily="66" charset="0"/>
+                      </a:endParaRPr>
+                    </a:p>
+                  </a:txBody>
+                  <a:tcPr marL="0" marR="0" marT="0" marB="0" anchor="b"/>
+                </a:tc>
+                <a:tc>
+                  <a:txBody>
+                    <a:bodyPr/>
+                    <a:lstStyle/>
+                    <a:p>
+                      <a:pPr algn="ctr" fontAlgn="b"/>
+                      <a:r>
+                        <a:rPr lang="en-NZ" sz="1200" b="0" i="0" u="none" strike="noStrike">
+                          <a:effectLst/>
+                          <a:latin typeface="Comic Sans MS" panose="030F0702030302020204" pitchFamily="66" charset="0"/>
+                        </a:rPr>
+                        <a:t>4.94</a:t>
+                      </a:r>
+                    </a:p>
+                  </a:txBody>
+                  <a:tcPr marL="9525" marR="9525" marT="9525" marB="0" anchor="b"/>
+                </a:tc>
+                <a:tc>
+                  <a:txBody>
+                    <a:bodyPr/>
+                    <a:lstStyle/>
+                    <a:p>
+                      <a:pPr algn="ctr" fontAlgn="b"/>
+                      <a:r>
+                        <a:rPr lang="en-NZ" sz="1200" b="0" i="0" u="none" strike="noStrike">
+                          <a:effectLst/>
+                          <a:latin typeface="Comic Sans MS" panose="030F0702030302020204" pitchFamily="66" charset="0"/>
+                        </a:rPr>
+                        <a:t>20.5</a:t>
+                      </a:r>
+                    </a:p>
+                  </a:txBody>
+                  <a:tcPr marL="9525" marR="9525" marT="9525" marB="0" anchor="b"/>
+                </a:tc>
+                <a:tc>
+                  <a:txBody>
+                    <a:bodyPr/>
+                    <a:lstStyle/>
+                    <a:p>
+                      <a:pPr algn="ctr" fontAlgn="b"/>
+                      <a:r>
+                        <a:rPr lang="en-NZ" sz="1200" b="0" i="0" u="none" strike="noStrike">
+                          <a:effectLst/>
+                          <a:latin typeface="Comic Sans MS" panose="030F0702030302020204" pitchFamily="66" charset="0"/>
+                        </a:rPr>
+                        <a:t>54.6</a:t>
+                      </a:r>
+                    </a:p>
+                  </a:txBody>
+                  <a:tcPr marL="9525" marR="9525" marT="9525" marB="0" anchor="b"/>
+                </a:tc>
+                <a:tc>
+                  <a:txBody>
+                    <a:bodyPr/>
+                    <a:lstStyle/>
+                    <a:p>
+                      <a:pPr algn="ctr" fontAlgn="b"/>
+                      <a:r>
+                        <a:rPr lang="en-NZ" sz="1200" b="0" i="0" u="none" strike="noStrike">
+                          <a:effectLst/>
+                          <a:latin typeface="Comic Sans MS" panose="030F0702030302020204" pitchFamily="66" charset="0"/>
+                        </a:rPr>
+                        <a:t>24.8</a:t>
+                      </a:r>
+                    </a:p>
+                  </a:txBody>
+                  <a:tcPr marL="9525" marR="9525" marT="9525" marB="0" anchor="b"/>
+                </a:tc>
+                <a:extLst>
+                  <a:ext uri="{0D108BD9-81ED-4DB2-BD59-A6C34878D82A}">
+                    <a16:rowId xmlns:a16="http://schemas.microsoft.com/office/drawing/2014/main" val="1606945285"/>
+                  </a:ext>
+                </a:extLst>
+              </a:tr>
+              <a:tr h="224097">
+                <a:tc>
+                  <a:txBody>
+                    <a:bodyPr/>
+                    <a:lstStyle/>
+                    <a:p>
+                      <a:pPr algn="ctr" fontAlgn="b"/>
+                      <a:r>
+                        <a:rPr lang="en-NZ" sz="1600" b="0" u="none" strike="noStrike">
+                          <a:effectLst/>
+                          <a:latin typeface="Comic Sans MS" panose="030F0702030302020204" pitchFamily="66" charset="0"/>
+                        </a:rPr>
+                        <a:t>6</a:t>
+                      </a:r>
+                      <a:endParaRPr lang="en-NZ" sz="1600" b="0" i="0" u="none" strike="noStrike">
+                        <a:solidFill>
+                          <a:srgbClr val="000000"/>
+                        </a:solidFill>
+                        <a:effectLst/>
+                        <a:latin typeface="Comic Sans MS" panose="030F0702030302020204" pitchFamily="66" charset="0"/>
+                      </a:endParaRPr>
+                    </a:p>
+                  </a:txBody>
+                  <a:tcPr marL="0" marR="0" marT="0" marB="0" anchor="b"/>
+                </a:tc>
+                <a:tc>
+                  <a:txBody>
+                    <a:bodyPr/>
+                    <a:lstStyle/>
+                    <a:p>
+                      <a:pPr algn="ctr" fontAlgn="b"/>
+                      <a:r>
+                        <a:rPr lang="en-NZ" sz="1200" b="0" i="0" u="none" strike="noStrike">
+                          <a:effectLst/>
+                          <a:latin typeface="Comic Sans MS" panose="030F0702030302020204" pitchFamily="66" charset="0"/>
+                        </a:rPr>
+                        <a:t>3.96</a:t>
+                      </a:r>
+                    </a:p>
+                  </a:txBody>
+                  <a:tcPr marL="9525" marR="9525" marT="9525" marB="0" anchor="b"/>
+                </a:tc>
+                <a:tc>
+                  <a:txBody>
+                    <a:bodyPr/>
+                    <a:lstStyle/>
+                    <a:p>
+                      <a:pPr algn="ctr" fontAlgn="b"/>
+                      <a:r>
+                        <a:rPr lang="en-NZ" sz="1200" b="0" i="0" u="none" strike="noStrike" dirty="0">
+                          <a:effectLst/>
+                          <a:latin typeface="Comic Sans MS" panose="030F0702030302020204" pitchFamily="66" charset="0"/>
+                        </a:rPr>
+                        <a:t>15.0</a:t>
+                      </a:r>
+                    </a:p>
+                  </a:txBody>
+                  <a:tcPr marL="9525" marR="9525" marT="9525" marB="0" anchor="b"/>
+                </a:tc>
+                <a:tc>
+                  <a:txBody>
+                    <a:bodyPr/>
+                    <a:lstStyle/>
+                    <a:p>
+                      <a:pPr algn="ctr" fontAlgn="b"/>
+                      <a:r>
+                        <a:rPr lang="en-NZ" sz="1200" b="0" i="0" u="none" strike="noStrike">
+                          <a:effectLst/>
+                          <a:latin typeface="Comic Sans MS" panose="030F0702030302020204" pitchFamily="66" charset="0"/>
+                        </a:rPr>
+                        <a:t>49.6</a:t>
+                      </a:r>
+                    </a:p>
+                  </a:txBody>
+                  <a:tcPr marL="9525" marR="9525" marT="9525" marB="0" anchor="b"/>
+                </a:tc>
+                <a:tc>
+                  <a:txBody>
+                    <a:bodyPr/>
+                    <a:lstStyle/>
+                    <a:p>
+                      <a:pPr algn="ctr" fontAlgn="b"/>
+                      <a:r>
+                        <a:rPr lang="en-NZ" sz="1200" b="0" i="0" u="none" strike="noStrike">
+                          <a:effectLst/>
+                          <a:latin typeface="Comic Sans MS" panose="030F0702030302020204" pitchFamily="66" charset="0"/>
+                        </a:rPr>
+                        <a:t>35.3</a:t>
+                      </a:r>
+                    </a:p>
+                  </a:txBody>
+                  <a:tcPr marL="9525" marR="9525" marT="9525" marB="0" anchor="b"/>
+                </a:tc>
+                <a:extLst>
+                  <a:ext uri="{0D108BD9-81ED-4DB2-BD59-A6C34878D82A}">
+                    <a16:rowId xmlns:a16="http://schemas.microsoft.com/office/drawing/2014/main" val="650925711"/>
+                  </a:ext>
+                </a:extLst>
+              </a:tr>
+              <a:tr h="224097">
+                <a:tc>
+                  <a:txBody>
+                    <a:bodyPr/>
+                    <a:lstStyle/>
+                    <a:p>
+                      <a:pPr algn="ctr" fontAlgn="b"/>
+                      <a:r>
+                        <a:rPr lang="en-NZ" sz="1600" b="0" u="none" strike="noStrike">
+                          <a:effectLst/>
+                          <a:latin typeface="Comic Sans MS" panose="030F0702030302020204" pitchFamily="66" charset="0"/>
+                        </a:rPr>
+                        <a:t>8</a:t>
+                      </a:r>
+                      <a:endParaRPr lang="en-NZ" sz="1600" b="0" i="0" u="none" strike="noStrike">
+                        <a:solidFill>
+                          <a:srgbClr val="000000"/>
+                        </a:solidFill>
+                        <a:effectLst/>
+                        <a:latin typeface="Comic Sans MS" panose="030F0702030302020204" pitchFamily="66" charset="0"/>
+                      </a:endParaRPr>
+                    </a:p>
+                  </a:txBody>
+                  <a:tcPr marL="0" marR="0" marT="0" marB="0" anchor="b"/>
+                </a:tc>
+                <a:tc>
+                  <a:txBody>
+                    <a:bodyPr/>
+                    <a:lstStyle/>
+                    <a:p>
+                      <a:pPr algn="ctr" fontAlgn="b"/>
+                      <a:r>
+                        <a:rPr lang="en-NZ" sz="1200" b="0" i="0" u="none" strike="noStrike">
+                          <a:effectLst/>
+                          <a:latin typeface="Comic Sans MS" panose="030F0702030302020204" pitchFamily="66" charset="0"/>
+                        </a:rPr>
+                        <a:t>4.31</a:t>
+                      </a:r>
+                    </a:p>
+                  </a:txBody>
+                  <a:tcPr marL="9525" marR="9525" marT="9525" marB="0" anchor="b"/>
+                </a:tc>
+                <a:tc>
+                  <a:txBody>
+                    <a:bodyPr/>
+                    <a:lstStyle/>
+                    <a:p>
+                      <a:pPr algn="ctr" fontAlgn="b"/>
+                      <a:r>
+                        <a:rPr lang="en-NZ" sz="1200" b="0" i="0" u="none" strike="noStrike">
+                          <a:effectLst/>
+                          <a:latin typeface="Comic Sans MS" panose="030F0702030302020204" pitchFamily="66" charset="0"/>
+                        </a:rPr>
+                        <a:t>12.3</a:t>
+                      </a:r>
+                    </a:p>
+                  </a:txBody>
+                  <a:tcPr marL="9525" marR="9525" marT="9525" marB="0" anchor="b"/>
+                </a:tc>
+                <a:tc>
+                  <a:txBody>
+                    <a:bodyPr/>
+                    <a:lstStyle/>
+                    <a:p>
+                      <a:pPr algn="ctr" fontAlgn="b"/>
+                      <a:r>
+                        <a:rPr lang="en-NZ" sz="1200" b="0" i="0" u="none" strike="noStrike">
+                          <a:effectLst/>
+                          <a:latin typeface="Comic Sans MS" panose="030F0702030302020204" pitchFamily="66" charset="0"/>
+                        </a:rPr>
+                        <a:t>31.7</a:t>
+                      </a:r>
+                    </a:p>
+                  </a:txBody>
+                  <a:tcPr marL="9525" marR="9525" marT="9525" marB="0" anchor="b"/>
+                </a:tc>
+                <a:tc>
+                  <a:txBody>
+                    <a:bodyPr/>
+                    <a:lstStyle/>
+                    <a:p>
+                      <a:pPr algn="ctr" fontAlgn="b"/>
+                      <a:r>
+                        <a:rPr lang="en-NZ" sz="1200" b="0" i="0" u="none" strike="noStrike" dirty="0">
+                          <a:effectLst/>
+                          <a:latin typeface="Comic Sans MS" panose="030F0702030302020204" pitchFamily="66" charset="0"/>
+                        </a:rPr>
+                        <a:t>56.0</a:t>
+                      </a:r>
+                    </a:p>
+                  </a:txBody>
+                  <a:tcPr marL="9525" marR="9525" marT="9525" marB="0" anchor="b"/>
+                </a:tc>
+                <a:extLst>
+                  <a:ext uri="{0D108BD9-81ED-4DB2-BD59-A6C34878D82A}">
+                    <a16:rowId xmlns:a16="http://schemas.microsoft.com/office/drawing/2014/main" val="1571413639"/>
+                  </a:ext>
+                </a:extLst>
+              </a:tr>
+            </a:tbl>
+          </a:graphicData>
+        </a:graphic>
+      </p:graphicFrame>
+      <p:sp>
+        <p:nvSpPr>
+          <p:cNvPr id="41" name="Rectangle: Rounded Corners 40">
+            <a:extLst>
+              <a:ext uri="{FF2B5EF4-FFF2-40B4-BE49-F238E27FC236}">
+                <a16:creationId xmlns:a16="http://schemas.microsoft.com/office/drawing/2014/main" id="{B2EA8626-056F-401E-9FE7-F3B2DA7207E7}"/>
+              </a:ext>
+            </a:extLst>
+          </p:cNvPr>
+          <p:cNvSpPr/>
+          <p:nvPr/>
+        </p:nvSpPr>
+        <p:spPr>
+          <a:xfrm>
+            <a:off x="110817" y="3575631"/>
+            <a:ext cx="11961359" cy="3201405"/>
+          </a:xfrm>
+          <a:prstGeom prst="roundRect">
+            <a:avLst/>
+          </a:prstGeom>
+          <a:noFill/>
+          <a:ln/>
+        </p:spPr>
+        <p:style>
+          <a:lnRef idx="2">
+            <a:schemeClr val="accent6"/>
+          </a:lnRef>
+          <a:fillRef idx="1">
+            <a:schemeClr val="lt1"/>
+          </a:fillRef>
+          <a:effectRef idx="0">
+            <a:schemeClr val="accent6"/>
+          </a:effectRef>
+          <a:fontRef idx="minor">
+            <a:schemeClr val="dk1"/>
+          </a:fontRef>
+        </p:style>
+        <p:txBody>
+          <a:bodyPr rtlCol="0" anchor="ctr"/>
+          <a:lstStyle/>
+          <a:p>
+            <a:pPr algn="ctr"/>
+            <a:endParaRPr lang="en-NZ">
+              <a:solidFill>
+                <a:srgbClr val="FF0000"/>
+              </a:solidFill>
+            </a:endParaRPr>
+          </a:p>
+        </p:txBody>
+      </p:sp>
+      <p:sp>
+        <p:nvSpPr>
+          <p:cNvPr id="42" name="TextBox 41">
+            <a:extLst>
+              <a:ext uri="{FF2B5EF4-FFF2-40B4-BE49-F238E27FC236}">
+                <a16:creationId xmlns:a16="http://schemas.microsoft.com/office/drawing/2014/main" id="{18306980-A433-4C08-BE02-6767CE68412F}"/>
+              </a:ext>
+            </a:extLst>
+          </p:cNvPr>
+          <p:cNvSpPr txBox="1"/>
+          <p:nvPr/>
+        </p:nvSpPr>
+        <p:spPr>
+          <a:xfrm>
+            <a:off x="119823" y="3474225"/>
+            <a:ext cx="2315057" cy="369332"/>
+          </a:xfrm>
+          <a:prstGeom prst="rect">
+            <a:avLst/>
+          </a:prstGeom>
+          <a:solidFill>
+            <a:schemeClr val="bg1"/>
+          </a:solidFill>
+        </p:spPr>
+        <p:txBody>
+          <a:bodyPr wrap="none" rtlCol="0">
+            <a:spAutoFit/>
+          </a:bodyPr>
+          <a:lstStyle/>
+          <a:p>
+            <a:r>
+              <a:rPr lang="en-NZ" dirty="0">
+                <a:solidFill>
+                  <a:srgbClr val="00B050"/>
+                </a:solidFill>
+                <a:latin typeface="Comic Sans MS" panose="030F0702030302020204" pitchFamily="66" charset="0"/>
+              </a:rPr>
+              <a:t>18 h after radiation</a:t>
+            </a:r>
+          </a:p>
+        </p:txBody>
+      </p:sp>
+      <p:sp>
+        <p:nvSpPr>
+          <p:cNvPr id="10" name="TextBox 9">
+            <a:extLst>
+              <a:ext uri="{FF2B5EF4-FFF2-40B4-BE49-F238E27FC236}">
+                <a16:creationId xmlns:a16="http://schemas.microsoft.com/office/drawing/2014/main" id="{DB6FEEC3-73C0-4F29-A39F-D0DEABE460AB}"/>
+              </a:ext>
+            </a:extLst>
+          </p:cNvPr>
+          <p:cNvSpPr txBox="1"/>
+          <p:nvPr/>
+        </p:nvSpPr>
+        <p:spPr>
+          <a:xfrm>
+            <a:off x="952894" y="3854869"/>
+            <a:ext cx="10202473" cy="369332"/>
+          </a:xfrm>
+          <a:prstGeom prst="rect">
+            <a:avLst/>
+          </a:prstGeom>
+          <a:noFill/>
+        </p:spPr>
+        <p:txBody>
+          <a:bodyPr wrap="none" rtlCol="0">
+            <a:spAutoFit/>
+          </a:bodyPr>
+          <a:lstStyle/>
+          <a:p>
+            <a:r>
+              <a:rPr lang="en-NZ" dirty="0">
+                <a:solidFill>
+                  <a:srgbClr val="00B050"/>
+                </a:solidFill>
+              </a:rPr>
+              <a:t>0 Gy                                       2Gy                                        4 Gy                                   6 Gy                                     8Gy </a:t>
+            </a:r>
+          </a:p>
+        </p:txBody>
+      </p:sp>
+      <p:sp>
+        <p:nvSpPr>
+          <p:cNvPr id="43" name="TextBox 42">
+            <a:extLst>
+              <a:ext uri="{FF2B5EF4-FFF2-40B4-BE49-F238E27FC236}">
+                <a16:creationId xmlns:a16="http://schemas.microsoft.com/office/drawing/2014/main" id="{77E4DB7B-29E4-425E-9387-976844BB2963}"/>
+              </a:ext>
+            </a:extLst>
+          </p:cNvPr>
+          <p:cNvSpPr txBox="1"/>
+          <p:nvPr/>
+        </p:nvSpPr>
+        <p:spPr>
+          <a:xfrm>
+            <a:off x="10028295" y="662145"/>
+            <a:ext cx="349776" cy="369332"/>
+          </a:xfrm>
+          <a:prstGeom prst="rect">
+            <a:avLst/>
+          </a:prstGeom>
+          <a:noFill/>
+        </p:spPr>
+        <p:txBody>
+          <a:bodyPr wrap="none" rtlCol="0">
+            <a:spAutoFit/>
+          </a:bodyPr>
+          <a:lstStyle/>
+          <a:p>
+            <a:r>
+              <a:rPr lang="en-NZ" dirty="0"/>
+              <a:t>%</a:t>
+            </a:r>
+          </a:p>
+        </p:txBody>
+      </p:sp>
+      <p:pic>
+        <p:nvPicPr>
+          <p:cNvPr id="3" name="Picture 2">
+            <a:extLst>
+              <a:ext uri="{FF2B5EF4-FFF2-40B4-BE49-F238E27FC236}">
+                <a16:creationId xmlns:a16="http://schemas.microsoft.com/office/drawing/2014/main" id="{C03866CA-CD79-4357-B3EC-5B8CC792DA25}"/>
+              </a:ext>
+            </a:extLst>
+          </p:cNvPr>
+          <p:cNvPicPr>
+            <a:picLocks noChangeAspect="1"/>
+          </p:cNvPicPr>
+          <p:nvPr/>
+        </p:nvPicPr>
+        <p:blipFill>
+          <a:blip r:embed="rId3"/>
+          <a:stretch>
+            <a:fillRect/>
+          </a:stretch>
+        </p:blipFill>
+        <p:spPr>
+          <a:xfrm>
+            <a:off x="838569" y="804944"/>
+            <a:ext cx="2450258" cy="2411973"/>
+          </a:xfrm>
+          <a:prstGeom prst="rect">
+            <a:avLst/>
+          </a:prstGeom>
+        </p:spPr>
+      </p:pic>
+      <p:pic>
+        <p:nvPicPr>
+          <p:cNvPr id="5" name="Picture 4">
+            <a:extLst>
+              <a:ext uri="{FF2B5EF4-FFF2-40B4-BE49-F238E27FC236}">
+                <a16:creationId xmlns:a16="http://schemas.microsoft.com/office/drawing/2014/main" id="{87BC4D87-AB83-452F-99BE-967E3F7322B7}"/>
+              </a:ext>
+            </a:extLst>
+          </p:cNvPr>
+          <p:cNvPicPr>
+            <a:picLocks noChangeAspect="1"/>
+          </p:cNvPicPr>
+          <p:nvPr/>
+        </p:nvPicPr>
+        <p:blipFill>
+          <a:blip r:embed="rId4"/>
+          <a:stretch>
+            <a:fillRect/>
+          </a:stretch>
+        </p:blipFill>
+        <p:spPr>
+          <a:xfrm>
+            <a:off x="225165" y="4262598"/>
+            <a:ext cx="2162897" cy="2129102"/>
+          </a:xfrm>
+          <a:prstGeom prst="rect">
+            <a:avLst/>
+          </a:prstGeom>
+        </p:spPr>
+      </p:pic>
+      <p:pic>
+        <p:nvPicPr>
+          <p:cNvPr id="7" name="Picture 6">
+            <a:extLst>
+              <a:ext uri="{FF2B5EF4-FFF2-40B4-BE49-F238E27FC236}">
+                <a16:creationId xmlns:a16="http://schemas.microsoft.com/office/drawing/2014/main" id="{1E9BA478-DED6-44D2-85F7-AC1D5DD1C3BF}"/>
+              </a:ext>
+            </a:extLst>
+          </p:cNvPr>
+          <p:cNvPicPr>
+            <a:picLocks noChangeAspect="1"/>
+          </p:cNvPicPr>
+          <p:nvPr/>
+        </p:nvPicPr>
+        <p:blipFill>
+          <a:blip r:embed="rId5"/>
+          <a:stretch>
+            <a:fillRect/>
+          </a:stretch>
+        </p:blipFill>
+        <p:spPr>
+          <a:xfrm>
+            <a:off x="2528418" y="4262598"/>
+            <a:ext cx="2244164" cy="2209099"/>
+          </a:xfrm>
+          <a:prstGeom prst="rect">
+            <a:avLst/>
+          </a:prstGeom>
+        </p:spPr>
+      </p:pic>
+      <p:pic>
+        <p:nvPicPr>
+          <p:cNvPr id="12" name="Picture 11">
+            <a:extLst>
+              <a:ext uri="{FF2B5EF4-FFF2-40B4-BE49-F238E27FC236}">
+                <a16:creationId xmlns:a16="http://schemas.microsoft.com/office/drawing/2014/main" id="{72006E22-654C-4A64-9436-33EA04EE9D73}"/>
+              </a:ext>
+            </a:extLst>
+          </p:cNvPr>
+          <p:cNvPicPr>
+            <a:picLocks noChangeAspect="1"/>
+          </p:cNvPicPr>
+          <p:nvPr/>
+        </p:nvPicPr>
+        <p:blipFill>
+          <a:blip r:embed="rId6"/>
+          <a:stretch>
+            <a:fillRect/>
+          </a:stretch>
+        </p:blipFill>
+        <p:spPr>
+          <a:xfrm>
+            <a:off x="4839694" y="4270367"/>
+            <a:ext cx="2244164" cy="2209099"/>
+          </a:xfrm>
+          <a:prstGeom prst="rect">
+            <a:avLst/>
+          </a:prstGeom>
+        </p:spPr>
+      </p:pic>
+      <p:pic>
+        <p:nvPicPr>
+          <p:cNvPr id="14" name="Picture 13">
+            <a:extLst>
+              <a:ext uri="{FF2B5EF4-FFF2-40B4-BE49-F238E27FC236}">
+                <a16:creationId xmlns:a16="http://schemas.microsoft.com/office/drawing/2014/main" id="{99B5032E-B0A0-473C-944F-F79D8F781F7F}"/>
+              </a:ext>
+            </a:extLst>
+          </p:cNvPr>
+          <p:cNvPicPr>
+            <a:picLocks noChangeAspect="1"/>
+          </p:cNvPicPr>
+          <p:nvPr/>
+        </p:nvPicPr>
+        <p:blipFill>
+          <a:blip r:embed="rId7"/>
+          <a:stretch>
+            <a:fillRect/>
+          </a:stretch>
+        </p:blipFill>
+        <p:spPr>
+          <a:xfrm>
+            <a:off x="7175059" y="4262598"/>
+            <a:ext cx="2227652" cy="2192845"/>
+          </a:xfrm>
+          <a:prstGeom prst="rect">
+            <a:avLst/>
+          </a:prstGeom>
+        </p:spPr>
+      </p:pic>
+      <p:pic>
+        <p:nvPicPr>
+          <p:cNvPr id="16" name="Picture 15">
+            <a:extLst>
+              <a:ext uri="{FF2B5EF4-FFF2-40B4-BE49-F238E27FC236}">
+                <a16:creationId xmlns:a16="http://schemas.microsoft.com/office/drawing/2014/main" id="{9E72F9F5-3140-4962-8274-919461EA8622}"/>
+              </a:ext>
+            </a:extLst>
+          </p:cNvPr>
+          <p:cNvPicPr>
+            <a:picLocks noChangeAspect="1"/>
+          </p:cNvPicPr>
+          <p:nvPr/>
+        </p:nvPicPr>
+        <p:blipFill>
+          <a:blip r:embed="rId8"/>
+          <a:stretch>
+            <a:fillRect/>
+          </a:stretch>
+        </p:blipFill>
+        <p:spPr>
+          <a:xfrm>
+            <a:off x="9529737" y="4253589"/>
+            <a:ext cx="2282998" cy="2247326"/>
+          </a:xfrm>
+          <a:prstGeom prst="rect">
+            <a:avLst/>
+          </a:prstGeom>
+        </p:spPr>
+      </p:pic>
+      <p:graphicFrame>
+        <p:nvGraphicFramePr>
+          <p:cNvPr id="17" name="Object 16">
+            <a:extLst>
+              <a:ext uri="{FF2B5EF4-FFF2-40B4-BE49-F238E27FC236}">
+                <a16:creationId xmlns:a16="http://schemas.microsoft.com/office/drawing/2014/main" id="{5239BF8E-4439-4EBB-AD5C-3908D1C8D5F1}"/>
+              </a:ext>
+            </a:extLst>
+          </p:cNvPr>
+          <p:cNvGraphicFramePr>
+            <a:graphicFrameLocks noChangeAspect="1"/>
+          </p:cNvGraphicFramePr>
+          <p:nvPr>
+            <p:extLst>
+              <p:ext uri="{D42A27DB-BD31-4B8C-83A1-F6EECF244321}">
+                <p14:modId xmlns:p14="http://schemas.microsoft.com/office/powerpoint/2010/main" val="231183107"/>
+              </p:ext>
+            </p:extLst>
+          </p:nvPr>
+        </p:nvGraphicFramePr>
+        <p:xfrm>
+          <a:off x="4856535" y="281762"/>
+          <a:ext cx="3186113" cy="3192463"/>
+        </p:xfrm>
+        <a:graphic>
+          <a:graphicData uri="http://schemas.openxmlformats.org/presentationml/2006/ole">
+            <mc:AlternateContent xmlns:mc="http://schemas.openxmlformats.org/markup-compatibility/2006">
+              <mc:Choice xmlns:v="urn:schemas-microsoft-com:vml" Requires="v">
+                <p:oleObj spid="_x0000_s6198" name="Prism 8" r:id="rId9" imgW="3186481" imgH="3192766" progId="Prism8.Document">
+                  <p:embed/>
+                </p:oleObj>
+              </mc:Choice>
+              <mc:Fallback>
+                <p:oleObj name="Prism 8" r:id="rId9" imgW="3186481" imgH="3192766" progId="Prism8.Document">
+                  <p:embed/>
+                  <p:pic>
+                    <p:nvPicPr>
+                      <p:cNvPr id="0" name=""/>
+                      <p:cNvPicPr/>
+                      <p:nvPr/>
+                    </p:nvPicPr>
+                    <p:blipFill>
+                      <a:blip r:embed="rId10"/>
+                      <a:stretch>
+                        <a:fillRect/>
+                      </a:stretch>
+                    </p:blipFill>
+                    <p:spPr>
+                      <a:xfrm>
+                        <a:off x="4856535" y="281762"/>
+                        <a:ext cx="3186113" cy="3192463"/>
+                      </a:xfrm>
+                      <a:prstGeom prst="rect">
+                        <a:avLst/>
+                      </a:prstGeom>
+                    </p:spPr>
+                  </p:pic>
+                </p:oleObj>
+              </mc:Fallback>
+            </mc:AlternateContent>
+          </a:graphicData>
+        </a:graphic>
+      </p:graphicFrame>
+      <p:sp>
+        <p:nvSpPr>
+          <p:cNvPr id="32" name="Rectangle 31">
+            <a:extLst>
+              <a:ext uri="{FF2B5EF4-FFF2-40B4-BE49-F238E27FC236}">
+                <a16:creationId xmlns:a16="http://schemas.microsoft.com/office/drawing/2014/main" id="{28537033-39BF-4827-A2F2-006BC45CE0E9}"/>
+              </a:ext>
+            </a:extLst>
+          </p:cNvPr>
+          <p:cNvSpPr/>
+          <p:nvPr/>
+        </p:nvSpPr>
+        <p:spPr>
+          <a:xfrm>
+            <a:off x="-1" y="0"/>
+            <a:ext cx="12192000" cy="400110"/>
+          </a:xfrm>
+          <a:prstGeom prst="rect">
+            <a:avLst/>
+          </a:prstGeom>
+          <a:solidFill>
+            <a:schemeClr val="accent4">
+              <a:lumMod val="20000"/>
+              <a:lumOff val="80000"/>
+            </a:schemeClr>
+          </a:solidFill>
+        </p:spPr>
+        <p:txBody>
+          <a:bodyPr wrap="square">
+            <a:spAutoFit/>
+          </a:bodyPr>
+          <a:lstStyle/>
+          <a:p>
+            <a:pPr algn="ctr"/>
+            <a:r>
+              <a:rPr lang="en-NZ" sz="2000" b="1" dirty="0" err="1">
+                <a:latin typeface="Comic Sans MS" panose="030F0702030302020204" pitchFamily="66" charset="0"/>
+              </a:rPr>
+              <a:t>Prev</a:t>
+            </a:r>
+            <a:r>
+              <a:rPr lang="en-NZ" sz="2000" b="1" dirty="0">
+                <a:latin typeface="Comic Sans MS" panose="030F0702030302020204" pitchFamily="66" charset="0"/>
+              </a:rPr>
+              <a:t> cell cycle </a:t>
+            </a:r>
+            <a:r>
+              <a:rPr lang="en-NZ" sz="2000" b="1" dirty="0" err="1">
+                <a:latin typeface="Comic Sans MS" panose="030F0702030302020204" pitchFamily="66" charset="0"/>
+              </a:rPr>
+              <a:t>expt</a:t>
+            </a:r>
+            <a:r>
+              <a:rPr lang="en-NZ" sz="2000" b="1" dirty="0">
+                <a:latin typeface="Comic Sans MS" panose="030F0702030302020204" pitchFamily="66" charset="0"/>
+              </a:rPr>
+              <a:t> (CA-121)</a:t>
+            </a:r>
+          </a:p>
+        </p:txBody>
+      </p:sp>
+    </p:spTree>
+    <p:extLst>
+      <p:ext uri="{BB962C8B-B14F-4D97-AF65-F5344CB8AC3E}">
+        <p14:creationId xmlns:p14="http://schemas.microsoft.com/office/powerpoint/2010/main" val="3464105915"/>
+      </p:ext>
+    </p:extLst>
+  </p:cSld>
+  <p:clrMapOvr>
+    <a:masterClrMapping/>
+  </p:clrMapOvr>
+</p:sld>
+</file>
+
+<file path=ppt/slides/slide12.xml><?xml version="1.0" encoding="utf-8"?>
+<p:sld xmlns:a="http://schemas.openxmlformats.org/drawingml/2006/main" xmlns:r="http://schemas.openxmlformats.org/officeDocument/2006/relationships" xmlns:p="http://schemas.openxmlformats.org/presentationml/2006/main">
+  <p:cSld>
+    <p:spTree>
+      <p:nvGrpSpPr>
+        <p:cNvPr id="1" name=""/>
+        <p:cNvGrpSpPr/>
+        <p:nvPr/>
+      </p:nvGrpSpPr>
+      <p:grpSpPr>
+        <a:xfrm>
+          <a:off x="0" y="0"/>
+          <a:ext cx="0" cy="0"/>
+          <a:chOff x="0" y="0"/>
+          <a:chExt cx="0" cy="0"/>
+        </a:xfrm>
+      </p:grpSpPr>
+      <p:sp>
+        <p:nvSpPr>
+          <p:cNvPr id="2" name="Rectangle 1">
+            <a:extLst>
+              <a:ext uri="{FF2B5EF4-FFF2-40B4-BE49-F238E27FC236}">
                 <a16:creationId xmlns:a16="http://schemas.microsoft.com/office/drawing/2014/main" id="{B3FA9C86-EC81-4B64-8DB7-5689E0646D90}"/>
               </a:ext>
             </a:extLst>
@@ -7136,7 +8824,7 @@
           <a:graphicData uri="http://schemas.openxmlformats.org/presentationml/2006/ole">
             <mc:AlternateContent xmlns:mc="http://schemas.openxmlformats.org/markup-compatibility/2006">
               <mc:Choice xmlns:v="urn:schemas-microsoft-com:vml" Requires="v">
-                <p:oleObj spid="_x0000_s2474" name="Prism 8" r:id="rId3" imgW="3402922" imgH="3494575" progId="Prism8.Document">
+                <p:oleObj spid="_x0000_s2554" name="Prism 8" r:id="rId3" imgW="3402922" imgH="3494575" progId="Prism8.Document">
                   <p:embed/>
                 </p:oleObj>
               </mc:Choice>
@@ -7199,7 +8887,7 @@
           <a:graphicData uri="http://schemas.openxmlformats.org/presentationml/2006/ole">
             <mc:AlternateContent xmlns:mc="http://schemas.openxmlformats.org/markup-compatibility/2006">
               <mc:Choice xmlns:v="urn:schemas-microsoft-com:vml" Requires="v">
-                <p:oleObj spid="_x0000_s2475" name="Prism 8" r:id="rId5" imgW="3206288" imgH="3091922" progId="Prism8.Document">
+                <p:oleObj spid="_x0000_s2555" name="Prism 8" r:id="rId5" imgW="3206288" imgH="3091922" progId="Prism8.Document">
                   <p:embed/>
                 </p:oleObj>
               </mc:Choice>
@@ -7262,7 +8950,7 @@
           <a:graphicData uri="http://schemas.openxmlformats.org/presentationml/2006/ole">
             <mc:AlternateContent xmlns:mc="http://schemas.openxmlformats.org/markup-compatibility/2006">
               <mc:Choice xmlns:v="urn:schemas-microsoft-com:vml" Requires="v">
-                <p:oleObj spid="_x0000_s2476" name="Prism 8" r:id="rId7" imgW="3206288" imgH="3082919" progId="Prism8.Document">
+                <p:oleObj spid="_x0000_s2556" name="Prism 8" r:id="rId7" imgW="3206288" imgH="3082919" progId="Prism8.Document">
                   <p:embed/>
                 </p:oleObj>
               </mc:Choice>
@@ -7325,7 +9013,7 @@
           <a:graphicData uri="http://schemas.openxmlformats.org/presentationml/2006/ole">
             <mc:AlternateContent xmlns:mc="http://schemas.openxmlformats.org/markup-compatibility/2006">
               <mc:Choice xmlns:v="urn:schemas-microsoft-com:vml" Requires="v">
-                <p:oleObj spid="_x0000_s2477" name="Prism 8" r:id="rId9" imgW="3206288" imgH="3091922" progId="Prism8.Document">
+                <p:oleObj spid="_x0000_s2557" name="Prism 8" r:id="rId9" imgW="3206288" imgH="3091922" progId="Prism8.Document">
                   <p:embed/>
                 </p:oleObj>
               </mc:Choice>
@@ -7388,7 +9076,7 @@
           <a:graphicData uri="http://schemas.openxmlformats.org/presentationml/2006/ole">
             <mc:AlternateContent xmlns:mc="http://schemas.openxmlformats.org/markup-compatibility/2006">
               <mc:Choice xmlns:v="urn:schemas-microsoft-com:vml" Requires="v">
-                <p:oleObj spid="_x0000_s2478" name="Prism 8" r:id="rId11" imgW="3206288" imgH="3082919" progId="Prism8.Document">
+                <p:oleObj spid="_x0000_s2558" name="Prism 8" r:id="rId11" imgW="3206288" imgH="3082919" progId="Prism8.Document">
                   <p:embed/>
                 </p:oleObj>
               </mc:Choice>
@@ -7451,7 +9139,7 @@
           <a:graphicData uri="http://schemas.openxmlformats.org/presentationml/2006/ole">
             <mc:AlternateContent xmlns:mc="http://schemas.openxmlformats.org/markup-compatibility/2006">
               <mc:Choice xmlns:v="urn:schemas-microsoft-com:vml" Requires="v">
-                <p:oleObj spid="_x0000_s2479" name="Prism 8" r:id="rId13" imgW="3206288" imgH="3091922" progId="Prism8.Document">
+                <p:oleObj spid="_x0000_s2559" name="Prism 8" r:id="rId13" imgW="3206288" imgH="3091922" progId="Prism8.Document">
                   <p:embed/>
                 </p:oleObj>
               </mc:Choice>
@@ -7514,7 +9202,7 @@
           <a:graphicData uri="http://schemas.openxmlformats.org/presentationml/2006/ole">
             <mc:AlternateContent xmlns:mc="http://schemas.openxmlformats.org/markup-compatibility/2006">
               <mc:Choice xmlns:v="urn:schemas-microsoft-com:vml" Requires="v">
-                <p:oleObj spid="_x0000_s2480" name="Prism 8" r:id="rId15" imgW="3206288" imgH="3082919" progId="Prism8.Document">
+                <p:oleObj spid="_x0000_s2560" name="Prism 8" r:id="rId15" imgW="3206288" imgH="3082919" progId="Prism8.Document">
                   <p:embed/>
                 </p:oleObj>
               </mc:Choice>
@@ -7577,7 +9265,7 @@
           <a:graphicData uri="http://schemas.openxmlformats.org/presentationml/2006/ole">
             <mc:AlternateContent xmlns:mc="http://schemas.openxmlformats.org/markup-compatibility/2006">
               <mc:Choice xmlns:v="urn:schemas-microsoft-com:vml" Requires="v">
-                <p:oleObj spid="_x0000_s2481" name="Prism 8" r:id="rId17" imgW="3206288" imgH="3091922" progId="Prism8.Document">
+                <p:oleObj spid="_x0000_s2561" name="Prism 8" r:id="rId17" imgW="3206288" imgH="3091922" progId="Prism8.Document">
                   <p:embed/>
                 </p:oleObj>
               </mc:Choice>
@@ -14117,315 +15805,48 @@
           <a:chExt cx="0" cy="0"/>
         </a:xfrm>
       </p:grpSpPr>
-      <p:sp>
-        <p:nvSpPr>
-          <p:cNvPr id="2" name="Rectangle 1">
+      <p:cxnSp>
+        <p:nvCxnSpPr>
+          <p:cNvPr id="17" name="Straight Connector 16">
             <a:extLst>
               <a:ext uri="{FF2B5EF4-FFF2-40B4-BE49-F238E27FC236}">
-                <a16:creationId xmlns:a16="http://schemas.microsoft.com/office/drawing/2014/main" id="{7E911FA0-C61A-40F1-B8B4-53EFE8AAE8EF}"/>
+                <a16:creationId xmlns:a16="http://schemas.microsoft.com/office/drawing/2014/main" id="{1CD4D4B7-2D9C-4DF8-B422-F20CDE5D3950}"/>
               </a:ext>
             </a:extLst>
           </p:cNvPr>
-          <p:cNvSpPr/>
+          <p:cNvCxnSpPr/>
           <p:nvPr/>
-        </p:nvSpPr>
+        </p:nvCxnSpPr>
         <p:spPr>
           <a:xfrm>
-            <a:off x="-1" y="0"/>
-            <a:ext cx="12192000" cy="400110"/>
+            <a:off x="-92279" y="3489820"/>
+            <a:ext cx="12466040" cy="0"/>
           </a:xfrm>
-          <a:prstGeom prst="rect">
+          <a:prstGeom prst="line">
             <a:avLst/>
           </a:prstGeom>
-          <a:solidFill>
-            <a:schemeClr val="accent4">
-              <a:lumMod val="20000"/>
-              <a:lumOff val="80000"/>
-            </a:schemeClr>
-          </a:solidFill>
         </p:spPr>
-        <p:txBody>
-          <a:bodyPr wrap="square">
-            <a:spAutoFit/>
-          </a:bodyPr>
-          <a:lstStyle/>
-          <a:p>
-            <a:pPr algn="ctr"/>
-            <a:r>
-              <a:rPr lang="en-NZ" sz="2000" b="1" dirty="0" err="1">
-                <a:latin typeface="Comic Sans MS" panose="030F0702030302020204" pitchFamily="66" charset="0"/>
-              </a:rPr>
-              <a:t>Prev</a:t>
-            </a:r>
-            <a:r>
-              <a:rPr lang="en-NZ" sz="2000" b="1" dirty="0">
-                <a:latin typeface="Comic Sans MS" panose="030F0702030302020204" pitchFamily="66" charset="0"/>
-              </a:rPr>
-              <a:t> cell cycle </a:t>
-            </a:r>
-            <a:r>
-              <a:rPr lang="en-NZ" sz="2000" b="1" dirty="0" err="1">
-                <a:latin typeface="Comic Sans MS" panose="030F0702030302020204" pitchFamily="66" charset="0"/>
-              </a:rPr>
-              <a:t>expt</a:t>
-            </a:r>
-            <a:r>
-              <a:rPr lang="en-NZ" sz="2000" b="1" dirty="0">
-                <a:latin typeface="Comic Sans MS" panose="030F0702030302020204" pitchFamily="66" charset="0"/>
-              </a:rPr>
-              <a:t> (CA-121)</a:t>
-            </a:r>
-          </a:p>
-        </p:txBody>
-      </p:sp>
-      <p:sp>
-        <p:nvSpPr>
-          <p:cNvPr id="3" name="TextBox 2">
-            <a:extLst>
-              <a:ext uri="{FF2B5EF4-FFF2-40B4-BE49-F238E27FC236}">
-                <a16:creationId xmlns:a16="http://schemas.microsoft.com/office/drawing/2014/main" id="{65C836CA-4682-4A9A-9036-C0885E0EABCD}"/>
-              </a:ext>
-            </a:extLst>
-          </p:cNvPr>
-          <p:cNvSpPr txBox="1"/>
-          <p:nvPr/>
-        </p:nvSpPr>
-        <p:spPr>
-          <a:xfrm>
-            <a:off x="395287" y="628650"/>
-            <a:ext cx="11401425" cy="3545009"/>
-          </a:xfrm>
-          <a:prstGeom prst="rect">
-            <a:avLst/>
-          </a:prstGeom>
-          <a:noFill/>
-        </p:spPr>
-        <p:txBody>
-          <a:bodyPr wrap="square" rtlCol="0">
-            <a:spAutoFit/>
-          </a:bodyPr>
-          <a:lstStyle/>
-          <a:p>
-            <a:pPr marL="285750" indent="-285750">
-              <a:lnSpc>
-                <a:spcPct val="114000"/>
-              </a:lnSpc>
-              <a:buFont typeface="Arial" panose="020B0604020202020204" pitchFamily="34" charset="0"/>
-              <a:buChar char="•"/>
-            </a:pPr>
-            <a:r>
-              <a:rPr lang="en-NZ" dirty="0">
-                <a:latin typeface="Comic Sans MS" panose="030F0702030302020204" pitchFamily="66" charset="0"/>
-              </a:rPr>
-              <a:t>54C cells were grown for 4 days in T175 (p23). Cells were ~85-90% confluent in T175 flasks</a:t>
-            </a:r>
-          </a:p>
-          <a:p>
-            <a:pPr marL="285750" indent="-285750">
-              <a:lnSpc>
-                <a:spcPct val="114000"/>
-              </a:lnSpc>
-              <a:buFont typeface="Arial" panose="020B0604020202020204" pitchFamily="34" charset="0"/>
-              <a:buChar char="•"/>
-            </a:pPr>
-            <a:r>
-              <a:rPr lang="en-NZ" dirty="0">
-                <a:latin typeface="Comic Sans MS" panose="030F0702030302020204" pitchFamily="66" charset="0"/>
-              </a:rPr>
-              <a:t>54C cells (1x 10</a:t>
-            </a:r>
-            <a:r>
-              <a:rPr lang="en-NZ" baseline="30000" dirty="0">
-                <a:latin typeface="Comic Sans MS" panose="030F0702030302020204" pitchFamily="66" charset="0"/>
-              </a:rPr>
-              <a:t>5</a:t>
-            </a:r>
-            <a:r>
-              <a:rPr lang="en-NZ" dirty="0">
-                <a:latin typeface="Comic Sans MS" panose="030F0702030302020204" pitchFamily="66" charset="0"/>
-              </a:rPr>
-              <a:t> cells/0.5 mL) were plated in </a:t>
-            </a:r>
-            <a:r>
-              <a:rPr lang="en-NZ" b="1" dirty="0">
-                <a:highlight>
-                  <a:srgbClr val="FFFF00"/>
-                </a:highlight>
-                <a:latin typeface="Comic Sans MS" panose="030F0702030302020204" pitchFamily="66" charset="0"/>
-              </a:rPr>
-              <a:t>24-well plates </a:t>
-            </a:r>
-            <a:r>
-              <a:rPr lang="en-NZ" dirty="0">
-                <a:latin typeface="Comic Sans MS" panose="030F0702030302020204" pitchFamily="66" charset="0"/>
-              </a:rPr>
-              <a:t>and incubated for </a:t>
-            </a:r>
-            <a:r>
-              <a:rPr lang="en-NZ" b="1" dirty="0">
-                <a:highlight>
-                  <a:srgbClr val="FFFF00"/>
-                </a:highlight>
-                <a:latin typeface="Comic Sans MS" panose="030F0702030302020204" pitchFamily="66" charset="0"/>
-              </a:rPr>
-              <a:t>5 h under oxia before RT</a:t>
-            </a:r>
-            <a:r>
-              <a:rPr lang="en-NZ" dirty="0">
-                <a:latin typeface="Comic Sans MS" panose="030F0702030302020204" pitchFamily="66" charset="0"/>
-              </a:rPr>
-              <a:t>. No drug treatment.</a:t>
-            </a:r>
-          </a:p>
-          <a:p>
-            <a:pPr marL="285750" indent="-285750">
-              <a:lnSpc>
-                <a:spcPct val="114000"/>
-              </a:lnSpc>
-              <a:buFont typeface="Arial" panose="020B0604020202020204" pitchFamily="34" charset="0"/>
-              <a:buChar char="•"/>
-            </a:pPr>
-            <a:r>
-              <a:rPr lang="en-NZ" dirty="0">
-                <a:latin typeface="Comic Sans MS" panose="030F0702030302020204" pitchFamily="66" charset="0"/>
-              </a:rPr>
-              <a:t>Cells were irradiated at 0-12 Gy (1 rad dose/plate). </a:t>
-            </a:r>
-          </a:p>
-          <a:p>
-            <a:pPr marL="285750" indent="-285750">
-              <a:lnSpc>
-                <a:spcPct val="114000"/>
-              </a:lnSpc>
-              <a:buFont typeface="Arial" panose="020B0604020202020204" pitchFamily="34" charset="0"/>
-              <a:buChar char="•"/>
-            </a:pPr>
-            <a:r>
-              <a:rPr lang="en-NZ" dirty="0">
-                <a:latin typeface="Comic Sans MS" panose="030F0702030302020204" pitchFamily="66" charset="0"/>
-              </a:rPr>
-              <a:t>Cell cycle assay (0 and 18 h after RT)</a:t>
-            </a:r>
-          </a:p>
-          <a:p>
-            <a:pPr marL="742950" lvl="1" indent="-285750">
-              <a:lnSpc>
-                <a:spcPct val="114000"/>
-              </a:lnSpc>
-              <a:buFont typeface="Arial" panose="020B0604020202020204" pitchFamily="34" charset="0"/>
-              <a:buChar char="•"/>
-            </a:pPr>
-            <a:r>
-              <a:rPr lang="en-NZ" dirty="0">
-                <a:latin typeface="Comic Sans MS" panose="030F0702030302020204" pitchFamily="66" charset="0"/>
-              </a:rPr>
-              <a:t>Cells were treated with 100 </a:t>
-            </a:r>
-            <a:r>
-              <a:rPr lang="en-NZ" dirty="0" err="1">
-                <a:latin typeface="Comic Sans MS" panose="030F0702030302020204" pitchFamily="66" charset="0"/>
-              </a:rPr>
-              <a:t>uM</a:t>
-            </a:r>
-            <a:r>
-              <a:rPr lang="en-NZ" dirty="0">
-                <a:latin typeface="Comic Sans MS" panose="030F0702030302020204" pitchFamily="66" charset="0"/>
-              </a:rPr>
-              <a:t> EdU for 1 h before fixing them in 70% EtOH</a:t>
-            </a:r>
-          </a:p>
-          <a:p>
-            <a:pPr marL="1200150" lvl="2" indent="-285750">
-              <a:lnSpc>
-                <a:spcPct val="114000"/>
-              </a:lnSpc>
-              <a:buFont typeface="Arial" panose="020B0604020202020204" pitchFamily="34" charset="0"/>
-              <a:buChar char="•"/>
-            </a:pPr>
-            <a:r>
-              <a:rPr lang="en-NZ" dirty="0">
-                <a:latin typeface="Comic Sans MS" panose="030F0702030302020204" pitchFamily="66" charset="0"/>
-              </a:rPr>
-              <a:t>Before radiation (4 h after cell attachment: cells were treated with </a:t>
-            </a:r>
-            <a:r>
-              <a:rPr lang="en-NZ" dirty="0" err="1">
-                <a:latin typeface="Comic Sans MS" panose="030F0702030302020204" pitchFamily="66" charset="0"/>
-              </a:rPr>
-              <a:t>EdU</a:t>
-            </a:r>
-            <a:r>
-              <a:rPr lang="en-NZ" dirty="0">
-                <a:latin typeface="Comic Sans MS" panose="030F0702030302020204" pitchFamily="66" charset="0"/>
-              </a:rPr>
-              <a:t> for 1 h before fixing cells in EtOH)</a:t>
-            </a:r>
-          </a:p>
-          <a:p>
-            <a:pPr marL="1200150" lvl="2" indent="-285750">
-              <a:lnSpc>
-                <a:spcPct val="114000"/>
-              </a:lnSpc>
-              <a:buFont typeface="Arial" panose="020B0604020202020204" pitchFamily="34" charset="0"/>
-              <a:buChar char="•"/>
-            </a:pPr>
-            <a:r>
-              <a:rPr lang="en-NZ" dirty="0">
-                <a:latin typeface="Comic Sans MS" panose="030F0702030302020204" pitchFamily="66" charset="0"/>
-              </a:rPr>
-              <a:t>18 h after radiation (0, 2, 4, 6, 8 Gy): EdU added 17 h after RT and fixed at 18h </a:t>
-            </a:r>
-          </a:p>
-          <a:p>
-            <a:pPr marL="1200150" lvl="2" indent="-285750">
-              <a:lnSpc>
-                <a:spcPct val="114000"/>
-              </a:lnSpc>
-              <a:buFont typeface="Arial" panose="020B0604020202020204" pitchFamily="34" charset="0"/>
-              <a:buChar char="•"/>
-            </a:pPr>
-            <a:r>
-              <a:rPr lang="en-NZ" dirty="0">
-                <a:latin typeface="Comic Sans MS" panose="030F0702030302020204" pitchFamily="66" charset="0"/>
-              </a:rPr>
-              <a:t>Cells were treated with PI just before FCM analysis</a:t>
-            </a:r>
-          </a:p>
-          <a:p>
-            <a:pPr marL="285750" indent="-285750">
-              <a:lnSpc>
-                <a:spcPct val="114000"/>
-              </a:lnSpc>
-              <a:buFont typeface="Arial" panose="020B0604020202020204" pitchFamily="34" charset="0"/>
-              <a:buChar char="•"/>
-            </a:pPr>
-            <a:r>
-              <a:rPr lang="en-NZ" dirty="0">
-                <a:latin typeface="Comic Sans MS" panose="030F0702030302020204" pitchFamily="66" charset="0"/>
-              </a:rPr>
-              <a:t>Clonogenic assay: cells were </a:t>
-            </a:r>
-            <a:r>
-              <a:rPr lang="en-NZ" dirty="0" err="1">
-                <a:latin typeface="Comic Sans MS" panose="030F0702030302020204" pitchFamily="66" charset="0"/>
-              </a:rPr>
-              <a:t>trypsinised</a:t>
-            </a:r>
-            <a:r>
-              <a:rPr lang="en-NZ" dirty="0">
-                <a:latin typeface="Comic Sans MS" panose="030F0702030302020204" pitchFamily="66" charset="0"/>
-              </a:rPr>
-              <a:t> and plated in p60 dishes after 18 h incubation (post-rad)</a:t>
-            </a:r>
-          </a:p>
-        </p:txBody>
-      </p:sp>
+        <p:style>
+          <a:lnRef idx="1">
+            <a:schemeClr val="accent1"/>
+          </a:lnRef>
+          <a:fillRef idx="0">
+            <a:schemeClr val="accent1"/>
+          </a:fillRef>
+          <a:effectRef idx="0">
+            <a:schemeClr val="accent1"/>
+          </a:effectRef>
+          <a:fontRef idx="minor">
+            <a:schemeClr val="tx1"/>
+          </a:fontRef>
+        </p:style>
+      </p:cxnSp>
       <p:graphicFrame>
         <p:nvGraphicFramePr>
           <p:cNvPr id="4" name="Object 3">
             <a:extLst>
               <a:ext uri="{FF2B5EF4-FFF2-40B4-BE49-F238E27FC236}">
-                <a16:creationId xmlns:a16="http://schemas.microsoft.com/office/drawing/2014/main" id="{2E53333A-3B37-482B-847B-6F66509A0A23}"/>
+                <a16:creationId xmlns:a16="http://schemas.microsoft.com/office/drawing/2014/main" id="{17E83CD6-F5CA-4E6F-9838-37FB9A694B61}"/>
               </a:ext>
             </a:extLst>
           </p:cNvPr>
@@ -14435,25 +15856,25 @@
           <p:nvPr>
             <p:extLst>
               <p:ext uri="{D42A27DB-BD31-4B8C-83A1-F6EECF244321}">
-                <p14:modId xmlns:p14="http://schemas.microsoft.com/office/powerpoint/2010/main" val="202513173"/>
+                <p14:modId xmlns:p14="http://schemas.microsoft.com/office/powerpoint/2010/main" val="63897037"/>
               </p:ext>
             </p:extLst>
           </p:nvPr>
         </p:nvGraphicFramePr>
         <p:xfrm>
-          <a:off x="3642191" y="4137457"/>
-          <a:ext cx="2808943" cy="2834603"/>
+          <a:off x="0" y="447053"/>
+          <a:ext cx="3594100" cy="3027363"/>
         </p:xfrm>
         <a:graphic>
           <a:graphicData uri="http://schemas.openxmlformats.org/presentationml/2006/ole">
             <mc:AlternateContent xmlns:mc="http://schemas.openxmlformats.org/markup-compatibility/2006">
               <mc:Choice xmlns:v="urn:schemas-microsoft-com:vml" Requires="v">
-                <p:oleObj spid="_x0000_s5170" name="Prism 8" r:id="rId3" imgW="2954553" imgH="2982075" progId="Prism8.Document">
+                <p:oleObj spid="_x0000_s7226" name="Prism 8" r:id="rId3" imgW="3594875" imgH="3027815" progId="Prism8.Document">
                   <p:embed/>
                 </p:oleObj>
               </mc:Choice>
               <mc:Fallback>
-                <p:oleObj name="Prism 8" r:id="rId3" imgW="2954553" imgH="2982075" progId="Prism8.Document">
+                <p:oleObj name="Prism 8" r:id="rId3" imgW="3594875" imgH="3027815" progId="Prism8.Document">
                   <p:embed/>
                   <p:pic>
                     <p:nvPicPr>
@@ -14469,8 +15890,8 @@
                     </p:blipFill>
                     <p:spPr>
                       <a:xfrm>
-                        <a:off x="3642191" y="4137457"/>
-                        <a:ext cx="2808943" cy="2834603"/>
+                        <a:off x="0" y="447053"/>
+                        <a:ext cx="3594100" cy="3027363"/>
                       </a:xfrm>
                       <a:prstGeom prst="rect">
                         <a:avLst/>
@@ -14483,10 +15904,503 @@
           </a:graphicData>
         </a:graphic>
       </p:graphicFrame>
+      <p:graphicFrame>
+        <p:nvGraphicFramePr>
+          <p:cNvPr id="5" name="Object 4">
+            <a:extLst>
+              <a:ext uri="{FF2B5EF4-FFF2-40B4-BE49-F238E27FC236}">
+                <a16:creationId xmlns:a16="http://schemas.microsoft.com/office/drawing/2014/main" id="{A5835219-5BE0-4860-95EC-06B8BF36AF85}"/>
+              </a:ext>
+            </a:extLst>
+          </p:cNvPr>
+          <p:cNvGraphicFramePr>
+            <a:graphicFrameLocks noChangeAspect="1"/>
+          </p:cNvGraphicFramePr>
+          <p:nvPr>
+            <p:extLst>
+              <p:ext uri="{D42A27DB-BD31-4B8C-83A1-F6EECF244321}">
+                <p14:modId xmlns:p14="http://schemas.microsoft.com/office/powerpoint/2010/main" val="3012863363"/>
+              </p:ext>
+            </p:extLst>
+          </p:nvPr>
+        </p:nvGraphicFramePr>
+        <p:xfrm>
+          <a:off x="130175" y="3688228"/>
+          <a:ext cx="3333750" cy="3036887"/>
+        </p:xfrm>
+        <a:graphic>
+          <a:graphicData uri="http://schemas.openxmlformats.org/presentationml/2006/ole">
+            <mc:AlternateContent xmlns:mc="http://schemas.openxmlformats.org/markup-compatibility/2006">
+              <mc:Choice xmlns:v="urn:schemas-microsoft-com:vml" Requires="v">
+                <p:oleObj spid="_x0000_s7227" name="Prism 8" r:id="rId5" imgW="3334136" imgH="3037179" progId="Prism8.Document">
+                  <p:embed/>
+                </p:oleObj>
+              </mc:Choice>
+              <mc:Fallback>
+                <p:oleObj name="Prism 8" r:id="rId5" imgW="3334136" imgH="3037179" progId="Prism8.Document">
+                  <p:embed/>
+                  <p:pic>
+                    <p:nvPicPr>
+                      <p:cNvPr id="0" name=""/>
+                      <p:cNvPicPr/>
+                      <p:nvPr/>
+                    </p:nvPicPr>
+                    <p:blipFill>
+                      <a:blip r:embed="rId6"/>
+                      <a:stretch>
+                        <a:fillRect/>
+                      </a:stretch>
+                    </p:blipFill>
+                    <p:spPr>
+                      <a:xfrm>
+                        <a:off x="130175" y="3688228"/>
+                        <a:ext cx="3333750" cy="3036887"/>
+                      </a:xfrm>
+                      <a:prstGeom prst="rect">
+                        <a:avLst/>
+                      </a:prstGeom>
+                    </p:spPr>
+                  </p:pic>
+                </p:oleObj>
+              </mc:Fallback>
+            </mc:AlternateContent>
+          </a:graphicData>
+        </a:graphic>
+      </p:graphicFrame>
+      <p:graphicFrame>
+        <p:nvGraphicFramePr>
+          <p:cNvPr id="6" name="Object 5">
+            <a:extLst>
+              <a:ext uri="{FF2B5EF4-FFF2-40B4-BE49-F238E27FC236}">
+                <a16:creationId xmlns:a16="http://schemas.microsoft.com/office/drawing/2014/main" id="{9024D0A7-790D-4ADC-81AD-D5D9A3C5F677}"/>
+              </a:ext>
+            </a:extLst>
+          </p:cNvPr>
+          <p:cNvGraphicFramePr>
+            <a:graphicFrameLocks noChangeAspect="1"/>
+          </p:cNvGraphicFramePr>
+          <p:nvPr>
+            <p:extLst>
+              <p:ext uri="{D42A27DB-BD31-4B8C-83A1-F6EECF244321}">
+                <p14:modId xmlns:p14="http://schemas.microsoft.com/office/powerpoint/2010/main" val="1789869395"/>
+              </p:ext>
+            </p:extLst>
+          </p:nvPr>
+        </p:nvGraphicFramePr>
+        <p:xfrm>
+          <a:off x="3154011" y="413270"/>
+          <a:ext cx="3333750" cy="3027363"/>
+        </p:xfrm>
+        <a:graphic>
+          <a:graphicData uri="http://schemas.openxmlformats.org/presentationml/2006/ole">
+            <mc:AlternateContent xmlns:mc="http://schemas.openxmlformats.org/markup-compatibility/2006">
+              <mc:Choice xmlns:v="urn:schemas-microsoft-com:vml" Requires="v">
+                <p:oleObj spid="_x0000_s7228" name="Prism 8" r:id="rId7" imgW="3334136" imgH="3027815" progId="Prism8.Document">
+                  <p:embed/>
+                </p:oleObj>
+              </mc:Choice>
+              <mc:Fallback>
+                <p:oleObj name="Prism 8" r:id="rId7" imgW="3334136" imgH="3027815" progId="Prism8.Document">
+                  <p:embed/>
+                  <p:pic>
+                    <p:nvPicPr>
+                      <p:cNvPr id="0" name=""/>
+                      <p:cNvPicPr/>
+                      <p:nvPr/>
+                    </p:nvPicPr>
+                    <p:blipFill>
+                      <a:blip r:embed="rId8"/>
+                      <a:stretch>
+                        <a:fillRect/>
+                      </a:stretch>
+                    </p:blipFill>
+                    <p:spPr>
+                      <a:xfrm>
+                        <a:off x="3154011" y="413270"/>
+                        <a:ext cx="3333750" cy="3027363"/>
+                      </a:xfrm>
+                      <a:prstGeom prst="rect">
+                        <a:avLst/>
+                      </a:prstGeom>
+                    </p:spPr>
+                  </p:pic>
+                </p:oleObj>
+              </mc:Fallback>
+            </mc:AlternateContent>
+          </a:graphicData>
+        </a:graphic>
+      </p:graphicFrame>
+      <p:graphicFrame>
+        <p:nvGraphicFramePr>
+          <p:cNvPr id="7" name="Object 6">
+            <a:extLst>
+              <a:ext uri="{FF2B5EF4-FFF2-40B4-BE49-F238E27FC236}">
+                <a16:creationId xmlns:a16="http://schemas.microsoft.com/office/drawing/2014/main" id="{37FD2323-F1E0-4E8B-869D-48A13B629BD3}"/>
+              </a:ext>
+            </a:extLst>
+          </p:cNvPr>
+          <p:cNvGraphicFramePr>
+            <a:graphicFrameLocks noChangeAspect="1"/>
+          </p:cNvGraphicFramePr>
+          <p:nvPr>
+            <p:extLst>
+              <p:ext uri="{D42A27DB-BD31-4B8C-83A1-F6EECF244321}">
+                <p14:modId xmlns:p14="http://schemas.microsoft.com/office/powerpoint/2010/main" val="504688381"/>
+              </p:ext>
+            </p:extLst>
+          </p:nvPr>
+        </p:nvGraphicFramePr>
+        <p:xfrm>
+          <a:off x="3154011" y="3688228"/>
+          <a:ext cx="3333750" cy="3036887"/>
+        </p:xfrm>
+        <a:graphic>
+          <a:graphicData uri="http://schemas.openxmlformats.org/presentationml/2006/ole">
+            <mc:AlternateContent xmlns:mc="http://schemas.openxmlformats.org/markup-compatibility/2006">
+              <mc:Choice xmlns:v="urn:schemas-microsoft-com:vml" Requires="v">
+                <p:oleObj spid="_x0000_s7229" name="Prism 8" r:id="rId9" imgW="3334136" imgH="3037179" progId="Prism8.Document">
+                  <p:embed/>
+                </p:oleObj>
+              </mc:Choice>
+              <mc:Fallback>
+                <p:oleObj name="Prism 8" r:id="rId9" imgW="3334136" imgH="3037179" progId="Prism8.Document">
+                  <p:embed/>
+                  <p:pic>
+                    <p:nvPicPr>
+                      <p:cNvPr id="0" name=""/>
+                      <p:cNvPicPr/>
+                      <p:nvPr/>
+                    </p:nvPicPr>
+                    <p:blipFill>
+                      <a:blip r:embed="rId10"/>
+                      <a:stretch>
+                        <a:fillRect/>
+                      </a:stretch>
+                    </p:blipFill>
+                    <p:spPr>
+                      <a:xfrm>
+                        <a:off x="3154011" y="3688228"/>
+                        <a:ext cx="3333750" cy="3036887"/>
+                      </a:xfrm>
+                      <a:prstGeom prst="rect">
+                        <a:avLst/>
+                      </a:prstGeom>
+                    </p:spPr>
+                  </p:pic>
+                </p:oleObj>
+              </mc:Fallback>
+            </mc:AlternateContent>
+          </a:graphicData>
+        </a:graphic>
+      </p:graphicFrame>
+      <p:graphicFrame>
+        <p:nvGraphicFramePr>
+          <p:cNvPr id="8" name="Object 7">
+            <a:extLst>
+              <a:ext uri="{FF2B5EF4-FFF2-40B4-BE49-F238E27FC236}">
+                <a16:creationId xmlns:a16="http://schemas.microsoft.com/office/drawing/2014/main" id="{23490E3C-18E3-4FF8-B9EF-2BE257FEE3FD}"/>
+              </a:ext>
+            </a:extLst>
+          </p:cNvPr>
+          <p:cNvGraphicFramePr>
+            <a:graphicFrameLocks noChangeAspect="1"/>
+          </p:cNvGraphicFramePr>
+          <p:nvPr>
+            <p:extLst>
+              <p:ext uri="{D42A27DB-BD31-4B8C-83A1-F6EECF244321}">
+                <p14:modId xmlns:p14="http://schemas.microsoft.com/office/powerpoint/2010/main" val="812305282"/>
+              </p:ext>
+            </p:extLst>
+          </p:nvPr>
+        </p:nvGraphicFramePr>
+        <p:xfrm>
+          <a:off x="6140741" y="389053"/>
+          <a:ext cx="3333750" cy="3027363"/>
+        </p:xfrm>
+        <a:graphic>
+          <a:graphicData uri="http://schemas.openxmlformats.org/presentationml/2006/ole">
+            <mc:AlternateContent xmlns:mc="http://schemas.openxmlformats.org/markup-compatibility/2006">
+              <mc:Choice xmlns:v="urn:schemas-microsoft-com:vml" Requires="v">
+                <p:oleObj spid="_x0000_s7230" name="Prism 8" r:id="rId11" imgW="3334136" imgH="3027815" progId="Prism8.Document">
+                  <p:embed/>
+                </p:oleObj>
+              </mc:Choice>
+              <mc:Fallback>
+                <p:oleObj name="Prism 8" r:id="rId11" imgW="3334136" imgH="3027815" progId="Prism8.Document">
+                  <p:embed/>
+                  <p:pic>
+                    <p:nvPicPr>
+                      <p:cNvPr id="0" name=""/>
+                      <p:cNvPicPr/>
+                      <p:nvPr/>
+                    </p:nvPicPr>
+                    <p:blipFill>
+                      <a:blip r:embed="rId12"/>
+                      <a:stretch>
+                        <a:fillRect/>
+                      </a:stretch>
+                    </p:blipFill>
+                    <p:spPr>
+                      <a:xfrm>
+                        <a:off x="6140741" y="389053"/>
+                        <a:ext cx="3333750" cy="3027363"/>
+                      </a:xfrm>
+                      <a:prstGeom prst="rect">
+                        <a:avLst/>
+                      </a:prstGeom>
+                    </p:spPr>
+                  </p:pic>
+                </p:oleObj>
+              </mc:Fallback>
+            </mc:AlternateContent>
+          </a:graphicData>
+        </a:graphic>
+      </p:graphicFrame>
+      <p:graphicFrame>
+        <p:nvGraphicFramePr>
+          <p:cNvPr id="9" name="Object 8">
+            <a:extLst>
+              <a:ext uri="{FF2B5EF4-FFF2-40B4-BE49-F238E27FC236}">
+                <a16:creationId xmlns:a16="http://schemas.microsoft.com/office/drawing/2014/main" id="{C9B7D22A-5367-47F9-B205-D4020BF6F634}"/>
+              </a:ext>
+            </a:extLst>
+          </p:cNvPr>
+          <p:cNvGraphicFramePr>
+            <a:graphicFrameLocks noChangeAspect="1"/>
+          </p:cNvGraphicFramePr>
+          <p:nvPr>
+            <p:extLst>
+              <p:ext uri="{D42A27DB-BD31-4B8C-83A1-F6EECF244321}">
+                <p14:modId xmlns:p14="http://schemas.microsoft.com/office/powerpoint/2010/main" val="2988129508"/>
+              </p:ext>
+            </p:extLst>
+          </p:nvPr>
+        </p:nvGraphicFramePr>
+        <p:xfrm>
+          <a:off x="6208123" y="3636628"/>
+          <a:ext cx="3333750" cy="3036887"/>
+        </p:xfrm>
+        <a:graphic>
+          <a:graphicData uri="http://schemas.openxmlformats.org/presentationml/2006/ole">
+            <mc:AlternateContent xmlns:mc="http://schemas.openxmlformats.org/markup-compatibility/2006">
+              <mc:Choice xmlns:v="urn:schemas-microsoft-com:vml" Requires="v">
+                <p:oleObj spid="_x0000_s7231" name="Prism 8" r:id="rId13" imgW="3334136" imgH="3037179" progId="Prism8.Document">
+                  <p:embed/>
+                </p:oleObj>
+              </mc:Choice>
+              <mc:Fallback>
+                <p:oleObj name="Prism 8" r:id="rId13" imgW="3334136" imgH="3037179" progId="Prism8.Document">
+                  <p:embed/>
+                  <p:pic>
+                    <p:nvPicPr>
+                      <p:cNvPr id="0" name=""/>
+                      <p:cNvPicPr/>
+                      <p:nvPr/>
+                    </p:nvPicPr>
+                    <p:blipFill>
+                      <a:blip r:embed="rId14"/>
+                      <a:stretch>
+                        <a:fillRect/>
+                      </a:stretch>
+                    </p:blipFill>
+                    <p:spPr>
+                      <a:xfrm>
+                        <a:off x="6208123" y="3636628"/>
+                        <a:ext cx="3333750" cy="3036887"/>
+                      </a:xfrm>
+                      <a:prstGeom prst="rect">
+                        <a:avLst/>
+                      </a:prstGeom>
+                    </p:spPr>
+                  </p:pic>
+                </p:oleObj>
+              </mc:Fallback>
+            </mc:AlternateContent>
+          </a:graphicData>
+        </a:graphic>
+      </p:graphicFrame>
+      <p:graphicFrame>
+        <p:nvGraphicFramePr>
+          <p:cNvPr id="19" name="Object 18">
+            <a:extLst>
+              <a:ext uri="{FF2B5EF4-FFF2-40B4-BE49-F238E27FC236}">
+                <a16:creationId xmlns:a16="http://schemas.microsoft.com/office/drawing/2014/main" id="{F1D71A85-D7B7-423F-A67E-D030BF6CC21B}"/>
+              </a:ext>
+            </a:extLst>
+          </p:cNvPr>
+          <p:cNvGraphicFramePr>
+            <a:graphicFrameLocks noChangeAspect="1"/>
+          </p:cNvGraphicFramePr>
+          <p:nvPr>
+            <p:extLst>
+              <p:ext uri="{D42A27DB-BD31-4B8C-83A1-F6EECF244321}">
+                <p14:modId xmlns:p14="http://schemas.microsoft.com/office/powerpoint/2010/main" val="1484389850"/>
+              </p:ext>
+            </p:extLst>
+          </p:nvPr>
+        </p:nvGraphicFramePr>
+        <p:xfrm>
+          <a:off x="9127471" y="315650"/>
+          <a:ext cx="3333750" cy="3027363"/>
+        </p:xfrm>
+        <a:graphic>
+          <a:graphicData uri="http://schemas.openxmlformats.org/presentationml/2006/ole">
+            <mc:AlternateContent xmlns:mc="http://schemas.openxmlformats.org/markup-compatibility/2006">
+              <mc:Choice xmlns:v="urn:schemas-microsoft-com:vml" Requires="v">
+                <p:oleObj spid="_x0000_s7232" name="Prism 8" r:id="rId15" imgW="3334136" imgH="3027815" progId="Prism8.Document">
+                  <p:embed/>
+                </p:oleObj>
+              </mc:Choice>
+              <mc:Fallback>
+                <p:oleObj name="Prism 8" r:id="rId15" imgW="3334136" imgH="3027815" progId="Prism8.Document">
+                  <p:embed/>
+                  <p:pic>
+                    <p:nvPicPr>
+                      <p:cNvPr id="0" name=""/>
+                      <p:cNvPicPr/>
+                      <p:nvPr/>
+                    </p:nvPicPr>
+                    <p:blipFill>
+                      <a:blip r:embed="rId16"/>
+                      <a:stretch>
+                        <a:fillRect/>
+                      </a:stretch>
+                    </p:blipFill>
+                    <p:spPr>
+                      <a:xfrm>
+                        <a:off x="9127471" y="315650"/>
+                        <a:ext cx="3333750" cy="3027363"/>
+                      </a:xfrm>
+                      <a:prstGeom prst="rect">
+                        <a:avLst/>
+                      </a:prstGeom>
+                    </p:spPr>
+                  </p:pic>
+                </p:oleObj>
+              </mc:Fallback>
+            </mc:AlternateContent>
+          </a:graphicData>
+        </a:graphic>
+      </p:graphicFrame>
+      <p:graphicFrame>
+        <p:nvGraphicFramePr>
+          <p:cNvPr id="20" name="Object 19">
+            <a:extLst>
+              <a:ext uri="{FF2B5EF4-FFF2-40B4-BE49-F238E27FC236}">
+                <a16:creationId xmlns:a16="http://schemas.microsoft.com/office/drawing/2014/main" id="{99CA3DBB-BBE0-4BDB-AB80-F6C41994F719}"/>
+              </a:ext>
+            </a:extLst>
+          </p:cNvPr>
+          <p:cNvGraphicFramePr>
+            <a:graphicFrameLocks noChangeAspect="1"/>
+          </p:cNvGraphicFramePr>
+          <p:nvPr>
+            <p:extLst>
+              <p:ext uri="{D42A27DB-BD31-4B8C-83A1-F6EECF244321}">
+                <p14:modId xmlns:p14="http://schemas.microsoft.com/office/powerpoint/2010/main" val="4236924288"/>
+              </p:ext>
+            </p:extLst>
+          </p:nvPr>
+        </p:nvGraphicFramePr>
+        <p:xfrm>
+          <a:off x="9231959" y="3662428"/>
+          <a:ext cx="3333750" cy="3036887"/>
+        </p:xfrm>
+        <a:graphic>
+          <a:graphicData uri="http://schemas.openxmlformats.org/presentationml/2006/ole">
+            <mc:AlternateContent xmlns:mc="http://schemas.openxmlformats.org/markup-compatibility/2006">
+              <mc:Choice xmlns:v="urn:schemas-microsoft-com:vml" Requires="v">
+                <p:oleObj spid="_x0000_s7233" name="Prism 8" r:id="rId17" imgW="3334136" imgH="3037179" progId="Prism8.Document">
+                  <p:embed/>
+                </p:oleObj>
+              </mc:Choice>
+              <mc:Fallback>
+                <p:oleObj name="Prism 8" r:id="rId17" imgW="3334136" imgH="3037179" progId="Prism8.Document">
+                  <p:embed/>
+                  <p:pic>
+                    <p:nvPicPr>
+                      <p:cNvPr id="0" name=""/>
+                      <p:cNvPicPr/>
+                      <p:nvPr/>
+                    </p:nvPicPr>
+                    <p:blipFill>
+                      <a:blip r:embed="rId18"/>
+                      <a:stretch>
+                        <a:fillRect/>
+                      </a:stretch>
+                    </p:blipFill>
+                    <p:spPr>
+                      <a:xfrm>
+                        <a:off x="9231959" y="3662428"/>
+                        <a:ext cx="3333750" cy="3036887"/>
+                      </a:xfrm>
+                      <a:prstGeom prst="rect">
+                        <a:avLst/>
+                      </a:prstGeom>
+                    </p:spPr>
+                  </p:pic>
+                </p:oleObj>
+              </mc:Fallback>
+            </mc:AlternateContent>
+          </a:graphicData>
+        </a:graphic>
+      </p:graphicFrame>
+      <p:sp>
+        <p:nvSpPr>
+          <p:cNvPr id="11" name="Rectangle 10">
+            <a:extLst>
+              <a:ext uri="{FF2B5EF4-FFF2-40B4-BE49-F238E27FC236}">
+                <a16:creationId xmlns:a16="http://schemas.microsoft.com/office/drawing/2014/main" id="{85B0B2AA-2F37-4C7B-AC13-F19BB3CF76FB}"/>
+              </a:ext>
+            </a:extLst>
+          </p:cNvPr>
+          <p:cNvSpPr/>
+          <p:nvPr/>
+        </p:nvSpPr>
+        <p:spPr>
+          <a:xfrm>
+            <a:off x="-1" y="0"/>
+            <a:ext cx="12192000" cy="461665"/>
+          </a:xfrm>
+          <a:prstGeom prst="rect">
+            <a:avLst/>
+          </a:prstGeom>
+          <a:solidFill>
+            <a:schemeClr val="accent6">
+              <a:lumMod val="20000"/>
+              <a:lumOff val="80000"/>
+            </a:schemeClr>
+          </a:solidFill>
+        </p:spPr>
+        <p:txBody>
+          <a:bodyPr wrap="square">
+            <a:spAutoFit/>
+          </a:bodyPr>
+          <a:lstStyle/>
+          <a:p>
+            <a:pPr algn="ctr"/>
+            <a:r>
+              <a:rPr lang="en-NZ" sz="2400" b="1" dirty="0">
+                <a:latin typeface="Comic Sans MS" panose="030F0702030302020204" pitchFamily="66" charset="0"/>
+              </a:rPr>
+              <a:t>Median </a:t>
+            </a:r>
+            <a:r>
+              <a:rPr lang="en-NZ" sz="2400" b="1" dirty="0" err="1">
+                <a:latin typeface="Comic Sans MS" panose="030F0702030302020204" pitchFamily="66" charset="0"/>
+              </a:rPr>
+              <a:t>EdU</a:t>
+            </a:r>
+            <a:endParaRPr lang="en-NZ" sz="2400" b="1" dirty="0">
+              <a:latin typeface="Comic Sans MS" panose="030F0702030302020204" pitchFamily="66" charset="0"/>
+            </a:endParaRPr>
+          </a:p>
+        </p:txBody>
+      </p:sp>
     </p:spTree>
     <p:extLst>
       <p:ext uri="{BB962C8B-B14F-4D97-AF65-F5344CB8AC3E}">
-        <p14:creationId xmlns:p14="http://schemas.microsoft.com/office/powerpoint/2010/main" val="1546839996"/>
+        <p14:creationId xmlns:p14="http://schemas.microsoft.com/office/powerpoint/2010/main" val="3559337323"/>
       </p:ext>
     </p:extLst>
   </p:cSld>
@@ -14513,113 +16427,12 @@
           <a:chExt cx="0" cy="0"/>
         </a:xfrm>
       </p:grpSpPr>
-      <p:sp>
-        <p:nvSpPr>
-          <p:cNvPr id="9" name="TextBox 8">
+      <p:graphicFrame>
+        <p:nvGraphicFramePr>
+          <p:cNvPr id="2" name="Table 1">
             <a:extLst>
               <a:ext uri="{FF2B5EF4-FFF2-40B4-BE49-F238E27FC236}">
-                <a16:creationId xmlns:a16="http://schemas.microsoft.com/office/drawing/2014/main" id="{95669BD3-3B4B-4E0C-BC98-EBE046724EE1}"/>
-              </a:ext>
-            </a:extLst>
-          </p:cNvPr>
-          <p:cNvSpPr txBox="1"/>
-          <p:nvPr/>
-        </p:nvSpPr>
-        <p:spPr>
-          <a:xfrm>
-            <a:off x="1425496" y="322539"/>
-            <a:ext cx="1816972" cy="646331"/>
-          </a:xfrm>
-          <a:prstGeom prst="rect">
-            <a:avLst/>
-          </a:prstGeom>
-          <a:noFill/>
-        </p:spPr>
-        <p:txBody>
-          <a:bodyPr wrap="none" rtlCol="0">
-            <a:spAutoFit/>
-          </a:bodyPr>
-          <a:lstStyle/>
-          <a:p>
-            <a:r>
-              <a:rPr lang="en-NZ" dirty="0">
-                <a:solidFill>
-                  <a:srgbClr val="FF0000"/>
-                </a:solidFill>
-              </a:rPr>
-              <a:t>Before radiation</a:t>
-            </a:r>
-          </a:p>
-          <a:p>
-            <a:r>
-              <a:rPr lang="en-NZ" dirty="0">
-                <a:solidFill>
-                  <a:srgbClr val="FF0000"/>
-                </a:solidFill>
-              </a:rPr>
-              <a:t>(5 h after plating)</a:t>
-            </a:r>
-          </a:p>
-        </p:txBody>
-      </p:sp>
-      <p:sp>
-        <p:nvSpPr>
-          <p:cNvPr id="37" name="Rectangle 36">
-            <a:extLst>
-              <a:ext uri="{FF2B5EF4-FFF2-40B4-BE49-F238E27FC236}">
-                <a16:creationId xmlns:a16="http://schemas.microsoft.com/office/drawing/2014/main" id="{A32E55D2-BA1A-4AC9-9B41-1532EA545467}"/>
-              </a:ext>
-            </a:extLst>
-          </p:cNvPr>
-          <p:cNvSpPr/>
-          <p:nvPr/>
-        </p:nvSpPr>
-        <p:spPr>
-          <a:xfrm>
-            <a:off x="1215913" y="3233770"/>
-            <a:ext cx="10467358" cy="626640"/>
-          </a:xfrm>
-          <a:prstGeom prst="rect">
-            <a:avLst/>
-          </a:prstGeom>
-          <a:solidFill>
-            <a:schemeClr val="bg1"/>
-          </a:solidFill>
-          <a:ln>
-            <a:noFill/>
-          </a:ln>
-        </p:spPr>
-        <p:style>
-          <a:lnRef idx="2">
-            <a:schemeClr val="accent1">
-              <a:shade val="50000"/>
-            </a:schemeClr>
-          </a:lnRef>
-          <a:fillRef idx="1">
-            <a:schemeClr val="accent1"/>
-          </a:fillRef>
-          <a:effectRef idx="0">
-            <a:schemeClr val="accent1"/>
-          </a:effectRef>
-          <a:fontRef idx="minor">
-            <a:schemeClr val="lt1"/>
-          </a:fontRef>
-        </p:style>
-        <p:txBody>
-          <a:bodyPr rtlCol="0" anchor="ctr"/>
-          <a:lstStyle/>
-          <a:p>
-            <a:pPr algn="ctr"/>
-            <a:endParaRPr lang="en-NZ"/>
-          </a:p>
-        </p:txBody>
-      </p:sp>
-      <p:graphicFrame>
-        <p:nvGraphicFramePr>
-          <p:cNvPr id="40" name="Table 39">
-            <a:extLst>
-              <a:ext uri="{FF2B5EF4-FFF2-40B4-BE49-F238E27FC236}">
-                <a16:creationId xmlns:a16="http://schemas.microsoft.com/office/drawing/2014/main" id="{83F0726B-084D-45D7-A007-77F9B1BDDA01}"/>
+                <a16:creationId xmlns:a16="http://schemas.microsoft.com/office/drawing/2014/main" id="{A7A44023-7608-4568-93C9-ABE6AC6DC16A}"/>
               </a:ext>
             </a:extLst>
           </p:cNvPr>
@@ -14629,14 +16442,14 @@
           <p:nvPr>
             <p:extLst>
               <p:ext uri="{D42A27DB-BD31-4B8C-83A1-F6EECF244321}">
-                <p14:modId xmlns:p14="http://schemas.microsoft.com/office/powerpoint/2010/main" val="267452047"/>
+                <p14:modId xmlns:p14="http://schemas.microsoft.com/office/powerpoint/2010/main" val="2361720379"/>
               </p:ext>
             </p:extLst>
           </p:nvPr>
         </p:nvGraphicFramePr>
         <p:xfrm>
-          <a:off x="8188442" y="1086215"/>
-          <a:ext cx="3349035" cy="1841999"/>
+          <a:off x="455156" y="1146084"/>
+          <a:ext cx="2531324" cy="1493520"/>
         </p:xfrm>
         <a:graphic>
           <a:graphicData uri="http://schemas.openxmlformats.org/drawingml/2006/table">
@@ -14645,35 +16458,28 @@
                 <a:tableStyleId>{E8B1032C-EA38-4F05-BA0D-38AFFFC7BED3}</a:tableStyleId>
               </a:tblPr>
               <a:tblGrid>
-                <a:gridCol w="669807">
+                <a:gridCol w="632831">
                   <a:extLst>
                     <a:ext uri="{9D8B030D-6E8A-4147-A177-3AD203B41FA5}">
                       <a16:colId xmlns:a16="http://schemas.microsoft.com/office/drawing/2014/main" val="96190203"/>
                     </a:ext>
                   </a:extLst>
                 </a:gridCol>
-                <a:gridCol w="669807">
-                  <a:extLst>
-                    <a:ext uri="{9D8B030D-6E8A-4147-A177-3AD203B41FA5}">
-                      <a16:colId xmlns:a16="http://schemas.microsoft.com/office/drawing/2014/main" val="2011770981"/>
-                    </a:ext>
-                  </a:extLst>
-                </a:gridCol>
-                <a:gridCol w="669807">
+                <a:gridCol w="632831">
                   <a:extLst>
                     <a:ext uri="{9D8B030D-6E8A-4147-A177-3AD203B41FA5}">
                       <a16:colId xmlns:a16="http://schemas.microsoft.com/office/drawing/2014/main" val="3673841729"/>
                     </a:ext>
                   </a:extLst>
                 </a:gridCol>
-                <a:gridCol w="669807">
+                <a:gridCol w="632831">
                   <a:extLst>
                     <a:ext uri="{9D8B030D-6E8A-4147-A177-3AD203B41FA5}">
                       <a16:colId xmlns:a16="http://schemas.microsoft.com/office/drawing/2014/main" val="1964090602"/>
                     </a:ext>
                   </a:extLst>
                 </a:gridCol>
-                <a:gridCol w="669807">
+                <a:gridCol w="632831">
                   <a:extLst>
                     <a:ext uri="{9D8B030D-6E8A-4147-A177-3AD203B41FA5}">
                       <a16:colId xmlns:a16="http://schemas.microsoft.com/office/drawing/2014/main" val="2337304450"/>
@@ -14681,7 +16487,7 @@
                   </a:extLst>
                 </a:gridCol>
               </a:tblGrid>
-              <a:tr h="622799">
+              <a:tr h="350818">
                 <a:tc>
                   <a:txBody>
                     <a:bodyPr/>
@@ -14689,13 +16495,13 @@
                     <a:p>
                       <a:pPr algn="ctr" fontAlgn="b"/>
                       <a:r>
-                        <a:rPr lang="en-NZ" sz="1600" b="0" u="none" strike="noStrike" dirty="0">
+                        <a:rPr lang="en-NZ" sz="1400" b="0" u="none" strike="noStrike" dirty="0">
                           <a:effectLst/>
                           <a:latin typeface="Comic Sans MS" panose="030F0702030302020204" pitchFamily="66" charset="0"/>
                         </a:rPr>
                         <a:t>Rad (Gy)</a:t>
                       </a:r>
-                      <a:endParaRPr lang="en-NZ" sz="1600" b="0" i="0" u="none" strike="noStrike" dirty="0">
+                      <a:endParaRPr lang="en-NZ" sz="1400" b="0" i="0" u="none" strike="noStrike" dirty="0">
                         <a:solidFill>
                           <a:srgbClr val="000000"/>
                         </a:solidFill>
@@ -14713,33 +16519,13 @@
                     <a:p>
                       <a:pPr algn="ctr" fontAlgn="b"/>
                       <a:r>
-                        <a:rPr lang="en-NZ" sz="1600" b="0" i="0" u="none" strike="noStrike" dirty="0">
-                          <a:solidFill>
-                            <a:srgbClr val="000000"/>
-                          </a:solidFill>
-                          <a:effectLst/>
-                          <a:latin typeface="Comic Sans MS" panose="030F0702030302020204" pitchFamily="66" charset="0"/>
-                        </a:rPr>
-                        <a:t>Sub-G1</a:t>
-                      </a:r>
-                    </a:p>
-                  </a:txBody>
-                  <a:tcPr marL="0" marR="0" marT="0" marB="0" anchor="b"/>
-                </a:tc>
-                <a:tc>
-                  <a:txBody>
-                    <a:bodyPr/>
-                    <a:lstStyle/>
-                    <a:p>
-                      <a:pPr algn="ctr" fontAlgn="b"/>
-                      <a:r>
-                        <a:rPr lang="en-NZ" sz="1600" b="0" u="none" strike="noStrike" dirty="0">
+                        <a:rPr lang="en-NZ" sz="1400" b="0" u="none" strike="noStrike" dirty="0">
                           <a:effectLst/>
                           <a:latin typeface="Comic Sans MS" panose="030F0702030302020204" pitchFamily="66" charset="0"/>
                         </a:rPr>
                         <a:t>G1</a:t>
                       </a:r>
-                      <a:endParaRPr lang="en-NZ" sz="1600" b="0" i="0" u="none" strike="noStrike" dirty="0">
+                      <a:endParaRPr lang="en-NZ" sz="1400" b="0" i="0" u="none" strike="noStrike" dirty="0">
                         <a:solidFill>
                           <a:srgbClr val="000000"/>
                         </a:solidFill>
@@ -14757,13 +16543,13 @@
                     <a:p>
                       <a:pPr algn="ctr" fontAlgn="b"/>
                       <a:r>
-                        <a:rPr lang="en-NZ" sz="1600" b="0" u="none" strike="noStrike" dirty="0">
+                        <a:rPr lang="en-NZ" sz="1400" b="0" u="none" strike="noStrike" dirty="0">
                           <a:effectLst/>
                           <a:latin typeface="Comic Sans MS" panose="030F0702030302020204" pitchFamily="66" charset="0"/>
                         </a:rPr>
                         <a:t>S</a:t>
                       </a:r>
-                      <a:endParaRPr lang="en-NZ" sz="1600" b="0" i="0" u="none" strike="noStrike" dirty="0">
+                      <a:endParaRPr lang="en-NZ" sz="1400" b="0" i="0" u="none" strike="noStrike" dirty="0">
                         <a:solidFill>
                           <a:srgbClr val="000000"/>
                         </a:solidFill>
@@ -14781,13 +16567,13 @@
                     <a:p>
                       <a:pPr algn="ctr" fontAlgn="b"/>
                       <a:r>
-                        <a:rPr lang="en-NZ" sz="1600" b="0" u="none" strike="noStrike" dirty="0">
+                        <a:rPr lang="en-NZ" sz="1400" b="0" u="none" strike="noStrike" dirty="0">
                           <a:effectLst/>
                           <a:latin typeface="Comic Sans MS" panose="030F0702030302020204" pitchFamily="66" charset="0"/>
                         </a:rPr>
                         <a:t>G2</a:t>
                       </a:r>
-                      <a:endParaRPr lang="en-NZ" sz="1600" b="0" i="0" u="none" strike="noStrike" dirty="0">
+                      <a:endParaRPr lang="en-NZ" sz="1400" b="0" i="0" u="none" strike="noStrike" dirty="0">
                         <a:solidFill>
                           <a:srgbClr val="000000"/>
                         </a:solidFill>
@@ -14804,7 +16590,7 @@
                   </a:ext>
                 </a:extLst>
               </a:tr>
-              <a:tr h="224097">
+              <a:tr h="210349">
                 <a:tc>
                   <a:txBody>
                     <a:bodyPr/>
@@ -14812,13 +16598,13 @@
                     <a:p>
                       <a:pPr algn="ctr" fontAlgn="b"/>
                       <a:r>
-                        <a:rPr lang="en-NZ" sz="1600" b="0" u="none" strike="noStrike">
+                        <a:rPr lang="en-NZ" sz="1400" b="0" u="none" strike="noStrike">
                           <a:effectLst/>
                           <a:latin typeface="Comic Sans MS" panose="030F0702030302020204" pitchFamily="66" charset="0"/>
                         </a:rPr>
                         <a:t>0</a:t>
                       </a:r>
-                      <a:endParaRPr lang="en-NZ" sz="1600" b="0" i="0" u="none" strike="noStrike">
+                      <a:endParaRPr lang="en-NZ" sz="1400" b="0" i="0" u="none" strike="noStrike">
                         <a:solidFill>
                           <a:srgbClr val="000000"/>
                         </a:solidFill>
@@ -14834,64 +16620,56 @@
                     <a:bodyPr/>
                     <a:lstStyle/>
                     <a:p>
-                      <a:pPr algn="ctr" fontAlgn="b"/>
-                      <a:r>
-                        <a:rPr lang="en-NZ" sz="1200" b="0" i="0" u="none" strike="noStrike" dirty="0">
-                          <a:effectLst/>
-                          <a:latin typeface="Comic Sans MS" panose="030F0702030302020204" pitchFamily="66" charset="0"/>
-                        </a:rPr>
-                        <a:t>2.36</a:t>
-                      </a:r>
-                    </a:p>
-                  </a:txBody>
-                  <a:tcPr marL="9525" marR="9525" marT="9525" marB="0" anchor="b"/>
-                </a:tc>
-                <a:tc>
-                  <a:txBody>
-                    <a:bodyPr/>
-                    <a:lstStyle/>
-                    <a:p>
-                      <a:pPr algn="ctr" fontAlgn="b"/>
-                      <a:r>
-                        <a:rPr lang="en-NZ" sz="1200" b="0" i="0" u="none" strike="noStrike" dirty="0">
-                          <a:effectLst/>
-                          <a:latin typeface="Comic Sans MS" panose="030F0702030302020204" pitchFamily="66" charset="0"/>
-                        </a:rPr>
-                        <a:t>41.8</a:t>
-                      </a:r>
-                    </a:p>
-                  </a:txBody>
-                  <a:tcPr marL="9525" marR="9525" marT="9525" marB="0" anchor="b"/>
-                </a:tc>
-                <a:tc>
-                  <a:txBody>
-                    <a:bodyPr/>
-                    <a:lstStyle/>
-                    <a:p>
-                      <a:pPr algn="ctr" fontAlgn="b"/>
-                      <a:r>
-                        <a:rPr lang="en-NZ" sz="1200" b="0" i="0" u="none" strike="noStrike" dirty="0">
-                          <a:effectLst/>
-                          <a:latin typeface="Comic Sans MS" panose="030F0702030302020204" pitchFamily="66" charset="0"/>
-                        </a:rPr>
-                        <a:t>43.8</a:t>
-                      </a:r>
-                    </a:p>
-                  </a:txBody>
-                  <a:tcPr marL="9525" marR="9525" marT="9525" marB="0" anchor="b"/>
-                </a:tc>
-                <a:tc>
-                  <a:txBody>
-                    <a:bodyPr/>
-                    <a:lstStyle/>
-                    <a:p>
-                      <a:pPr algn="ctr" fontAlgn="b"/>
-                      <a:r>
-                        <a:rPr lang="en-NZ" sz="1200" b="0" i="0" u="none" strike="noStrike">
-                          <a:effectLst/>
-                          <a:latin typeface="Comic Sans MS" panose="030F0702030302020204" pitchFamily="66" charset="0"/>
-                        </a:rPr>
-                        <a:t>13.3</a:t>
+                      <a:pPr algn="r" fontAlgn="b"/>
+                      <a:r>
+                        <a:rPr lang="en-NZ" sz="1100" b="0" i="0" u="none" strike="noStrike">
+                          <a:solidFill>
+                            <a:srgbClr val="000000"/>
+                          </a:solidFill>
+                          <a:effectLst/>
+                          <a:latin typeface="Comic Sans MS" panose="030F0702030302020204" pitchFamily="66" charset="0"/>
+                        </a:rPr>
+                        <a:t>49674</a:t>
+                      </a:r>
+                    </a:p>
+                  </a:txBody>
+                  <a:tcPr marL="9525" marR="9525" marT="9525" marB="0" anchor="b"/>
+                </a:tc>
+                <a:tc>
+                  <a:txBody>
+                    <a:bodyPr/>
+                    <a:lstStyle/>
+                    <a:p>
+                      <a:pPr algn="r" fontAlgn="b"/>
+                      <a:r>
+                        <a:rPr lang="en-NZ" sz="1100" b="0" i="0" u="none" strike="noStrike">
+                          <a:solidFill>
+                            <a:srgbClr val="000000"/>
+                          </a:solidFill>
+                          <a:effectLst/>
+                          <a:latin typeface="Comic Sans MS" panose="030F0702030302020204" pitchFamily="66" charset="0"/>
+                        </a:rPr>
+                        <a:t>1100000</a:t>
+                      </a:r>
+                    </a:p>
+                  </a:txBody>
+                  <a:tcPr marL="9525" marR="9525" marT="9525" marB="0" anchor="b"/>
+                </a:tc>
+                <a:tc>
+                  <a:txBody>
+                    <a:bodyPr/>
+                    <a:lstStyle/>
+                    <a:p>
+                      <a:pPr algn="r" fontAlgn="b"/>
+                      <a:r>
+                        <a:rPr lang="en-NZ" sz="1100" b="0" i="0" u="none" strike="noStrike">
+                          <a:solidFill>
+                            <a:srgbClr val="000000"/>
+                          </a:solidFill>
+                          <a:effectLst/>
+                          <a:latin typeface="Comic Sans MS" panose="030F0702030302020204" pitchFamily="66" charset="0"/>
+                        </a:rPr>
+                        <a:t>85963</a:t>
                       </a:r>
                     </a:p>
                   </a:txBody>
@@ -14903,7 +16681,7 @@
                   </a:ext>
                 </a:extLst>
               </a:tr>
-              <a:tr h="224097">
+              <a:tr h="210349">
                 <a:tc>
                   <a:txBody>
                     <a:bodyPr/>
@@ -14911,13 +16689,13 @@
                     <a:p>
                       <a:pPr algn="ctr" fontAlgn="b"/>
                       <a:r>
-                        <a:rPr lang="en-NZ" sz="1600" b="0" u="none" strike="noStrike">
+                        <a:rPr lang="en-NZ" sz="1400" b="0" u="none" strike="noStrike">
                           <a:effectLst/>
                           <a:latin typeface="Comic Sans MS" panose="030F0702030302020204" pitchFamily="66" charset="0"/>
                         </a:rPr>
                         <a:t>2</a:t>
                       </a:r>
-                      <a:endParaRPr lang="en-NZ" sz="1600" b="0" i="0" u="none" strike="noStrike">
+                      <a:endParaRPr lang="en-NZ" sz="1400" b="0" i="0" u="none" strike="noStrike">
                         <a:solidFill>
                           <a:srgbClr val="000000"/>
                         </a:solidFill>
@@ -14933,64 +16711,56 @@
                     <a:bodyPr/>
                     <a:lstStyle/>
                     <a:p>
-                      <a:pPr algn="ctr" fontAlgn="b"/>
-                      <a:r>
-                        <a:rPr lang="en-NZ" sz="1200" b="0" i="0" u="none" strike="noStrike">
-                          <a:effectLst/>
-                          <a:latin typeface="Comic Sans MS" panose="030F0702030302020204" pitchFamily="66" charset="0"/>
-                        </a:rPr>
-                        <a:t>4.35</a:t>
-                      </a:r>
-                    </a:p>
-                  </a:txBody>
-                  <a:tcPr marL="9525" marR="9525" marT="9525" marB="0" anchor="b"/>
-                </a:tc>
-                <a:tc>
-                  <a:txBody>
-                    <a:bodyPr/>
-                    <a:lstStyle/>
-                    <a:p>
-                      <a:pPr algn="ctr" fontAlgn="b"/>
-                      <a:r>
-                        <a:rPr lang="en-NZ" sz="1200" b="0" i="0" u="none" strike="noStrike">
-                          <a:effectLst/>
-                          <a:latin typeface="Comic Sans MS" panose="030F0702030302020204" pitchFamily="66" charset="0"/>
-                        </a:rPr>
-                        <a:t>31.1</a:t>
-                      </a:r>
-                    </a:p>
-                  </a:txBody>
-                  <a:tcPr marL="9525" marR="9525" marT="9525" marB="0" anchor="b"/>
-                </a:tc>
-                <a:tc>
-                  <a:txBody>
-                    <a:bodyPr/>
-                    <a:lstStyle/>
-                    <a:p>
-                      <a:pPr algn="ctr" fontAlgn="b"/>
-                      <a:r>
-                        <a:rPr lang="en-NZ" sz="1200" b="0" i="0" u="none" strike="noStrike" dirty="0">
-                          <a:effectLst/>
-                          <a:latin typeface="Comic Sans MS" panose="030F0702030302020204" pitchFamily="66" charset="0"/>
-                        </a:rPr>
-                        <a:t>53.3</a:t>
-                      </a:r>
-                    </a:p>
-                  </a:txBody>
-                  <a:tcPr marL="9525" marR="9525" marT="9525" marB="0" anchor="b"/>
-                </a:tc>
-                <a:tc>
-                  <a:txBody>
-                    <a:bodyPr/>
-                    <a:lstStyle/>
-                    <a:p>
-                      <a:pPr algn="ctr" fontAlgn="b"/>
-                      <a:r>
-                        <a:rPr lang="en-NZ" sz="1200" b="0" i="0" u="none" strike="noStrike" dirty="0">
-                          <a:effectLst/>
-                          <a:latin typeface="Comic Sans MS" panose="030F0702030302020204" pitchFamily="66" charset="0"/>
-                        </a:rPr>
-                        <a:t>15.7</a:t>
+                      <a:pPr algn="r" fontAlgn="b"/>
+                      <a:r>
+                        <a:rPr lang="en-NZ" sz="1100" b="0" i="0" u="none" strike="noStrike">
+                          <a:solidFill>
+                            <a:srgbClr val="000000"/>
+                          </a:solidFill>
+                          <a:effectLst/>
+                          <a:latin typeface="Comic Sans MS" panose="030F0702030302020204" pitchFamily="66" charset="0"/>
+                        </a:rPr>
+                        <a:t>49995</a:t>
+                      </a:r>
+                    </a:p>
+                  </a:txBody>
+                  <a:tcPr marL="9525" marR="9525" marT="9525" marB="0" anchor="b"/>
+                </a:tc>
+                <a:tc>
+                  <a:txBody>
+                    <a:bodyPr/>
+                    <a:lstStyle/>
+                    <a:p>
+                      <a:pPr algn="r" fontAlgn="b"/>
+                      <a:r>
+                        <a:rPr lang="en-NZ" sz="1100" b="0" i="0" u="none" strike="noStrike">
+                          <a:solidFill>
+                            <a:srgbClr val="000000"/>
+                          </a:solidFill>
+                          <a:effectLst/>
+                          <a:latin typeface="Comic Sans MS" panose="030F0702030302020204" pitchFamily="66" charset="0"/>
+                        </a:rPr>
+                        <a:t>1245000</a:t>
+                      </a:r>
+                    </a:p>
+                  </a:txBody>
+                  <a:tcPr marL="9525" marR="9525" marT="9525" marB="0" anchor="b"/>
+                </a:tc>
+                <a:tc>
+                  <a:txBody>
+                    <a:bodyPr/>
+                    <a:lstStyle/>
+                    <a:p>
+                      <a:pPr algn="r" fontAlgn="b"/>
+                      <a:r>
+                        <a:rPr lang="en-NZ" sz="1100" b="0" i="0" u="none" strike="noStrike">
+                          <a:solidFill>
+                            <a:srgbClr val="000000"/>
+                          </a:solidFill>
+                          <a:effectLst/>
+                          <a:latin typeface="Comic Sans MS" panose="030F0702030302020204" pitchFamily="66" charset="0"/>
+                        </a:rPr>
+                        <a:t>85012</a:t>
                       </a:r>
                     </a:p>
                   </a:txBody>
@@ -15002,7 +16772,7 @@
                   </a:ext>
                 </a:extLst>
               </a:tr>
-              <a:tr h="224097">
+              <a:tr h="210349">
                 <a:tc>
                   <a:txBody>
                     <a:bodyPr/>
@@ -15010,13 +16780,13 @@
                     <a:p>
                       <a:pPr algn="ctr" fontAlgn="b"/>
                       <a:r>
-                        <a:rPr lang="en-NZ" sz="1600" b="0" u="none" strike="noStrike">
+                        <a:rPr lang="en-NZ" sz="1400" b="0" u="none" strike="noStrike">
                           <a:effectLst/>
                           <a:latin typeface="Comic Sans MS" panose="030F0702030302020204" pitchFamily="66" charset="0"/>
                         </a:rPr>
                         <a:t>4</a:t>
                       </a:r>
-                      <a:endParaRPr lang="en-NZ" sz="1600" b="0" i="0" u="none" strike="noStrike">
+                      <a:endParaRPr lang="en-NZ" sz="1400" b="0" i="0" u="none" strike="noStrike">
                         <a:solidFill>
                           <a:srgbClr val="000000"/>
                         </a:solidFill>
@@ -15032,64 +16802,56 @@
                     <a:bodyPr/>
                     <a:lstStyle/>
                     <a:p>
-                      <a:pPr algn="ctr" fontAlgn="b"/>
-                      <a:r>
-                        <a:rPr lang="en-NZ" sz="1200" b="0" i="0" u="none" strike="noStrike">
-                          <a:effectLst/>
-                          <a:latin typeface="Comic Sans MS" panose="030F0702030302020204" pitchFamily="66" charset="0"/>
-                        </a:rPr>
-                        <a:t>4.94</a:t>
-                      </a:r>
-                    </a:p>
-                  </a:txBody>
-                  <a:tcPr marL="9525" marR="9525" marT="9525" marB="0" anchor="b"/>
-                </a:tc>
-                <a:tc>
-                  <a:txBody>
-                    <a:bodyPr/>
-                    <a:lstStyle/>
-                    <a:p>
-                      <a:pPr algn="ctr" fontAlgn="b"/>
-                      <a:r>
-                        <a:rPr lang="en-NZ" sz="1200" b="0" i="0" u="none" strike="noStrike">
-                          <a:effectLst/>
-                          <a:latin typeface="Comic Sans MS" panose="030F0702030302020204" pitchFamily="66" charset="0"/>
-                        </a:rPr>
-                        <a:t>20.5</a:t>
-                      </a:r>
-                    </a:p>
-                  </a:txBody>
-                  <a:tcPr marL="9525" marR="9525" marT="9525" marB="0" anchor="b"/>
-                </a:tc>
-                <a:tc>
-                  <a:txBody>
-                    <a:bodyPr/>
-                    <a:lstStyle/>
-                    <a:p>
-                      <a:pPr algn="ctr" fontAlgn="b"/>
-                      <a:r>
-                        <a:rPr lang="en-NZ" sz="1200" b="0" i="0" u="none" strike="noStrike">
-                          <a:effectLst/>
-                          <a:latin typeface="Comic Sans MS" panose="030F0702030302020204" pitchFamily="66" charset="0"/>
-                        </a:rPr>
-                        <a:t>54.6</a:t>
-                      </a:r>
-                    </a:p>
-                  </a:txBody>
-                  <a:tcPr marL="9525" marR="9525" marT="9525" marB="0" anchor="b"/>
-                </a:tc>
-                <a:tc>
-                  <a:txBody>
-                    <a:bodyPr/>
-                    <a:lstStyle/>
-                    <a:p>
-                      <a:pPr algn="ctr" fontAlgn="b"/>
-                      <a:r>
-                        <a:rPr lang="en-NZ" sz="1200" b="0" i="0" u="none" strike="noStrike">
-                          <a:effectLst/>
-                          <a:latin typeface="Comic Sans MS" panose="030F0702030302020204" pitchFamily="66" charset="0"/>
-                        </a:rPr>
-                        <a:t>24.8</a:t>
+                      <a:pPr algn="r" fontAlgn="b"/>
+                      <a:r>
+                        <a:rPr lang="en-NZ" sz="1100" b="0" i="0" u="none" strike="noStrike">
+                          <a:solidFill>
+                            <a:srgbClr val="000000"/>
+                          </a:solidFill>
+                          <a:effectLst/>
+                          <a:latin typeface="Comic Sans MS" panose="030F0702030302020204" pitchFamily="66" charset="0"/>
+                        </a:rPr>
+                        <a:t>50744</a:t>
+                      </a:r>
+                    </a:p>
+                  </a:txBody>
+                  <a:tcPr marL="9525" marR="9525" marT="9525" marB="0" anchor="b"/>
+                </a:tc>
+                <a:tc>
+                  <a:txBody>
+                    <a:bodyPr/>
+                    <a:lstStyle/>
+                    <a:p>
+                      <a:pPr algn="r" fontAlgn="b"/>
+                      <a:r>
+                        <a:rPr lang="en-NZ" sz="1100" b="0" i="0" u="none" strike="noStrike">
+                          <a:solidFill>
+                            <a:srgbClr val="000000"/>
+                          </a:solidFill>
+                          <a:effectLst/>
+                          <a:latin typeface="Comic Sans MS" panose="030F0702030302020204" pitchFamily="66" charset="0"/>
+                        </a:rPr>
+                        <a:t>1275000</a:t>
+                      </a:r>
+                    </a:p>
+                  </a:txBody>
+                  <a:tcPr marL="9525" marR="9525" marT="9525" marB="0" anchor="b"/>
+                </a:tc>
+                <a:tc>
+                  <a:txBody>
+                    <a:bodyPr/>
+                    <a:lstStyle/>
+                    <a:p>
+                      <a:pPr algn="r" fontAlgn="b"/>
+                      <a:r>
+                        <a:rPr lang="en-NZ" sz="1100" b="0" i="0" u="none" strike="noStrike">
+                          <a:solidFill>
+                            <a:srgbClr val="000000"/>
+                          </a:solidFill>
+                          <a:effectLst/>
+                          <a:latin typeface="Comic Sans MS" panose="030F0702030302020204" pitchFamily="66" charset="0"/>
+                        </a:rPr>
+                        <a:t>84839</a:t>
                       </a:r>
                     </a:p>
                   </a:txBody>
@@ -15101,7 +16863,7 @@
                   </a:ext>
                 </a:extLst>
               </a:tr>
-              <a:tr h="224097">
+              <a:tr h="210349">
                 <a:tc>
                   <a:txBody>
                     <a:bodyPr/>
@@ -15109,13 +16871,13 @@
                     <a:p>
                       <a:pPr algn="ctr" fontAlgn="b"/>
                       <a:r>
-                        <a:rPr lang="en-NZ" sz="1600" b="0" u="none" strike="noStrike">
+                        <a:rPr lang="en-NZ" sz="1400" b="0" u="none" strike="noStrike" dirty="0">
                           <a:effectLst/>
                           <a:latin typeface="Comic Sans MS" panose="030F0702030302020204" pitchFamily="66" charset="0"/>
                         </a:rPr>
                         <a:t>6</a:t>
                       </a:r>
-                      <a:endParaRPr lang="en-NZ" sz="1600" b="0" i="0" u="none" strike="noStrike">
+                      <a:endParaRPr lang="en-NZ" sz="1400" b="0" i="0" u="none" strike="noStrike" dirty="0">
                         <a:solidFill>
                           <a:srgbClr val="000000"/>
                         </a:solidFill>
@@ -15131,64 +16893,56 @@
                     <a:bodyPr/>
                     <a:lstStyle/>
                     <a:p>
-                      <a:pPr algn="ctr" fontAlgn="b"/>
-                      <a:r>
-                        <a:rPr lang="en-NZ" sz="1200" b="0" i="0" u="none" strike="noStrike">
-                          <a:effectLst/>
-                          <a:latin typeface="Comic Sans MS" panose="030F0702030302020204" pitchFamily="66" charset="0"/>
-                        </a:rPr>
-                        <a:t>3.96</a:t>
-                      </a:r>
-                    </a:p>
-                  </a:txBody>
-                  <a:tcPr marL="9525" marR="9525" marT="9525" marB="0" anchor="b"/>
-                </a:tc>
-                <a:tc>
-                  <a:txBody>
-                    <a:bodyPr/>
-                    <a:lstStyle/>
-                    <a:p>
-                      <a:pPr algn="ctr" fontAlgn="b"/>
-                      <a:r>
-                        <a:rPr lang="en-NZ" sz="1200" b="0" i="0" u="none" strike="noStrike" dirty="0">
-                          <a:effectLst/>
-                          <a:latin typeface="Comic Sans MS" panose="030F0702030302020204" pitchFamily="66" charset="0"/>
-                        </a:rPr>
-                        <a:t>15.0</a:t>
-                      </a:r>
-                    </a:p>
-                  </a:txBody>
-                  <a:tcPr marL="9525" marR="9525" marT="9525" marB="0" anchor="b"/>
-                </a:tc>
-                <a:tc>
-                  <a:txBody>
-                    <a:bodyPr/>
-                    <a:lstStyle/>
-                    <a:p>
-                      <a:pPr algn="ctr" fontAlgn="b"/>
-                      <a:r>
-                        <a:rPr lang="en-NZ" sz="1200" b="0" i="0" u="none" strike="noStrike">
-                          <a:effectLst/>
-                          <a:latin typeface="Comic Sans MS" panose="030F0702030302020204" pitchFamily="66" charset="0"/>
-                        </a:rPr>
-                        <a:t>49.6</a:t>
-                      </a:r>
-                    </a:p>
-                  </a:txBody>
-                  <a:tcPr marL="9525" marR="9525" marT="9525" marB="0" anchor="b"/>
-                </a:tc>
-                <a:tc>
-                  <a:txBody>
-                    <a:bodyPr/>
-                    <a:lstStyle/>
-                    <a:p>
-                      <a:pPr algn="ctr" fontAlgn="b"/>
-                      <a:r>
-                        <a:rPr lang="en-NZ" sz="1200" b="0" i="0" u="none" strike="noStrike">
-                          <a:effectLst/>
-                          <a:latin typeface="Comic Sans MS" panose="030F0702030302020204" pitchFamily="66" charset="0"/>
-                        </a:rPr>
-                        <a:t>35.3</a:t>
+                      <a:pPr algn="r" fontAlgn="b"/>
+                      <a:r>
+                        <a:rPr lang="en-NZ" sz="1100" b="0" i="0" u="none" strike="noStrike">
+                          <a:solidFill>
+                            <a:srgbClr val="000000"/>
+                          </a:solidFill>
+                          <a:effectLst/>
+                          <a:latin typeface="Comic Sans MS" panose="030F0702030302020204" pitchFamily="66" charset="0"/>
+                        </a:rPr>
+                        <a:t>53057</a:t>
+                      </a:r>
+                    </a:p>
+                  </a:txBody>
+                  <a:tcPr marL="9525" marR="9525" marT="9525" marB="0" anchor="b"/>
+                </a:tc>
+                <a:tc>
+                  <a:txBody>
+                    <a:bodyPr/>
+                    <a:lstStyle/>
+                    <a:p>
+                      <a:pPr algn="r" fontAlgn="b"/>
+                      <a:r>
+                        <a:rPr lang="en-NZ" sz="1100" b="0" i="0" u="none" strike="noStrike">
+                          <a:solidFill>
+                            <a:srgbClr val="000000"/>
+                          </a:solidFill>
+                          <a:effectLst/>
+                          <a:latin typeface="Comic Sans MS" panose="030F0702030302020204" pitchFamily="66" charset="0"/>
+                        </a:rPr>
+                        <a:t>1275000</a:t>
+                      </a:r>
+                    </a:p>
+                  </a:txBody>
+                  <a:tcPr marL="9525" marR="9525" marT="9525" marB="0" anchor="b"/>
+                </a:tc>
+                <a:tc>
+                  <a:txBody>
+                    <a:bodyPr/>
+                    <a:lstStyle/>
+                    <a:p>
+                      <a:pPr algn="r" fontAlgn="b"/>
+                      <a:r>
+                        <a:rPr lang="en-NZ" sz="1100" b="0" i="0" u="none" strike="noStrike">
+                          <a:solidFill>
+                            <a:srgbClr val="000000"/>
+                          </a:solidFill>
+                          <a:effectLst/>
+                          <a:latin typeface="Comic Sans MS" panose="030F0702030302020204" pitchFamily="66" charset="0"/>
+                        </a:rPr>
+                        <a:t>92184</a:t>
                       </a:r>
                     </a:p>
                   </a:txBody>
@@ -15200,7 +16954,7 @@
                   </a:ext>
                 </a:extLst>
               </a:tr>
-              <a:tr h="224097">
+              <a:tr h="210349">
                 <a:tc>
                   <a:txBody>
                     <a:bodyPr/>
@@ -15208,13 +16962,13 @@
                     <a:p>
                       <a:pPr algn="ctr" fontAlgn="b"/>
                       <a:r>
-                        <a:rPr lang="en-NZ" sz="1600" b="0" u="none" strike="noStrike">
+                        <a:rPr lang="en-NZ" sz="1400" b="0" u="none" strike="noStrike" dirty="0">
                           <a:effectLst/>
                           <a:latin typeface="Comic Sans MS" panose="030F0702030302020204" pitchFamily="66" charset="0"/>
                         </a:rPr>
                         <a:t>8</a:t>
                       </a:r>
-                      <a:endParaRPr lang="en-NZ" sz="1600" b="0" i="0" u="none" strike="noStrike">
+                      <a:endParaRPr lang="en-NZ" sz="1400" b="0" i="0" u="none" strike="noStrike" dirty="0">
                         <a:solidFill>
                           <a:srgbClr val="000000"/>
                         </a:solidFill>
@@ -15230,64 +16984,56 @@
                     <a:bodyPr/>
                     <a:lstStyle/>
                     <a:p>
-                      <a:pPr algn="ctr" fontAlgn="b"/>
-                      <a:r>
-                        <a:rPr lang="en-NZ" sz="1200" b="0" i="0" u="none" strike="noStrike">
-                          <a:effectLst/>
-                          <a:latin typeface="Comic Sans MS" panose="030F0702030302020204" pitchFamily="66" charset="0"/>
-                        </a:rPr>
-                        <a:t>4.31</a:t>
-                      </a:r>
-                    </a:p>
-                  </a:txBody>
-                  <a:tcPr marL="9525" marR="9525" marT="9525" marB="0" anchor="b"/>
-                </a:tc>
-                <a:tc>
-                  <a:txBody>
-                    <a:bodyPr/>
-                    <a:lstStyle/>
-                    <a:p>
-                      <a:pPr algn="ctr" fontAlgn="b"/>
-                      <a:r>
-                        <a:rPr lang="en-NZ" sz="1200" b="0" i="0" u="none" strike="noStrike">
-                          <a:effectLst/>
-                          <a:latin typeface="Comic Sans MS" panose="030F0702030302020204" pitchFamily="66" charset="0"/>
-                        </a:rPr>
-                        <a:t>12.3</a:t>
-                      </a:r>
-                    </a:p>
-                  </a:txBody>
-                  <a:tcPr marL="9525" marR="9525" marT="9525" marB="0" anchor="b"/>
-                </a:tc>
-                <a:tc>
-                  <a:txBody>
-                    <a:bodyPr/>
-                    <a:lstStyle/>
-                    <a:p>
-                      <a:pPr algn="ctr" fontAlgn="b"/>
-                      <a:r>
-                        <a:rPr lang="en-NZ" sz="1200" b="0" i="0" u="none" strike="noStrike">
-                          <a:effectLst/>
-                          <a:latin typeface="Comic Sans MS" panose="030F0702030302020204" pitchFamily="66" charset="0"/>
-                        </a:rPr>
-                        <a:t>31.7</a:t>
-                      </a:r>
-                    </a:p>
-                  </a:txBody>
-                  <a:tcPr marL="9525" marR="9525" marT="9525" marB="0" anchor="b"/>
-                </a:tc>
-                <a:tc>
-                  <a:txBody>
-                    <a:bodyPr/>
-                    <a:lstStyle/>
-                    <a:p>
-                      <a:pPr algn="ctr" fontAlgn="b"/>
-                      <a:r>
-                        <a:rPr lang="en-NZ" sz="1200" b="0" i="0" u="none" strike="noStrike" dirty="0">
-                          <a:effectLst/>
-                          <a:latin typeface="Comic Sans MS" panose="030F0702030302020204" pitchFamily="66" charset="0"/>
-                        </a:rPr>
-                        <a:t>56.0</a:t>
+                      <a:pPr algn="r" fontAlgn="b"/>
+                      <a:r>
+                        <a:rPr lang="en-NZ" sz="1100" b="0" i="0" u="none" strike="noStrike" dirty="0">
+                          <a:solidFill>
+                            <a:srgbClr val="000000"/>
+                          </a:solidFill>
+                          <a:effectLst/>
+                          <a:latin typeface="Comic Sans MS" panose="030F0702030302020204" pitchFamily="66" charset="0"/>
+                        </a:rPr>
+                        <a:t>49297</a:t>
+                      </a:r>
+                    </a:p>
+                  </a:txBody>
+                  <a:tcPr marL="9525" marR="9525" marT="9525" marB="0" anchor="b"/>
+                </a:tc>
+                <a:tc>
+                  <a:txBody>
+                    <a:bodyPr/>
+                    <a:lstStyle/>
+                    <a:p>
+                      <a:pPr algn="r" fontAlgn="b"/>
+                      <a:r>
+                        <a:rPr lang="en-NZ" sz="1100" b="0" i="0" u="none" strike="noStrike" dirty="0">
+                          <a:solidFill>
+                            <a:srgbClr val="000000"/>
+                          </a:solidFill>
+                          <a:effectLst/>
+                          <a:latin typeface="Comic Sans MS" panose="030F0702030302020204" pitchFamily="66" charset="0"/>
+                        </a:rPr>
+                        <a:t>1525000</a:t>
+                      </a:r>
+                    </a:p>
+                  </a:txBody>
+                  <a:tcPr marL="9525" marR="9525" marT="9525" marB="0" anchor="b"/>
+                </a:tc>
+                <a:tc>
+                  <a:txBody>
+                    <a:bodyPr/>
+                    <a:lstStyle/>
+                    <a:p>
+                      <a:pPr algn="r" fontAlgn="b"/>
+                      <a:r>
+                        <a:rPr lang="en-NZ" sz="1100" b="0" i="0" u="none" strike="noStrike" dirty="0">
+                          <a:solidFill>
+                            <a:srgbClr val="000000"/>
+                          </a:solidFill>
+                          <a:effectLst/>
+                          <a:latin typeface="Comic Sans MS" panose="030F0702030302020204" pitchFamily="66" charset="0"/>
+                        </a:rPr>
+                        <a:t>83616</a:t>
                       </a:r>
                     </a:p>
                   </a:txBody>
@@ -15305,60 +17051,10 @@
       </p:graphicFrame>
       <p:sp>
         <p:nvSpPr>
-          <p:cNvPr id="41" name="Rectangle: Rounded Corners 40">
+          <p:cNvPr id="6" name="TextBox 5">
             <a:extLst>
               <a:ext uri="{FF2B5EF4-FFF2-40B4-BE49-F238E27FC236}">
-                <a16:creationId xmlns:a16="http://schemas.microsoft.com/office/drawing/2014/main" id="{B2EA8626-056F-401E-9FE7-F3B2DA7207E7}"/>
-              </a:ext>
-            </a:extLst>
-          </p:cNvPr>
-          <p:cNvSpPr/>
-          <p:nvPr/>
-        </p:nvSpPr>
-        <p:spPr>
-          <a:xfrm>
-            <a:off x="110817" y="3575631"/>
-            <a:ext cx="11961359" cy="3201405"/>
-          </a:xfrm>
-          <a:prstGeom prst="roundRect">
-            <a:avLst/>
-          </a:prstGeom>
-          <a:noFill/>
-          <a:ln/>
-        </p:spPr>
-        <p:style>
-          <a:lnRef idx="2">
-            <a:schemeClr val="accent6"/>
-          </a:lnRef>
-          <a:fillRef idx="1">
-            <a:schemeClr val="lt1"/>
-          </a:fillRef>
-          <a:effectRef idx="0">
-            <a:schemeClr val="accent6"/>
-          </a:effectRef>
-          <a:fontRef idx="minor">
-            <a:schemeClr val="dk1"/>
-          </a:fontRef>
-        </p:style>
-        <p:txBody>
-          <a:bodyPr rtlCol="0" anchor="ctr"/>
-          <a:lstStyle/>
-          <a:p>
-            <a:pPr algn="ctr"/>
-            <a:endParaRPr lang="en-NZ">
-              <a:solidFill>
-                <a:srgbClr val="FF0000"/>
-              </a:solidFill>
-            </a:endParaRPr>
-          </a:p>
-        </p:txBody>
-      </p:sp>
-      <p:sp>
-        <p:nvSpPr>
-          <p:cNvPr id="42" name="TextBox 41">
-            <a:extLst>
-              <a:ext uri="{FF2B5EF4-FFF2-40B4-BE49-F238E27FC236}">
-                <a16:creationId xmlns:a16="http://schemas.microsoft.com/office/drawing/2014/main" id="{18306980-A433-4C08-BE02-6767CE68412F}"/>
+                <a16:creationId xmlns:a16="http://schemas.microsoft.com/office/drawing/2014/main" id="{D4DF050A-0EB7-487C-9497-03A5911783D0}"/>
               </a:ext>
             </a:extLst>
           </p:cNvPr>
@@ -15366,374 +17062,15 @@
           <p:nvPr/>
         </p:nvSpPr>
         <p:spPr>
-          <a:xfrm>
-            <a:off x="119823" y="3474225"/>
-            <a:ext cx="2315057" cy="369332"/>
+          <a:xfrm rot="16200000">
+            <a:off x="-1139691" y="5128712"/>
+            <a:ext cx="2653018" cy="369332"/>
           </a:xfrm>
           <a:prstGeom prst="rect">
             <a:avLst/>
           </a:prstGeom>
           <a:solidFill>
-            <a:schemeClr val="bg1"/>
-          </a:solidFill>
-        </p:spPr>
-        <p:txBody>
-          <a:bodyPr wrap="none" rtlCol="0">
-            <a:spAutoFit/>
-          </a:bodyPr>
-          <a:lstStyle/>
-          <a:p>
-            <a:r>
-              <a:rPr lang="en-NZ" dirty="0">
-                <a:solidFill>
-                  <a:srgbClr val="00B050"/>
-                </a:solidFill>
-                <a:latin typeface="Comic Sans MS" panose="030F0702030302020204" pitchFamily="66" charset="0"/>
-              </a:rPr>
-              <a:t>18 h after radiation</a:t>
-            </a:r>
-          </a:p>
-        </p:txBody>
-      </p:sp>
-      <p:sp>
-        <p:nvSpPr>
-          <p:cNvPr id="10" name="TextBox 9">
-            <a:extLst>
-              <a:ext uri="{FF2B5EF4-FFF2-40B4-BE49-F238E27FC236}">
-                <a16:creationId xmlns:a16="http://schemas.microsoft.com/office/drawing/2014/main" id="{DB6FEEC3-73C0-4F29-A39F-D0DEABE460AB}"/>
-              </a:ext>
-            </a:extLst>
-          </p:cNvPr>
-          <p:cNvSpPr txBox="1"/>
-          <p:nvPr/>
-        </p:nvSpPr>
-        <p:spPr>
-          <a:xfrm>
-            <a:off x="952894" y="3854869"/>
-            <a:ext cx="10202473" cy="369332"/>
-          </a:xfrm>
-          <a:prstGeom prst="rect">
-            <a:avLst/>
-          </a:prstGeom>
-          <a:noFill/>
-        </p:spPr>
-        <p:txBody>
-          <a:bodyPr wrap="none" rtlCol="0">
-            <a:spAutoFit/>
-          </a:bodyPr>
-          <a:lstStyle/>
-          <a:p>
-            <a:r>
-              <a:rPr lang="en-NZ" dirty="0">
-                <a:solidFill>
-                  <a:srgbClr val="00B050"/>
-                </a:solidFill>
-              </a:rPr>
-              <a:t>0 Gy                                       2Gy                                        4 Gy                                   6 Gy                                     8Gy </a:t>
-            </a:r>
-          </a:p>
-        </p:txBody>
-      </p:sp>
-      <p:sp>
-        <p:nvSpPr>
-          <p:cNvPr id="43" name="TextBox 42">
-            <a:extLst>
-              <a:ext uri="{FF2B5EF4-FFF2-40B4-BE49-F238E27FC236}">
-                <a16:creationId xmlns:a16="http://schemas.microsoft.com/office/drawing/2014/main" id="{77E4DB7B-29E4-425E-9387-976844BB2963}"/>
-              </a:ext>
-            </a:extLst>
-          </p:cNvPr>
-          <p:cNvSpPr txBox="1"/>
-          <p:nvPr/>
-        </p:nvSpPr>
-        <p:spPr>
-          <a:xfrm>
-            <a:off x="10028295" y="662145"/>
-            <a:ext cx="349776" cy="369332"/>
-          </a:xfrm>
-          <a:prstGeom prst="rect">
-            <a:avLst/>
-          </a:prstGeom>
-          <a:noFill/>
-        </p:spPr>
-        <p:txBody>
-          <a:bodyPr wrap="none" rtlCol="0">
-            <a:spAutoFit/>
-          </a:bodyPr>
-          <a:lstStyle/>
-          <a:p>
-            <a:r>
-              <a:rPr lang="en-NZ" dirty="0"/>
-              <a:t>%</a:t>
-            </a:r>
-          </a:p>
-        </p:txBody>
-      </p:sp>
-      <p:pic>
-        <p:nvPicPr>
-          <p:cNvPr id="3" name="Picture 2">
-            <a:extLst>
-              <a:ext uri="{FF2B5EF4-FFF2-40B4-BE49-F238E27FC236}">
-                <a16:creationId xmlns:a16="http://schemas.microsoft.com/office/drawing/2014/main" id="{C03866CA-CD79-4357-B3EC-5B8CC792DA25}"/>
-              </a:ext>
-            </a:extLst>
-          </p:cNvPr>
-          <p:cNvPicPr>
-            <a:picLocks noChangeAspect="1"/>
-          </p:cNvPicPr>
-          <p:nvPr/>
-        </p:nvPicPr>
-        <p:blipFill>
-          <a:blip r:embed="rId3"/>
-          <a:stretch>
-            <a:fillRect/>
-          </a:stretch>
-        </p:blipFill>
-        <p:spPr>
-          <a:xfrm>
-            <a:off x="838569" y="804944"/>
-            <a:ext cx="2450258" cy="2411973"/>
-          </a:xfrm>
-          <a:prstGeom prst="rect">
-            <a:avLst/>
-          </a:prstGeom>
-        </p:spPr>
-      </p:pic>
-      <p:pic>
-        <p:nvPicPr>
-          <p:cNvPr id="5" name="Picture 4">
-            <a:extLst>
-              <a:ext uri="{FF2B5EF4-FFF2-40B4-BE49-F238E27FC236}">
-                <a16:creationId xmlns:a16="http://schemas.microsoft.com/office/drawing/2014/main" id="{87BC4D87-AB83-452F-99BE-967E3F7322B7}"/>
-              </a:ext>
-            </a:extLst>
-          </p:cNvPr>
-          <p:cNvPicPr>
-            <a:picLocks noChangeAspect="1"/>
-          </p:cNvPicPr>
-          <p:nvPr/>
-        </p:nvPicPr>
-        <p:blipFill>
-          <a:blip r:embed="rId4"/>
-          <a:stretch>
-            <a:fillRect/>
-          </a:stretch>
-        </p:blipFill>
-        <p:spPr>
-          <a:xfrm>
-            <a:off x="225165" y="4262598"/>
-            <a:ext cx="2162897" cy="2129102"/>
-          </a:xfrm>
-          <a:prstGeom prst="rect">
-            <a:avLst/>
-          </a:prstGeom>
-        </p:spPr>
-      </p:pic>
-      <p:pic>
-        <p:nvPicPr>
-          <p:cNvPr id="7" name="Picture 6">
-            <a:extLst>
-              <a:ext uri="{FF2B5EF4-FFF2-40B4-BE49-F238E27FC236}">
-                <a16:creationId xmlns:a16="http://schemas.microsoft.com/office/drawing/2014/main" id="{1E9BA478-DED6-44D2-85F7-AC1D5DD1C3BF}"/>
-              </a:ext>
-            </a:extLst>
-          </p:cNvPr>
-          <p:cNvPicPr>
-            <a:picLocks noChangeAspect="1"/>
-          </p:cNvPicPr>
-          <p:nvPr/>
-        </p:nvPicPr>
-        <p:blipFill>
-          <a:blip r:embed="rId5"/>
-          <a:stretch>
-            <a:fillRect/>
-          </a:stretch>
-        </p:blipFill>
-        <p:spPr>
-          <a:xfrm>
-            <a:off x="2528418" y="4262598"/>
-            <a:ext cx="2244164" cy="2209099"/>
-          </a:xfrm>
-          <a:prstGeom prst="rect">
-            <a:avLst/>
-          </a:prstGeom>
-        </p:spPr>
-      </p:pic>
-      <p:pic>
-        <p:nvPicPr>
-          <p:cNvPr id="12" name="Picture 11">
-            <a:extLst>
-              <a:ext uri="{FF2B5EF4-FFF2-40B4-BE49-F238E27FC236}">
-                <a16:creationId xmlns:a16="http://schemas.microsoft.com/office/drawing/2014/main" id="{72006E22-654C-4A64-9436-33EA04EE9D73}"/>
-              </a:ext>
-            </a:extLst>
-          </p:cNvPr>
-          <p:cNvPicPr>
-            <a:picLocks noChangeAspect="1"/>
-          </p:cNvPicPr>
-          <p:nvPr/>
-        </p:nvPicPr>
-        <p:blipFill>
-          <a:blip r:embed="rId6"/>
-          <a:stretch>
-            <a:fillRect/>
-          </a:stretch>
-        </p:blipFill>
-        <p:spPr>
-          <a:xfrm>
-            <a:off x="4839694" y="4270367"/>
-            <a:ext cx="2244164" cy="2209099"/>
-          </a:xfrm>
-          <a:prstGeom prst="rect">
-            <a:avLst/>
-          </a:prstGeom>
-        </p:spPr>
-      </p:pic>
-      <p:pic>
-        <p:nvPicPr>
-          <p:cNvPr id="14" name="Picture 13">
-            <a:extLst>
-              <a:ext uri="{FF2B5EF4-FFF2-40B4-BE49-F238E27FC236}">
-                <a16:creationId xmlns:a16="http://schemas.microsoft.com/office/drawing/2014/main" id="{99B5032E-B0A0-473C-944F-F79D8F781F7F}"/>
-              </a:ext>
-            </a:extLst>
-          </p:cNvPr>
-          <p:cNvPicPr>
-            <a:picLocks noChangeAspect="1"/>
-          </p:cNvPicPr>
-          <p:nvPr/>
-        </p:nvPicPr>
-        <p:blipFill>
-          <a:blip r:embed="rId7"/>
-          <a:stretch>
-            <a:fillRect/>
-          </a:stretch>
-        </p:blipFill>
-        <p:spPr>
-          <a:xfrm>
-            <a:off x="7175059" y="4262598"/>
-            <a:ext cx="2227652" cy="2192845"/>
-          </a:xfrm>
-          <a:prstGeom prst="rect">
-            <a:avLst/>
-          </a:prstGeom>
-        </p:spPr>
-      </p:pic>
-      <p:pic>
-        <p:nvPicPr>
-          <p:cNvPr id="16" name="Picture 15">
-            <a:extLst>
-              <a:ext uri="{FF2B5EF4-FFF2-40B4-BE49-F238E27FC236}">
-                <a16:creationId xmlns:a16="http://schemas.microsoft.com/office/drawing/2014/main" id="{9E72F9F5-3140-4962-8274-919461EA8622}"/>
-              </a:ext>
-            </a:extLst>
-          </p:cNvPr>
-          <p:cNvPicPr>
-            <a:picLocks noChangeAspect="1"/>
-          </p:cNvPicPr>
-          <p:nvPr/>
-        </p:nvPicPr>
-        <p:blipFill>
-          <a:blip r:embed="rId8"/>
-          <a:stretch>
-            <a:fillRect/>
-          </a:stretch>
-        </p:blipFill>
-        <p:spPr>
-          <a:xfrm>
-            <a:off x="9529737" y="4253589"/>
-            <a:ext cx="2282998" cy="2247326"/>
-          </a:xfrm>
-          <a:prstGeom prst="rect">
-            <a:avLst/>
-          </a:prstGeom>
-        </p:spPr>
-      </p:pic>
-      <p:graphicFrame>
-        <p:nvGraphicFramePr>
-          <p:cNvPr id="17" name="Object 16">
-            <a:extLst>
-              <a:ext uri="{FF2B5EF4-FFF2-40B4-BE49-F238E27FC236}">
-                <a16:creationId xmlns:a16="http://schemas.microsoft.com/office/drawing/2014/main" id="{5239BF8E-4439-4EBB-AD5C-3908D1C8D5F1}"/>
-              </a:ext>
-            </a:extLst>
-          </p:cNvPr>
-          <p:cNvGraphicFramePr>
-            <a:graphicFrameLocks noChangeAspect="1"/>
-          </p:cNvGraphicFramePr>
-          <p:nvPr>
-            <p:extLst>
-              <p:ext uri="{D42A27DB-BD31-4B8C-83A1-F6EECF244321}">
-                <p14:modId xmlns:p14="http://schemas.microsoft.com/office/powerpoint/2010/main" val="231183107"/>
-              </p:ext>
-            </p:extLst>
-          </p:nvPr>
-        </p:nvGraphicFramePr>
-        <p:xfrm>
-          <a:off x="4856535" y="281762"/>
-          <a:ext cx="3186113" cy="3192463"/>
-        </p:xfrm>
-        <a:graphic>
-          <a:graphicData uri="http://schemas.openxmlformats.org/presentationml/2006/ole">
-            <mc:AlternateContent xmlns:mc="http://schemas.openxmlformats.org/markup-compatibility/2006">
-              <mc:Choice xmlns:v="urn:schemas-microsoft-com:vml" Requires="v">
-                <p:oleObj spid="_x0000_s6188" name="Prism 8" r:id="rId9" imgW="3186481" imgH="3192766" progId="Prism8.Document">
-                  <p:embed/>
-                </p:oleObj>
-              </mc:Choice>
-              <mc:Fallback>
-                <p:oleObj name="Prism 8" r:id="rId9" imgW="3186481" imgH="3192766" progId="Prism8.Document">
-                  <p:embed/>
-                  <p:pic>
-                    <p:nvPicPr>
-                      <p:cNvPr id="0" name=""/>
-                      <p:cNvPicPr/>
-                      <p:nvPr/>
-                    </p:nvPicPr>
-                    <p:blipFill>
-                      <a:blip r:embed="rId10"/>
-                      <a:stretch>
-                        <a:fillRect/>
-                      </a:stretch>
-                    </p:blipFill>
-                    <p:spPr>
-                      <a:xfrm>
-                        <a:off x="4856535" y="281762"/>
-                        <a:ext cx="3186113" cy="3192463"/>
-                      </a:xfrm>
-                      <a:prstGeom prst="rect">
-                        <a:avLst/>
-                      </a:prstGeom>
-                    </p:spPr>
-                  </p:pic>
-                </p:oleObj>
-              </mc:Fallback>
-            </mc:AlternateContent>
-          </a:graphicData>
-        </a:graphic>
-      </p:graphicFrame>
-      <p:sp>
-        <p:nvSpPr>
-          <p:cNvPr id="32" name="Rectangle 31">
-            <a:extLst>
-              <a:ext uri="{FF2B5EF4-FFF2-40B4-BE49-F238E27FC236}">
-                <a16:creationId xmlns:a16="http://schemas.microsoft.com/office/drawing/2014/main" id="{28537033-39BF-4827-A2F2-006BC45CE0E9}"/>
-              </a:ext>
-            </a:extLst>
-          </p:cNvPr>
-          <p:cNvSpPr/>
-          <p:nvPr/>
-        </p:nvSpPr>
-        <p:spPr>
-          <a:xfrm>
-            <a:off x="-1" y="0"/>
-            <a:ext cx="12192000" cy="400110"/>
-          </a:xfrm>
-          <a:prstGeom prst="rect">
-            <a:avLst/>
-          </a:prstGeom>
-          <a:solidFill>
-            <a:schemeClr val="accent4">
+            <a:schemeClr val="accent6">
               <a:lumMod val="20000"/>
               <a:lumOff val="80000"/>
             </a:schemeClr>
@@ -15747,36 +17084,4600 @@
           <a:p>
             <a:pPr algn="ctr"/>
             <a:r>
-              <a:rPr lang="en-NZ" sz="2000" b="1" dirty="0" err="1">
+              <a:rPr lang="en-US" sz="1800" b="1" dirty="0">
                 <a:latin typeface="Comic Sans MS" panose="030F0702030302020204" pitchFamily="66" charset="0"/>
               </a:rPr>
-              <a:t>Prev</a:t>
+              <a:t>1 </a:t>
             </a:r>
             <a:r>
-              <a:rPr lang="en-NZ" sz="2000" b="1" dirty="0">
+              <a:rPr lang="en-US" sz="1800" b="1" dirty="0" err="1">
                 <a:latin typeface="Comic Sans MS" panose="030F0702030302020204" pitchFamily="66" charset="0"/>
               </a:rPr>
-              <a:t> cell cycle </a:t>
+              <a:t>uM</a:t>
             </a:r>
             <a:r>
-              <a:rPr lang="en-NZ" sz="2000" b="1" dirty="0" err="1">
+              <a:rPr lang="en-US" sz="1800" b="1" dirty="0">
                 <a:latin typeface="Comic Sans MS" panose="030F0702030302020204" pitchFamily="66" charset="0"/>
               </a:rPr>
-              <a:t>expt</a:t>
+              <a:t> SN39536</a:t>
+            </a:r>
+            <a:endParaRPr lang="en-NZ" sz="1800" b="1" dirty="0">
+              <a:latin typeface="Comic Sans MS" panose="030F0702030302020204" pitchFamily="66" charset="0"/>
+            </a:endParaRPr>
+          </a:p>
+        </p:txBody>
+      </p:sp>
+      <p:sp>
+        <p:nvSpPr>
+          <p:cNvPr id="7" name="TextBox 6">
+            <a:extLst>
+              <a:ext uri="{FF2B5EF4-FFF2-40B4-BE49-F238E27FC236}">
+                <a16:creationId xmlns:a16="http://schemas.microsoft.com/office/drawing/2014/main" id="{6DB42EF3-2109-4590-B9B9-65FD74DCFB85}"/>
+              </a:ext>
+            </a:extLst>
+          </p:cNvPr>
+          <p:cNvSpPr txBox="1"/>
+          <p:nvPr/>
+        </p:nvSpPr>
+        <p:spPr>
+          <a:xfrm rot="16200000">
+            <a:off x="-1141843" y="1682235"/>
+            <a:ext cx="2653018" cy="369332"/>
+          </a:xfrm>
+          <a:prstGeom prst="rect">
+            <a:avLst/>
+          </a:prstGeom>
+          <a:solidFill>
+            <a:schemeClr val="accent6">
+              <a:lumMod val="20000"/>
+              <a:lumOff val="80000"/>
+            </a:schemeClr>
+          </a:solidFill>
+        </p:spPr>
+        <p:txBody>
+          <a:bodyPr wrap="square">
+            <a:spAutoFit/>
+          </a:bodyPr>
+          <a:lstStyle/>
+          <a:p>
+            <a:pPr algn="ctr"/>
+            <a:r>
+              <a:rPr lang="en-US" sz="1800" b="1" dirty="0">
+                <a:latin typeface="Comic Sans MS" panose="030F0702030302020204" pitchFamily="66" charset="0"/>
+              </a:rPr>
+              <a:t>Control (DMSO)</a:t>
+            </a:r>
+            <a:endParaRPr lang="en-NZ" sz="1800" b="1" dirty="0">
+              <a:latin typeface="Comic Sans MS" panose="030F0702030302020204" pitchFamily="66" charset="0"/>
+            </a:endParaRPr>
+          </a:p>
+        </p:txBody>
+      </p:sp>
+      <p:sp>
+        <p:nvSpPr>
+          <p:cNvPr id="14" name="Rectangle 13">
+            <a:extLst>
+              <a:ext uri="{FF2B5EF4-FFF2-40B4-BE49-F238E27FC236}">
+                <a16:creationId xmlns:a16="http://schemas.microsoft.com/office/drawing/2014/main" id="{5EDDB2DD-AAC8-4D5A-90AC-65EA8C98861F}"/>
+              </a:ext>
+            </a:extLst>
+          </p:cNvPr>
+          <p:cNvSpPr/>
+          <p:nvPr/>
+        </p:nvSpPr>
+        <p:spPr>
+          <a:xfrm>
+            <a:off x="-1" y="0"/>
+            <a:ext cx="12192000" cy="461665"/>
+          </a:xfrm>
+          <a:prstGeom prst="rect">
+            <a:avLst/>
+          </a:prstGeom>
+          <a:solidFill>
+            <a:schemeClr val="accent6">
+              <a:lumMod val="20000"/>
+              <a:lumOff val="80000"/>
+            </a:schemeClr>
+          </a:solidFill>
+        </p:spPr>
+        <p:txBody>
+          <a:bodyPr wrap="square">
+            <a:spAutoFit/>
+          </a:bodyPr>
+          <a:lstStyle/>
+          <a:p>
+            <a:pPr algn="ctr"/>
+            <a:r>
+              <a:rPr lang="en-NZ" sz="2400" b="1" dirty="0">
+                <a:latin typeface="Comic Sans MS" panose="030F0702030302020204" pitchFamily="66" charset="0"/>
+              </a:rPr>
+              <a:t>Raw data – median </a:t>
             </a:r>
             <a:r>
-              <a:rPr lang="en-NZ" sz="2000" b="1" dirty="0">
+              <a:rPr lang="en-NZ" sz="2400" b="1" dirty="0" err="1">
                 <a:latin typeface="Comic Sans MS" panose="030F0702030302020204" pitchFamily="66" charset="0"/>
               </a:rPr>
-              <a:t> (CA-121)</a:t>
+              <a:t>EdU</a:t>
             </a:r>
+            <a:r>
+              <a:rPr lang="en-NZ" sz="2400" b="1" dirty="0">
+                <a:latin typeface="Comic Sans MS" panose="030F0702030302020204" pitchFamily="66" charset="0"/>
+              </a:rPr>
+              <a:t>, n=2</a:t>
+            </a:r>
+          </a:p>
+        </p:txBody>
+      </p:sp>
+      <p:cxnSp>
+        <p:nvCxnSpPr>
+          <p:cNvPr id="16" name="Straight Connector 15">
+            <a:extLst>
+              <a:ext uri="{FF2B5EF4-FFF2-40B4-BE49-F238E27FC236}">
+                <a16:creationId xmlns:a16="http://schemas.microsoft.com/office/drawing/2014/main" id="{9E995E2E-DDE7-46F2-8718-2803DB5EF301}"/>
+              </a:ext>
+            </a:extLst>
+          </p:cNvPr>
+          <p:cNvCxnSpPr/>
+          <p:nvPr/>
+        </p:nvCxnSpPr>
+        <p:spPr>
+          <a:xfrm>
+            <a:off x="-92279" y="3489820"/>
+            <a:ext cx="12466040" cy="0"/>
+          </a:xfrm>
+          <a:prstGeom prst="line">
+            <a:avLst/>
+          </a:prstGeom>
+        </p:spPr>
+        <p:style>
+          <a:lnRef idx="1">
+            <a:schemeClr val="accent1"/>
+          </a:lnRef>
+          <a:fillRef idx="0">
+            <a:schemeClr val="accent1"/>
+          </a:fillRef>
+          <a:effectRef idx="0">
+            <a:schemeClr val="accent1"/>
+          </a:effectRef>
+          <a:fontRef idx="minor">
+            <a:schemeClr val="tx1"/>
+          </a:fontRef>
+        </p:style>
+      </p:cxnSp>
+      <p:graphicFrame>
+        <p:nvGraphicFramePr>
+          <p:cNvPr id="17" name="Table 16">
+            <a:extLst>
+              <a:ext uri="{FF2B5EF4-FFF2-40B4-BE49-F238E27FC236}">
+                <a16:creationId xmlns:a16="http://schemas.microsoft.com/office/drawing/2014/main" id="{340D7537-1959-4DFC-A9D1-0BAB6E773175}"/>
+              </a:ext>
+            </a:extLst>
+          </p:cNvPr>
+          <p:cNvGraphicFramePr>
+            <a:graphicFrameLocks noGrp="1"/>
+          </p:cNvGraphicFramePr>
+          <p:nvPr>
+            <p:extLst>
+              <p:ext uri="{D42A27DB-BD31-4B8C-83A1-F6EECF244321}">
+                <p14:modId xmlns:p14="http://schemas.microsoft.com/office/powerpoint/2010/main" val="2614628057"/>
+              </p:ext>
+            </p:extLst>
+          </p:nvPr>
+        </p:nvGraphicFramePr>
+        <p:xfrm>
+          <a:off x="3291592" y="1150769"/>
+          <a:ext cx="2531324" cy="1493520"/>
+        </p:xfrm>
+        <a:graphic>
+          <a:graphicData uri="http://schemas.openxmlformats.org/drawingml/2006/table">
+            <a:tbl>
+              <a:tblPr>
+                <a:tableStyleId>{E8B1032C-EA38-4F05-BA0D-38AFFFC7BED3}</a:tableStyleId>
+              </a:tblPr>
+              <a:tblGrid>
+                <a:gridCol w="632831">
+                  <a:extLst>
+                    <a:ext uri="{9D8B030D-6E8A-4147-A177-3AD203B41FA5}">
+                      <a16:colId xmlns:a16="http://schemas.microsoft.com/office/drawing/2014/main" val="96190203"/>
+                    </a:ext>
+                  </a:extLst>
+                </a:gridCol>
+                <a:gridCol w="632831">
+                  <a:extLst>
+                    <a:ext uri="{9D8B030D-6E8A-4147-A177-3AD203B41FA5}">
+                      <a16:colId xmlns:a16="http://schemas.microsoft.com/office/drawing/2014/main" val="3673841729"/>
+                    </a:ext>
+                  </a:extLst>
+                </a:gridCol>
+                <a:gridCol w="632831">
+                  <a:extLst>
+                    <a:ext uri="{9D8B030D-6E8A-4147-A177-3AD203B41FA5}">
+                      <a16:colId xmlns:a16="http://schemas.microsoft.com/office/drawing/2014/main" val="1964090602"/>
+                    </a:ext>
+                  </a:extLst>
+                </a:gridCol>
+                <a:gridCol w="632831">
+                  <a:extLst>
+                    <a:ext uri="{9D8B030D-6E8A-4147-A177-3AD203B41FA5}">
+                      <a16:colId xmlns:a16="http://schemas.microsoft.com/office/drawing/2014/main" val="2337304450"/>
+                    </a:ext>
+                  </a:extLst>
+                </a:gridCol>
+              </a:tblGrid>
+              <a:tr h="350818">
+                <a:tc>
+                  <a:txBody>
+                    <a:bodyPr/>
+                    <a:lstStyle/>
+                    <a:p>
+                      <a:pPr algn="ctr" fontAlgn="b"/>
+                      <a:r>
+                        <a:rPr lang="en-NZ" sz="1400" b="0" u="none" strike="noStrike" dirty="0">
+                          <a:effectLst/>
+                          <a:latin typeface="Comic Sans MS" panose="030F0702030302020204" pitchFamily="66" charset="0"/>
+                        </a:rPr>
+                        <a:t>Rad (Gy)</a:t>
+                      </a:r>
+                      <a:endParaRPr lang="en-NZ" sz="1400" b="0" i="0" u="none" strike="noStrike" dirty="0">
+                        <a:solidFill>
+                          <a:srgbClr val="000000"/>
+                        </a:solidFill>
+                        <a:effectLst/>
+                        <a:latin typeface="Comic Sans MS" panose="030F0702030302020204" pitchFamily="66" charset="0"/>
+                      </a:endParaRPr>
+                    </a:p>
+                  </a:txBody>
+                  <a:tcPr marL="0" marR="0" marT="0" marB="0" anchor="b"/>
+                </a:tc>
+                <a:tc>
+                  <a:txBody>
+                    <a:bodyPr/>
+                    <a:lstStyle/>
+                    <a:p>
+                      <a:pPr algn="ctr" fontAlgn="b"/>
+                      <a:r>
+                        <a:rPr lang="en-NZ" sz="1400" b="0" u="none" strike="noStrike" dirty="0">
+                          <a:effectLst/>
+                          <a:latin typeface="Comic Sans MS" panose="030F0702030302020204" pitchFamily="66" charset="0"/>
+                        </a:rPr>
+                        <a:t>G1</a:t>
+                      </a:r>
+                      <a:endParaRPr lang="en-NZ" sz="1400" b="0" i="0" u="none" strike="noStrike" dirty="0">
+                        <a:solidFill>
+                          <a:srgbClr val="000000"/>
+                        </a:solidFill>
+                        <a:effectLst/>
+                        <a:latin typeface="Comic Sans MS" panose="030F0702030302020204" pitchFamily="66" charset="0"/>
+                      </a:endParaRPr>
+                    </a:p>
+                  </a:txBody>
+                  <a:tcPr marL="0" marR="0" marT="0" marB="0" anchor="b"/>
+                </a:tc>
+                <a:tc>
+                  <a:txBody>
+                    <a:bodyPr/>
+                    <a:lstStyle/>
+                    <a:p>
+                      <a:pPr algn="ctr" fontAlgn="b"/>
+                      <a:r>
+                        <a:rPr lang="en-NZ" sz="1400" b="0" u="none" strike="noStrike" dirty="0">
+                          <a:effectLst/>
+                          <a:latin typeface="Comic Sans MS" panose="030F0702030302020204" pitchFamily="66" charset="0"/>
+                        </a:rPr>
+                        <a:t>S</a:t>
+                      </a:r>
+                      <a:endParaRPr lang="en-NZ" sz="1400" b="0" i="0" u="none" strike="noStrike" dirty="0">
+                        <a:solidFill>
+                          <a:srgbClr val="000000"/>
+                        </a:solidFill>
+                        <a:effectLst/>
+                        <a:latin typeface="Comic Sans MS" panose="030F0702030302020204" pitchFamily="66" charset="0"/>
+                      </a:endParaRPr>
+                    </a:p>
+                  </a:txBody>
+                  <a:tcPr marL="0" marR="0" marT="0" marB="0" anchor="b"/>
+                </a:tc>
+                <a:tc>
+                  <a:txBody>
+                    <a:bodyPr/>
+                    <a:lstStyle/>
+                    <a:p>
+                      <a:pPr algn="ctr" fontAlgn="b"/>
+                      <a:r>
+                        <a:rPr lang="en-NZ" sz="1400" b="0" u="none" strike="noStrike" dirty="0">
+                          <a:effectLst/>
+                          <a:latin typeface="Comic Sans MS" panose="030F0702030302020204" pitchFamily="66" charset="0"/>
+                        </a:rPr>
+                        <a:t>G2</a:t>
+                      </a:r>
+                      <a:endParaRPr lang="en-NZ" sz="1400" b="0" i="0" u="none" strike="noStrike" dirty="0">
+                        <a:solidFill>
+                          <a:srgbClr val="000000"/>
+                        </a:solidFill>
+                        <a:effectLst/>
+                        <a:latin typeface="Comic Sans MS" panose="030F0702030302020204" pitchFamily="66" charset="0"/>
+                      </a:endParaRPr>
+                    </a:p>
+                  </a:txBody>
+                  <a:tcPr marL="0" marR="0" marT="0" marB="0" anchor="b"/>
+                </a:tc>
+                <a:extLst>
+                  <a:ext uri="{0D108BD9-81ED-4DB2-BD59-A6C34878D82A}">
+                    <a16:rowId xmlns:a16="http://schemas.microsoft.com/office/drawing/2014/main" val="2765767569"/>
+                  </a:ext>
+                </a:extLst>
+              </a:tr>
+              <a:tr h="210349">
+                <a:tc>
+                  <a:txBody>
+                    <a:bodyPr/>
+                    <a:lstStyle/>
+                    <a:p>
+                      <a:pPr algn="ctr" fontAlgn="b"/>
+                      <a:r>
+                        <a:rPr lang="en-NZ" sz="1400" b="0" u="none" strike="noStrike">
+                          <a:effectLst/>
+                          <a:latin typeface="Comic Sans MS" panose="030F0702030302020204" pitchFamily="66" charset="0"/>
+                        </a:rPr>
+                        <a:t>0</a:t>
+                      </a:r>
+                      <a:endParaRPr lang="en-NZ" sz="1400" b="0" i="0" u="none" strike="noStrike">
+                        <a:solidFill>
+                          <a:srgbClr val="000000"/>
+                        </a:solidFill>
+                        <a:effectLst/>
+                        <a:latin typeface="Comic Sans MS" panose="030F0702030302020204" pitchFamily="66" charset="0"/>
+                      </a:endParaRPr>
+                    </a:p>
+                  </a:txBody>
+                  <a:tcPr marL="0" marR="0" marT="0" marB="0" anchor="b"/>
+                </a:tc>
+                <a:tc>
+                  <a:txBody>
+                    <a:bodyPr/>
+                    <a:lstStyle/>
+                    <a:p>
+                      <a:pPr algn="r" fontAlgn="b"/>
+                      <a:r>
+                        <a:rPr lang="en-NZ" sz="1100" b="0" i="0" u="none" strike="noStrike" dirty="0">
+                          <a:solidFill>
+                            <a:srgbClr val="000000"/>
+                          </a:solidFill>
+                          <a:effectLst/>
+                          <a:latin typeface="Comic Sans MS" panose="030F0702030302020204" pitchFamily="66" charset="0"/>
+                        </a:rPr>
+                        <a:t>41115</a:t>
+                      </a:r>
+                    </a:p>
+                  </a:txBody>
+                  <a:tcPr marL="9525" marR="9525" marT="9525" marB="0" anchor="b"/>
+                </a:tc>
+                <a:tc>
+                  <a:txBody>
+                    <a:bodyPr/>
+                    <a:lstStyle/>
+                    <a:p>
+                      <a:pPr algn="r" fontAlgn="b"/>
+                      <a:r>
+                        <a:rPr lang="en-NZ" sz="1100" b="0" i="0" u="none" strike="noStrike">
+                          <a:solidFill>
+                            <a:srgbClr val="000000"/>
+                          </a:solidFill>
+                          <a:effectLst/>
+                          <a:latin typeface="Comic Sans MS" panose="030F0702030302020204" pitchFamily="66" charset="0"/>
+                        </a:rPr>
+                        <a:t>1270000</a:t>
+                      </a:r>
+                    </a:p>
+                  </a:txBody>
+                  <a:tcPr marL="9525" marR="9525" marT="9525" marB="0" anchor="b"/>
+                </a:tc>
+                <a:tc>
+                  <a:txBody>
+                    <a:bodyPr/>
+                    <a:lstStyle/>
+                    <a:p>
+                      <a:pPr algn="r" fontAlgn="b"/>
+                      <a:r>
+                        <a:rPr lang="en-NZ" sz="1100" b="0" i="0" u="none" strike="noStrike">
+                          <a:solidFill>
+                            <a:srgbClr val="000000"/>
+                          </a:solidFill>
+                          <a:effectLst/>
+                          <a:latin typeface="Comic Sans MS" panose="030F0702030302020204" pitchFamily="66" charset="0"/>
+                        </a:rPr>
+                        <a:t>70564</a:t>
+                      </a:r>
+                    </a:p>
+                  </a:txBody>
+                  <a:tcPr marL="9525" marR="9525" marT="9525" marB="0" anchor="b"/>
+                </a:tc>
+                <a:extLst>
+                  <a:ext uri="{0D108BD9-81ED-4DB2-BD59-A6C34878D82A}">
+                    <a16:rowId xmlns:a16="http://schemas.microsoft.com/office/drawing/2014/main" val="550385731"/>
+                  </a:ext>
+                </a:extLst>
+              </a:tr>
+              <a:tr h="210349">
+                <a:tc>
+                  <a:txBody>
+                    <a:bodyPr/>
+                    <a:lstStyle/>
+                    <a:p>
+                      <a:pPr algn="ctr" fontAlgn="b"/>
+                      <a:r>
+                        <a:rPr lang="en-NZ" sz="1400" b="0" u="none" strike="noStrike">
+                          <a:effectLst/>
+                          <a:latin typeface="Comic Sans MS" panose="030F0702030302020204" pitchFamily="66" charset="0"/>
+                        </a:rPr>
+                        <a:t>2</a:t>
+                      </a:r>
+                      <a:endParaRPr lang="en-NZ" sz="1400" b="0" i="0" u="none" strike="noStrike">
+                        <a:solidFill>
+                          <a:srgbClr val="000000"/>
+                        </a:solidFill>
+                        <a:effectLst/>
+                        <a:latin typeface="Comic Sans MS" panose="030F0702030302020204" pitchFamily="66" charset="0"/>
+                      </a:endParaRPr>
+                    </a:p>
+                  </a:txBody>
+                  <a:tcPr marL="0" marR="0" marT="0" marB="0" anchor="b"/>
+                </a:tc>
+                <a:tc>
+                  <a:txBody>
+                    <a:bodyPr/>
+                    <a:lstStyle/>
+                    <a:p>
+                      <a:pPr algn="r" fontAlgn="b"/>
+                      <a:r>
+                        <a:rPr lang="en-NZ" sz="1100" b="0" i="0" u="none" strike="noStrike" dirty="0">
+                          <a:solidFill>
+                            <a:srgbClr val="000000"/>
+                          </a:solidFill>
+                          <a:effectLst/>
+                          <a:latin typeface="Comic Sans MS" panose="030F0702030302020204" pitchFamily="66" charset="0"/>
+                        </a:rPr>
+                        <a:t>43590</a:t>
+                      </a:r>
+                    </a:p>
+                  </a:txBody>
+                  <a:tcPr marL="9525" marR="9525" marT="9525" marB="0" anchor="b"/>
+                </a:tc>
+                <a:tc>
+                  <a:txBody>
+                    <a:bodyPr/>
+                    <a:lstStyle/>
+                    <a:p>
+                      <a:pPr algn="r" fontAlgn="b"/>
+                      <a:r>
+                        <a:rPr lang="en-NZ" sz="1100" b="0" i="0" u="none" strike="noStrike">
+                          <a:solidFill>
+                            <a:srgbClr val="000000"/>
+                          </a:solidFill>
+                          <a:effectLst/>
+                          <a:latin typeface="Comic Sans MS" panose="030F0702030302020204" pitchFamily="66" charset="0"/>
+                        </a:rPr>
+                        <a:t>1375000</a:t>
+                      </a:r>
+                    </a:p>
+                  </a:txBody>
+                  <a:tcPr marL="9525" marR="9525" marT="9525" marB="0" anchor="b"/>
+                </a:tc>
+                <a:tc>
+                  <a:txBody>
+                    <a:bodyPr/>
+                    <a:lstStyle/>
+                    <a:p>
+                      <a:pPr algn="r" fontAlgn="b"/>
+                      <a:r>
+                        <a:rPr lang="en-NZ" sz="1100" b="0" i="0" u="none" strike="noStrike">
+                          <a:solidFill>
+                            <a:srgbClr val="000000"/>
+                          </a:solidFill>
+                          <a:effectLst/>
+                          <a:latin typeface="Comic Sans MS" panose="030F0702030302020204" pitchFamily="66" charset="0"/>
+                        </a:rPr>
+                        <a:t>72588</a:t>
+                      </a:r>
+                    </a:p>
+                  </a:txBody>
+                  <a:tcPr marL="9525" marR="9525" marT="9525" marB="0" anchor="b"/>
+                </a:tc>
+                <a:extLst>
+                  <a:ext uri="{0D108BD9-81ED-4DB2-BD59-A6C34878D82A}">
+                    <a16:rowId xmlns:a16="http://schemas.microsoft.com/office/drawing/2014/main" val="1057367338"/>
+                  </a:ext>
+                </a:extLst>
+              </a:tr>
+              <a:tr h="210349">
+                <a:tc>
+                  <a:txBody>
+                    <a:bodyPr/>
+                    <a:lstStyle/>
+                    <a:p>
+                      <a:pPr algn="ctr" fontAlgn="b"/>
+                      <a:r>
+                        <a:rPr lang="en-NZ" sz="1400" b="0" u="none" strike="noStrike">
+                          <a:effectLst/>
+                          <a:latin typeface="Comic Sans MS" panose="030F0702030302020204" pitchFamily="66" charset="0"/>
+                        </a:rPr>
+                        <a:t>4</a:t>
+                      </a:r>
+                      <a:endParaRPr lang="en-NZ" sz="1400" b="0" i="0" u="none" strike="noStrike">
+                        <a:solidFill>
+                          <a:srgbClr val="000000"/>
+                        </a:solidFill>
+                        <a:effectLst/>
+                        <a:latin typeface="Comic Sans MS" panose="030F0702030302020204" pitchFamily="66" charset="0"/>
+                      </a:endParaRPr>
+                    </a:p>
+                  </a:txBody>
+                  <a:tcPr marL="0" marR="0" marT="0" marB="0" anchor="b"/>
+                </a:tc>
+                <a:tc>
+                  <a:txBody>
+                    <a:bodyPr/>
+                    <a:lstStyle/>
+                    <a:p>
+                      <a:pPr algn="r" fontAlgn="b"/>
+                      <a:r>
+                        <a:rPr lang="en-NZ" sz="1100" b="0" i="0" u="none" strike="noStrike">
+                          <a:solidFill>
+                            <a:srgbClr val="000000"/>
+                          </a:solidFill>
+                          <a:effectLst/>
+                          <a:latin typeface="Comic Sans MS" panose="030F0702030302020204" pitchFamily="66" charset="0"/>
+                        </a:rPr>
+                        <a:t>40434</a:t>
+                      </a:r>
+                    </a:p>
+                  </a:txBody>
+                  <a:tcPr marL="9525" marR="9525" marT="9525" marB="0" anchor="b"/>
+                </a:tc>
+                <a:tc>
+                  <a:txBody>
+                    <a:bodyPr/>
+                    <a:lstStyle/>
+                    <a:p>
+                      <a:pPr algn="r" fontAlgn="b"/>
+                      <a:r>
+                        <a:rPr lang="en-NZ" sz="1100" b="0" i="0" u="none" strike="noStrike">
+                          <a:solidFill>
+                            <a:srgbClr val="000000"/>
+                          </a:solidFill>
+                          <a:effectLst/>
+                          <a:latin typeface="Comic Sans MS" panose="030F0702030302020204" pitchFamily="66" charset="0"/>
+                        </a:rPr>
+                        <a:t>1355000</a:t>
+                      </a:r>
+                    </a:p>
+                  </a:txBody>
+                  <a:tcPr marL="9525" marR="9525" marT="9525" marB="0" anchor="b"/>
+                </a:tc>
+                <a:tc>
+                  <a:txBody>
+                    <a:bodyPr/>
+                    <a:lstStyle/>
+                    <a:p>
+                      <a:pPr algn="r" fontAlgn="b"/>
+                      <a:r>
+                        <a:rPr lang="en-NZ" sz="1100" b="0" i="0" u="none" strike="noStrike">
+                          <a:solidFill>
+                            <a:srgbClr val="000000"/>
+                          </a:solidFill>
+                          <a:effectLst/>
+                          <a:latin typeface="Comic Sans MS" panose="030F0702030302020204" pitchFamily="66" charset="0"/>
+                        </a:rPr>
+                        <a:t>55251</a:t>
+                      </a:r>
+                    </a:p>
+                  </a:txBody>
+                  <a:tcPr marL="9525" marR="9525" marT="9525" marB="0" anchor="b"/>
+                </a:tc>
+                <a:extLst>
+                  <a:ext uri="{0D108BD9-81ED-4DB2-BD59-A6C34878D82A}">
+                    <a16:rowId xmlns:a16="http://schemas.microsoft.com/office/drawing/2014/main" val="1606945285"/>
+                  </a:ext>
+                </a:extLst>
+              </a:tr>
+              <a:tr h="210349">
+                <a:tc>
+                  <a:txBody>
+                    <a:bodyPr/>
+                    <a:lstStyle/>
+                    <a:p>
+                      <a:pPr algn="ctr" fontAlgn="b"/>
+                      <a:r>
+                        <a:rPr lang="en-NZ" sz="1400" b="0" u="none" strike="noStrike" dirty="0">
+                          <a:effectLst/>
+                          <a:latin typeface="Comic Sans MS" panose="030F0702030302020204" pitchFamily="66" charset="0"/>
+                        </a:rPr>
+                        <a:t>6</a:t>
+                      </a:r>
+                      <a:endParaRPr lang="en-NZ" sz="1400" b="0" i="0" u="none" strike="noStrike" dirty="0">
+                        <a:solidFill>
+                          <a:srgbClr val="000000"/>
+                        </a:solidFill>
+                        <a:effectLst/>
+                        <a:latin typeface="Comic Sans MS" panose="030F0702030302020204" pitchFamily="66" charset="0"/>
+                      </a:endParaRPr>
+                    </a:p>
+                  </a:txBody>
+                  <a:tcPr marL="0" marR="0" marT="0" marB="0" anchor="b"/>
+                </a:tc>
+                <a:tc>
+                  <a:txBody>
+                    <a:bodyPr/>
+                    <a:lstStyle/>
+                    <a:p>
+                      <a:pPr algn="r" fontAlgn="b"/>
+                      <a:r>
+                        <a:rPr lang="en-NZ" sz="1100" b="0" i="0" u="none" strike="noStrike">
+                          <a:solidFill>
+                            <a:srgbClr val="000000"/>
+                          </a:solidFill>
+                          <a:effectLst/>
+                          <a:latin typeface="Comic Sans MS" panose="030F0702030302020204" pitchFamily="66" charset="0"/>
+                        </a:rPr>
+                        <a:t>43473</a:t>
+                      </a:r>
+                    </a:p>
+                  </a:txBody>
+                  <a:tcPr marL="9525" marR="9525" marT="9525" marB="0" anchor="b"/>
+                </a:tc>
+                <a:tc>
+                  <a:txBody>
+                    <a:bodyPr/>
+                    <a:lstStyle/>
+                    <a:p>
+                      <a:pPr algn="r" fontAlgn="b"/>
+                      <a:r>
+                        <a:rPr lang="en-NZ" sz="1100" b="0" i="0" u="none" strike="noStrike">
+                          <a:solidFill>
+                            <a:srgbClr val="000000"/>
+                          </a:solidFill>
+                          <a:effectLst/>
+                          <a:latin typeface="Comic Sans MS" panose="030F0702030302020204" pitchFamily="66" charset="0"/>
+                        </a:rPr>
+                        <a:t>1280000</a:t>
+                      </a:r>
+                    </a:p>
+                  </a:txBody>
+                  <a:tcPr marL="9525" marR="9525" marT="9525" marB="0" anchor="b"/>
+                </a:tc>
+                <a:tc>
+                  <a:txBody>
+                    <a:bodyPr/>
+                    <a:lstStyle/>
+                    <a:p>
+                      <a:pPr algn="r" fontAlgn="b"/>
+                      <a:r>
+                        <a:rPr lang="en-NZ" sz="1100" b="0" i="0" u="none" strike="noStrike">
+                          <a:solidFill>
+                            <a:srgbClr val="000000"/>
+                          </a:solidFill>
+                          <a:effectLst/>
+                          <a:latin typeface="Comic Sans MS" panose="030F0702030302020204" pitchFamily="66" charset="0"/>
+                        </a:rPr>
+                        <a:t>72337</a:t>
+                      </a:r>
+                    </a:p>
+                  </a:txBody>
+                  <a:tcPr marL="9525" marR="9525" marT="9525" marB="0" anchor="b"/>
+                </a:tc>
+                <a:extLst>
+                  <a:ext uri="{0D108BD9-81ED-4DB2-BD59-A6C34878D82A}">
+                    <a16:rowId xmlns:a16="http://schemas.microsoft.com/office/drawing/2014/main" val="650925711"/>
+                  </a:ext>
+                </a:extLst>
+              </a:tr>
+              <a:tr h="154554">
+                <a:tc>
+                  <a:txBody>
+                    <a:bodyPr/>
+                    <a:lstStyle/>
+                    <a:p>
+                      <a:pPr algn="ctr" fontAlgn="b"/>
+                      <a:r>
+                        <a:rPr lang="en-NZ" sz="1400" b="0" u="none" strike="noStrike" dirty="0">
+                          <a:effectLst/>
+                          <a:latin typeface="Comic Sans MS" panose="030F0702030302020204" pitchFamily="66" charset="0"/>
+                        </a:rPr>
+                        <a:t>8</a:t>
+                      </a:r>
+                      <a:endParaRPr lang="en-NZ" sz="1400" b="0" i="0" u="none" strike="noStrike" dirty="0">
+                        <a:solidFill>
+                          <a:srgbClr val="000000"/>
+                        </a:solidFill>
+                        <a:effectLst/>
+                        <a:latin typeface="Comic Sans MS" panose="030F0702030302020204" pitchFamily="66" charset="0"/>
+                      </a:endParaRPr>
+                    </a:p>
+                  </a:txBody>
+                  <a:tcPr marL="0" marR="0" marT="0" marB="0" anchor="b"/>
+                </a:tc>
+                <a:tc>
+                  <a:txBody>
+                    <a:bodyPr/>
+                    <a:lstStyle/>
+                    <a:p>
+                      <a:pPr algn="r" fontAlgn="b"/>
+                      <a:r>
+                        <a:rPr lang="en-NZ" sz="1100" b="0" i="0" u="none" strike="noStrike" dirty="0">
+                          <a:solidFill>
+                            <a:srgbClr val="000000"/>
+                          </a:solidFill>
+                          <a:effectLst/>
+                          <a:latin typeface="Comic Sans MS" panose="030F0702030302020204" pitchFamily="66" charset="0"/>
+                        </a:rPr>
+                        <a:t>43406</a:t>
+                      </a:r>
+                    </a:p>
+                  </a:txBody>
+                  <a:tcPr marL="9525" marR="9525" marT="9525" marB="0" anchor="b"/>
+                </a:tc>
+                <a:tc>
+                  <a:txBody>
+                    <a:bodyPr/>
+                    <a:lstStyle/>
+                    <a:p>
+                      <a:pPr algn="r" fontAlgn="b"/>
+                      <a:r>
+                        <a:rPr lang="en-NZ" sz="1100" b="0" i="0" u="none" strike="noStrike">
+                          <a:solidFill>
+                            <a:srgbClr val="000000"/>
+                          </a:solidFill>
+                          <a:effectLst/>
+                          <a:latin typeface="Comic Sans MS" panose="030F0702030302020204" pitchFamily="66" charset="0"/>
+                        </a:rPr>
+                        <a:t>1095500</a:t>
+                      </a:r>
+                    </a:p>
+                  </a:txBody>
+                  <a:tcPr marL="9525" marR="9525" marT="9525" marB="0" anchor="b"/>
+                </a:tc>
+                <a:tc>
+                  <a:txBody>
+                    <a:bodyPr/>
+                    <a:lstStyle/>
+                    <a:p>
+                      <a:pPr algn="r" fontAlgn="b"/>
+                      <a:r>
+                        <a:rPr lang="en-NZ" sz="1100" b="0" i="0" u="none" strike="noStrike" dirty="0">
+                          <a:solidFill>
+                            <a:srgbClr val="000000"/>
+                          </a:solidFill>
+                          <a:effectLst/>
+                          <a:latin typeface="Comic Sans MS" panose="030F0702030302020204" pitchFamily="66" charset="0"/>
+                        </a:rPr>
+                        <a:t>75543</a:t>
+                      </a:r>
+                    </a:p>
+                  </a:txBody>
+                  <a:tcPr marL="9525" marR="9525" marT="9525" marB="0" anchor="b"/>
+                </a:tc>
+                <a:extLst>
+                  <a:ext uri="{0D108BD9-81ED-4DB2-BD59-A6C34878D82A}">
+                    <a16:rowId xmlns:a16="http://schemas.microsoft.com/office/drawing/2014/main" val="1571413639"/>
+                  </a:ext>
+                </a:extLst>
+              </a:tr>
+            </a:tbl>
+          </a:graphicData>
+        </a:graphic>
+      </p:graphicFrame>
+      <p:graphicFrame>
+        <p:nvGraphicFramePr>
+          <p:cNvPr id="18" name="Table 17">
+            <a:extLst>
+              <a:ext uri="{FF2B5EF4-FFF2-40B4-BE49-F238E27FC236}">
+                <a16:creationId xmlns:a16="http://schemas.microsoft.com/office/drawing/2014/main" id="{C115A3D4-49D4-4219-A7BB-78E7B17B70A4}"/>
+              </a:ext>
+            </a:extLst>
+          </p:cNvPr>
+          <p:cNvGraphicFramePr>
+            <a:graphicFrameLocks noGrp="1"/>
+          </p:cNvGraphicFramePr>
+          <p:nvPr>
+            <p:extLst>
+              <p:ext uri="{D42A27DB-BD31-4B8C-83A1-F6EECF244321}">
+                <p14:modId xmlns:p14="http://schemas.microsoft.com/office/powerpoint/2010/main" val="2577528560"/>
+              </p:ext>
+            </p:extLst>
+          </p:nvPr>
+        </p:nvGraphicFramePr>
+        <p:xfrm>
+          <a:off x="6238066" y="1141604"/>
+          <a:ext cx="2531324" cy="1493520"/>
+        </p:xfrm>
+        <a:graphic>
+          <a:graphicData uri="http://schemas.openxmlformats.org/drawingml/2006/table">
+            <a:tbl>
+              <a:tblPr>
+                <a:tableStyleId>{E8B1032C-EA38-4F05-BA0D-38AFFFC7BED3}</a:tableStyleId>
+              </a:tblPr>
+              <a:tblGrid>
+                <a:gridCol w="632831">
+                  <a:extLst>
+                    <a:ext uri="{9D8B030D-6E8A-4147-A177-3AD203B41FA5}">
+                      <a16:colId xmlns:a16="http://schemas.microsoft.com/office/drawing/2014/main" val="96190203"/>
+                    </a:ext>
+                  </a:extLst>
+                </a:gridCol>
+                <a:gridCol w="632831">
+                  <a:extLst>
+                    <a:ext uri="{9D8B030D-6E8A-4147-A177-3AD203B41FA5}">
+                      <a16:colId xmlns:a16="http://schemas.microsoft.com/office/drawing/2014/main" val="3673841729"/>
+                    </a:ext>
+                  </a:extLst>
+                </a:gridCol>
+                <a:gridCol w="632831">
+                  <a:extLst>
+                    <a:ext uri="{9D8B030D-6E8A-4147-A177-3AD203B41FA5}">
+                      <a16:colId xmlns:a16="http://schemas.microsoft.com/office/drawing/2014/main" val="1964090602"/>
+                    </a:ext>
+                  </a:extLst>
+                </a:gridCol>
+                <a:gridCol w="632831">
+                  <a:extLst>
+                    <a:ext uri="{9D8B030D-6E8A-4147-A177-3AD203B41FA5}">
+                      <a16:colId xmlns:a16="http://schemas.microsoft.com/office/drawing/2014/main" val="2337304450"/>
+                    </a:ext>
+                  </a:extLst>
+                </a:gridCol>
+              </a:tblGrid>
+              <a:tr h="350818">
+                <a:tc>
+                  <a:txBody>
+                    <a:bodyPr/>
+                    <a:lstStyle/>
+                    <a:p>
+                      <a:pPr algn="ctr" fontAlgn="b"/>
+                      <a:r>
+                        <a:rPr lang="en-NZ" sz="1400" b="0" u="none" strike="noStrike" dirty="0">
+                          <a:effectLst/>
+                          <a:latin typeface="Comic Sans MS" panose="030F0702030302020204" pitchFamily="66" charset="0"/>
+                        </a:rPr>
+                        <a:t>Rad (Gy)</a:t>
+                      </a:r>
+                      <a:endParaRPr lang="en-NZ" sz="1400" b="0" i="0" u="none" strike="noStrike" dirty="0">
+                        <a:solidFill>
+                          <a:srgbClr val="000000"/>
+                        </a:solidFill>
+                        <a:effectLst/>
+                        <a:latin typeface="Comic Sans MS" panose="030F0702030302020204" pitchFamily="66" charset="0"/>
+                      </a:endParaRPr>
+                    </a:p>
+                  </a:txBody>
+                  <a:tcPr marL="0" marR="0" marT="0" marB="0" anchor="b"/>
+                </a:tc>
+                <a:tc>
+                  <a:txBody>
+                    <a:bodyPr/>
+                    <a:lstStyle/>
+                    <a:p>
+                      <a:pPr algn="ctr" fontAlgn="b"/>
+                      <a:r>
+                        <a:rPr lang="en-NZ" sz="1400" b="0" u="none" strike="noStrike" dirty="0">
+                          <a:effectLst/>
+                          <a:latin typeface="Comic Sans MS" panose="030F0702030302020204" pitchFamily="66" charset="0"/>
+                        </a:rPr>
+                        <a:t>G1</a:t>
+                      </a:r>
+                      <a:endParaRPr lang="en-NZ" sz="1400" b="0" i="0" u="none" strike="noStrike" dirty="0">
+                        <a:solidFill>
+                          <a:srgbClr val="000000"/>
+                        </a:solidFill>
+                        <a:effectLst/>
+                        <a:latin typeface="Comic Sans MS" panose="030F0702030302020204" pitchFamily="66" charset="0"/>
+                      </a:endParaRPr>
+                    </a:p>
+                  </a:txBody>
+                  <a:tcPr marL="0" marR="0" marT="0" marB="0" anchor="b"/>
+                </a:tc>
+                <a:tc>
+                  <a:txBody>
+                    <a:bodyPr/>
+                    <a:lstStyle/>
+                    <a:p>
+                      <a:pPr algn="ctr" fontAlgn="b"/>
+                      <a:r>
+                        <a:rPr lang="en-NZ" sz="1400" b="0" u="none" strike="noStrike" dirty="0">
+                          <a:effectLst/>
+                          <a:latin typeface="Comic Sans MS" panose="030F0702030302020204" pitchFamily="66" charset="0"/>
+                        </a:rPr>
+                        <a:t>S</a:t>
+                      </a:r>
+                      <a:endParaRPr lang="en-NZ" sz="1400" b="0" i="0" u="none" strike="noStrike" dirty="0">
+                        <a:solidFill>
+                          <a:srgbClr val="000000"/>
+                        </a:solidFill>
+                        <a:effectLst/>
+                        <a:latin typeface="Comic Sans MS" panose="030F0702030302020204" pitchFamily="66" charset="0"/>
+                      </a:endParaRPr>
+                    </a:p>
+                  </a:txBody>
+                  <a:tcPr marL="0" marR="0" marT="0" marB="0" anchor="b"/>
+                </a:tc>
+                <a:tc>
+                  <a:txBody>
+                    <a:bodyPr/>
+                    <a:lstStyle/>
+                    <a:p>
+                      <a:pPr algn="ctr" fontAlgn="b"/>
+                      <a:r>
+                        <a:rPr lang="en-NZ" sz="1400" b="0" u="none" strike="noStrike" dirty="0">
+                          <a:effectLst/>
+                          <a:latin typeface="Comic Sans MS" panose="030F0702030302020204" pitchFamily="66" charset="0"/>
+                        </a:rPr>
+                        <a:t>G2</a:t>
+                      </a:r>
+                      <a:endParaRPr lang="en-NZ" sz="1400" b="0" i="0" u="none" strike="noStrike" dirty="0">
+                        <a:solidFill>
+                          <a:srgbClr val="000000"/>
+                        </a:solidFill>
+                        <a:effectLst/>
+                        <a:latin typeface="Comic Sans MS" panose="030F0702030302020204" pitchFamily="66" charset="0"/>
+                      </a:endParaRPr>
+                    </a:p>
+                  </a:txBody>
+                  <a:tcPr marL="0" marR="0" marT="0" marB="0" anchor="b"/>
+                </a:tc>
+                <a:extLst>
+                  <a:ext uri="{0D108BD9-81ED-4DB2-BD59-A6C34878D82A}">
+                    <a16:rowId xmlns:a16="http://schemas.microsoft.com/office/drawing/2014/main" val="2765767569"/>
+                  </a:ext>
+                </a:extLst>
+              </a:tr>
+              <a:tr h="210349">
+                <a:tc>
+                  <a:txBody>
+                    <a:bodyPr/>
+                    <a:lstStyle/>
+                    <a:p>
+                      <a:pPr algn="ctr" fontAlgn="b"/>
+                      <a:r>
+                        <a:rPr lang="en-NZ" sz="1400" b="0" u="none" strike="noStrike">
+                          <a:effectLst/>
+                          <a:latin typeface="Comic Sans MS" panose="030F0702030302020204" pitchFamily="66" charset="0"/>
+                        </a:rPr>
+                        <a:t>0</a:t>
+                      </a:r>
+                      <a:endParaRPr lang="en-NZ" sz="1400" b="0" i="0" u="none" strike="noStrike">
+                        <a:solidFill>
+                          <a:srgbClr val="000000"/>
+                        </a:solidFill>
+                        <a:effectLst/>
+                        <a:latin typeface="Comic Sans MS" panose="030F0702030302020204" pitchFamily="66" charset="0"/>
+                      </a:endParaRPr>
+                    </a:p>
+                  </a:txBody>
+                  <a:tcPr marL="0" marR="0" marT="0" marB="0" anchor="b"/>
+                </a:tc>
+                <a:tc>
+                  <a:txBody>
+                    <a:bodyPr/>
+                    <a:lstStyle/>
+                    <a:p>
+                      <a:pPr algn="r" fontAlgn="b"/>
+                      <a:r>
+                        <a:rPr lang="en-NZ" sz="1100" b="0" i="0" u="none" strike="noStrike">
+                          <a:solidFill>
+                            <a:srgbClr val="000000"/>
+                          </a:solidFill>
+                          <a:effectLst/>
+                          <a:latin typeface="Comic Sans MS" panose="030F0702030302020204" pitchFamily="66" charset="0"/>
+                        </a:rPr>
+                        <a:t>35506</a:t>
+                      </a:r>
+                    </a:p>
+                  </a:txBody>
+                  <a:tcPr marL="9525" marR="9525" marT="9525" marB="0" anchor="b"/>
+                </a:tc>
+                <a:tc>
+                  <a:txBody>
+                    <a:bodyPr/>
+                    <a:lstStyle/>
+                    <a:p>
+                      <a:pPr algn="r" fontAlgn="b"/>
+                      <a:r>
+                        <a:rPr lang="en-NZ" sz="1100" b="0" i="0" u="none" strike="noStrike">
+                          <a:solidFill>
+                            <a:srgbClr val="000000"/>
+                          </a:solidFill>
+                          <a:effectLst/>
+                          <a:latin typeface="Comic Sans MS" panose="030F0702030302020204" pitchFamily="66" charset="0"/>
+                        </a:rPr>
+                        <a:t>1010000</a:t>
+                      </a:r>
+                    </a:p>
+                  </a:txBody>
+                  <a:tcPr marL="9525" marR="9525" marT="9525" marB="0" anchor="b"/>
+                </a:tc>
+                <a:tc>
+                  <a:txBody>
+                    <a:bodyPr/>
+                    <a:lstStyle/>
+                    <a:p>
+                      <a:pPr algn="r" fontAlgn="b"/>
+                      <a:r>
+                        <a:rPr lang="en-NZ" sz="1100" b="0" i="0" u="none" strike="noStrike">
+                          <a:solidFill>
+                            <a:srgbClr val="000000"/>
+                          </a:solidFill>
+                          <a:effectLst/>
+                          <a:latin typeface="Comic Sans MS" panose="030F0702030302020204" pitchFamily="66" charset="0"/>
+                        </a:rPr>
+                        <a:t>60308</a:t>
+                      </a:r>
+                    </a:p>
+                  </a:txBody>
+                  <a:tcPr marL="9525" marR="9525" marT="9525" marB="0" anchor="b"/>
+                </a:tc>
+                <a:extLst>
+                  <a:ext uri="{0D108BD9-81ED-4DB2-BD59-A6C34878D82A}">
+                    <a16:rowId xmlns:a16="http://schemas.microsoft.com/office/drawing/2014/main" val="550385731"/>
+                  </a:ext>
+                </a:extLst>
+              </a:tr>
+              <a:tr h="210349">
+                <a:tc>
+                  <a:txBody>
+                    <a:bodyPr/>
+                    <a:lstStyle/>
+                    <a:p>
+                      <a:pPr algn="ctr" fontAlgn="b"/>
+                      <a:r>
+                        <a:rPr lang="en-NZ" sz="1400" b="0" u="none" strike="noStrike">
+                          <a:effectLst/>
+                          <a:latin typeface="Comic Sans MS" panose="030F0702030302020204" pitchFamily="66" charset="0"/>
+                        </a:rPr>
+                        <a:t>2</a:t>
+                      </a:r>
+                      <a:endParaRPr lang="en-NZ" sz="1400" b="0" i="0" u="none" strike="noStrike">
+                        <a:solidFill>
+                          <a:srgbClr val="000000"/>
+                        </a:solidFill>
+                        <a:effectLst/>
+                        <a:latin typeface="Comic Sans MS" panose="030F0702030302020204" pitchFamily="66" charset="0"/>
+                      </a:endParaRPr>
+                    </a:p>
+                  </a:txBody>
+                  <a:tcPr marL="0" marR="0" marT="0" marB="0" anchor="b"/>
+                </a:tc>
+                <a:tc>
+                  <a:txBody>
+                    <a:bodyPr/>
+                    <a:lstStyle/>
+                    <a:p>
+                      <a:pPr algn="r" fontAlgn="b"/>
+                      <a:r>
+                        <a:rPr lang="en-NZ" sz="1100" b="0" i="0" u="none" strike="noStrike">
+                          <a:solidFill>
+                            <a:srgbClr val="000000"/>
+                          </a:solidFill>
+                          <a:effectLst/>
+                          <a:latin typeface="Comic Sans MS" panose="030F0702030302020204" pitchFamily="66" charset="0"/>
+                        </a:rPr>
+                        <a:t>39400</a:t>
+                      </a:r>
+                    </a:p>
+                  </a:txBody>
+                  <a:tcPr marL="9525" marR="9525" marT="9525" marB="0" anchor="b"/>
+                </a:tc>
+                <a:tc>
+                  <a:txBody>
+                    <a:bodyPr/>
+                    <a:lstStyle/>
+                    <a:p>
+                      <a:pPr algn="r" fontAlgn="b"/>
+                      <a:r>
+                        <a:rPr lang="en-NZ" sz="1100" b="0" i="0" u="none" strike="noStrike">
+                          <a:solidFill>
+                            <a:srgbClr val="000000"/>
+                          </a:solidFill>
+                          <a:effectLst/>
+                          <a:latin typeface="Comic Sans MS" panose="030F0702030302020204" pitchFamily="66" charset="0"/>
+                        </a:rPr>
+                        <a:t>1070000</a:t>
+                      </a:r>
+                    </a:p>
+                  </a:txBody>
+                  <a:tcPr marL="9525" marR="9525" marT="9525" marB="0" anchor="b"/>
+                </a:tc>
+                <a:tc>
+                  <a:txBody>
+                    <a:bodyPr/>
+                    <a:lstStyle/>
+                    <a:p>
+                      <a:pPr algn="r" fontAlgn="b"/>
+                      <a:r>
+                        <a:rPr lang="en-NZ" sz="1100" b="0" i="0" u="none" strike="noStrike">
+                          <a:solidFill>
+                            <a:srgbClr val="000000"/>
+                          </a:solidFill>
+                          <a:effectLst/>
+                          <a:latin typeface="Comic Sans MS" panose="030F0702030302020204" pitchFamily="66" charset="0"/>
+                        </a:rPr>
+                        <a:t>64221</a:t>
+                      </a:r>
+                    </a:p>
+                  </a:txBody>
+                  <a:tcPr marL="9525" marR="9525" marT="9525" marB="0" anchor="b"/>
+                </a:tc>
+                <a:extLst>
+                  <a:ext uri="{0D108BD9-81ED-4DB2-BD59-A6C34878D82A}">
+                    <a16:rowId xmlns:a16="http://schemas.microsoft.com/office/drawing/2014/main" val="1057367338"/>
+                  </a:ext>
+                </a:extLst>
+              </a:tr>
+              <a:tr h="210349">
+                <a:tc>
+                  <a:txBody>
+                    <a:bodyPr/>
+                    <a:lstStyle/>
+                    <a:p>
+                      <a:pPr algn="ctr" fontAlgn="b"/>
+                      <a:r>
+                        <a:rPr lang="en-NZ" sz="1400" b="0" u="none" strike="noStrike">
+                          <a:effectLst/>
+                          <a:latin typeface="Comic Sans MS" panose="030F0702030302020204" pitchFamily="66" charset="0"/>
+                        </a:rPr>
+                        <a:t>4</a:t>
+                      </a:r>
+                      <a:endParaRPr lang="en-NZ" sz="1400" b="0" i="0" u="none" strike="noStrike">
+                        <a:solidFill>
+                          <a:srgbClr val="000000"/>
+                        </a:solidFill>
+                        <a:effectLst/>
+                        <a:latin typeface="Comic Sans MS" panose="030F0702030302020204" pitchFamily="66" charset="0"/>
+                      </a:endParaRPr>
+                    </a:p>
+                  </a:txBody>
+                  <a:tcPr marL="0" marR="0" marT="0" marB="0" anchor="b"/>
+                </a:tc>
+                <a:tc>
+                  <a:txBody>
+                    <a:bodyPr/>
+                    <a:lstStyle/>
+                    <a:p>
+                      <a:pPr algn="r" fontAlgn="b"/>
+                      <a:r>
+                        <a:rPr lang="en-NZ" sz="1100" b="0" i="0" u="none" strike="noStrike">
+                          <a:solidFill>
+                            <a:srgbClr val="000000"/>
+                          </a:solidFill>
+                          <a:effectLst/>
+                          <a:latin typeface="Comic Sans MS" panose="030F0702030302020204" pitchFamily="66" charset="0"/>
+                        </a:rPr>
+                        <a:t>40975</a:t>
+                      </a:r>
+                    </a:p>
+                  </a:txBody>
+                  <a:tcPr marL="9525" marR="9525" marT="9525" marB="0" anchor="b"/>
+                </a:tc>
+                <a:tc>
+                  <a:txBody>
+                    <a:bodyPr/>
+                    <a:lstStyle/>
+                    <a:p>
+                      <a:pPr algn="r" fontAlgn="b"/>
+                      <a:r>
+                        <a:rPr lang="en-NZ" sz="1100" b="0" i="0" u="none" strike="noStrike" dirty="0">
+                          <a:solidFill>
+                            <a:srgbClr val="000000"/>
+                          </a:solidFill>
+                          <a:effectLst/>
+                          <a:latin typeface="Comic Sans MS" panose="030F0702030302020204" pitchFamily="66" charset="0"/>
+                        </a:rPr>
+                        <a:t>1015000</a:t>
+                      </a:r>
+                    </a:p>
+                  </a:txBody>
+                  <a:tcPr marL="9525" marR="9525" marT="9525" marB="0" anchor="b"/>
+                </a:tc>
+                <a:tc>
+                  <a:txBody>
+                    <a:bodyPr/>
+                    <a:lstStyle/>
+                    <a:p>
+                      <a:pPr algn="r" fontAlgn="b"/>
+                      <a:r>
+                        <a:rPr lang="en-NZ" sz="1100" b="0" i="0" u="none" strike="noStrike">
+                          <a:solidFill>
+                            <a:srgbClr val="000000"/>
+                          </a:solidFill>
+                          <a:effectLst/>
+                          <a:latin typeface="Comic Sans MS" panose="030F0702030302020204" pitchFamily="66" charset="0"/>
+                        </a:rPr>
+                        <a:t>65033</a:t>
+                      </a:r>
+                    </a:p>
+                  </a:txBody>
+                  <a:tcPr marL="9525" marR="9525" marT="9525" marB="0" anchor="b"/>
+                </a:tc>
+                <a:extLst>
+                  <a:ext uri="{0D108BD9-81ED-4DB2-BD59-A6C34878D82A}">
+                    <a16:rowId xmlns:a16="http://schemas.microsoft.com/office/drawing/2014/main" val="1606945285"/>
+                  </a:ext>
+                </a:extLst>
+              </a:tr>
+              <a:tr h="210349">
+                <a:tc>
+                  <a:txBody>
+                    <a:bodyPr/>
+                    <a:lstStyle/>
+                    <a:p>
+                      <a:pPr algn="ctr" fontAlgn="b"/>
+                      <a:r>
+                        <a:rPr lang="en-NZ" sz="1400" b="0" u="none" strike="noStrike">
+                          <a:effectLst/>
+                          <a:latin typeface="Comic Sans MS" panose="030F0702030302020204" pitchFamily="66" charset="0"/>
+                        </a:rPr>
+                        <a:t>6</a:t>
+                      </a:r>
+                      <a:endParaRPr lang="en-NZ" sz="1400" b="0" i="0" u="none" strike="noStrike">
+                        <a:solidFill>
+                          <a:srgbClr val="000000"/>
+                        </a:solidFill>
+                        <a:effectLst/>
+                        <a:latin typeface="Comic Sans MS" panose="030F0702030302020204" pitchFamily="66" charset="0"/>
+                      </a:endParaRPr>
+                    </a:p>
+                  </a:txBody>
+                  <a:tcPr marL="0" marR="0" marT="0" marB="0" anchor="b"/>
+                </a:tc>
+                <a:tc>
+                  <a:txBody>
+                    <a:bodyPr/>
+                    <a:lstStyle/>
+                    <a:p>
+                      <a:pPr algn="r" fontAlgn="b"/>
+                      <a:r>
+                        <a:rPr lang="en-NZ" sz="1100" b="0" i="0" u="none" strike="noStrike">
+                          <a:solidFill>
+                            <a:srgbClr val="000000"/>
+                          </a:solidFill>
+                          <a:effectLst/>
+                          <a:latin typeface="Comic Sans MS" panose="030F0702030302020204" pitchFamily="66" charset="0"/>
+                        </a:rPr>
+                        <a:t>46712</a:t>
+                      </a:r>
+                    </a:p>
+                  </a:txBody>
+                  <a:tcPr marL="9525" marR="9525" marT="9525" marB="0" anchor="b"/>
+                </a:tc>
+                <a:tc>
+                  <a:txBody>
+                    <a:bodyPr/>
+                    <a:lstStyle/>
+                    <a:p>
+                      <a:pPr algn="r" fontAlgn="b"/>
+                      <a:r>
+                        <a:rPr lang="en-NZ" sz="1100" b="0" i="0" u="none" strike="noStrike">
+                          <a:solidFill>
+                            <a:srgbClr val="000000"/>
+                          </a:solidFill>
+                          <a:effectLst/>
+                          <a:latin typeface="Comic Sans MS" panose="030F0702030302020204" pitchFamily="66" charset="0"/>
+                        </a:rPr>
+                        <a:t>1200000</a:t>
+                      </a:r>
+                    </a:p>
+                  </a:txBody>
+                  <a:tcPr marL="9525" marR="9525" marT="9525" marB="0" anchor="b"/>
+                </a:tc>
+                <a:tc>
+                  <a:txBody>
+                    <a:bodyPr/>
+                    <a:lstStyle/>
+                    <a:p>
+                      <a:pPr algn="r" fontAlgn="b"/>
+                      <a:r>
+                        <a:rPr lang="en-NZ" sz="1100" b="0" i="0" u="none" strike="noStrike">
+                          <a:solidFill>
+                            <a:srgbClr val="000000"/>
+                          </a:solidFill>
+                          <a:effectLst/>
+                          <a:latin typeface="Comic Sans MS" panose="030F0702030302020204" pitchFamily="66" charset="0"/>
+                        </a:rPr>
+                        <a:t>73889</a:t>
+                      </a:r>
+                    </a:p>
+                  </a:txBody>
+                  <a:tcPr marL="9525" marR="9525" marT="9525" marB="0" anchor="b"/>
+                </a:tc>
+                <a:extLst>
+                  <a:ext uri="{0D108BD9-81ED-4DB2-BD59-A6C34878D82A}">
+                    <a16:rowId xmlns:a16="http://schemas.microsoft.com/office/drawing/2014/main" val="650925711"/>
+                  </a:ext>
+                </a:extLst>
+              </a:tr>
+              <a:tr h="193842">
+                <a:tc>
+                  <a:txBody>
+                    <a:bodyPr/>
+                    <a:lstStyle/>
+                    <a:p>
+                      <a:pPr algn="ctr" fontAlgn="b"/>
+                      <a:r>
+                        <a:rPr lang="en-NZ" sz="1400" b="0" u="none" strike="noStrike" dirty="0">
+                          <a:effectLst/>
+                          <a:latin typeface="Comic Sans MS" panose="030F0702030302020204" pitchFamily="66" charset="0"/>
+                        </a:rPr>
+                        <a:t>8</a:t>
+                      </a:r>
+                      <a:endParaRPr lang="en-NZ" sz="1400" b="0" i="0" u="none" strike="noStrike" dirty="0">
+                        <a:solidFill>
+                          <a:srgbClr val="000000"/>
+                        </a:solidFill>
+                        <a:effectLst/>
+                        <a:latin typeface="Comic Sans MS" panose="030F0702030302020204" pitchFamily="66" charset="0"/>
+                      </a:endParaRPr>
+                    </a:p>
+                  </a:txBody>
+                  <a:tcPr marL="0" marR="0" marT="0" marB="0" anchor="b"/>
+                </a:tc>
+                <a:tc>
+                  <a:txBody>
+                    <a:bodyPr/>
+                    <a:lstStyle/>
+                    <a:p>
+                      <a:pPr algn="r" fontAlgn="b"/>
+                      <a:r>
+                        <a:rPr lang="en-NZ" sz="1100" b="0" i="0" u="none" strike="noStrike" dirty="0">
+                          <a:solidFill>
+                            <a:srgbClr val="000000"/>
+                          </a:solidFill>
+                          <a:effectLst/>
+                          <a:latin typeface="Comic Sans MS" panose="030F0702030302020204" pitchFamily="66" charset="0"/>
+                        </a:rPr>
+                        <a:t>43337</a:t>
+                      </a:r>
+                    </a:p>
+                  </a:txBody>
+                  <a:tcPr marL="9525" marR="9525" marT="9525" marB="0" anchor="b"/>
+                </a:tc>
+                <a:tc>
+                  <a:txBody>
+                    <a:bodyPr/>
+                    <a:lstStyle/>
+                    <a:p>
+                      <a:pPr algn="r" fontAlgn="b"/>
+                      <a:r>
+                        <a:rPr lang="en-NZ" sz="1100" b="0" i="0" u="none" strike="noStrike">
+                          <a:solidFill>
+                            <a:srgbClr val="000000"/>
+                          </a:solidFill>
+                          <a:effectLst/>
+                          <a:latin typeface="Comic Sans MS" panose="030F0702030302020204" pitchFamily="66" charset="0"/>
+                        </a:rPr>
+                        <a:t>1125000</a:t>
+                      </a:r>
+                    </a:p>
+                  </a:txBody>
+                  <a:tcPr marL="9525" marR="9525" marT="9525" marB="0" anchor="b"/>
+                </a:tc>
+                <a:tc>
+                  <a:txBody>
+                    <a:bodyPr/>
+                    <a:lstStyle/>
+                    <a:p>
+                      <a:pPr algn="r" fontAlgn="b"/>
+                      <a:r>
+                        <a:rPr lang="en-NZ" sz="1100" b="0" i="0" u="none" strike="noStrike" dirty="0">
+                          <a:solidFill>
+                            <a:srgbClr val="000000"/>
+                          </a:solidFill>
+                          <a:effectLst/>
+                          <a:latin typeface="Comic Sans MS" panose="030F0702030302020204" pitchFamily="66" charset="0"/>
+                        </a:rPr>
+                        <a:t>72698</a:t>
+                      </a:r>
+                    </a:p>
+                  </a:txBody>
+                  <a:tcPr marL="9525" marR="9525" marT="9525" marB="0" anchor="b"/>
+                </a:tc>
+                <a:extLst>
+                  <a:ext uri="{0D108BD9-81ED-4DB2-BD59-A6C34878D82A}">
+                    <a16:rowId xmlns:a16="http://schemas.microsoft.com/office/drawing/2014/main" val="1571413639"/>
+                  </a:ext>
+                </a:extLst>
+              </a:tr>
+            </a:tbl>
+          </a:graphicData>
+        </a:graphic>
+      </p:graphicFrame>
+      <p:graphicFrame>
+        <p:nvGraphicFramePr>
+          <p:cNvPr id="19" name="Table 18">
+            <a:extLst>
+              <a:ext uri="{FF2B5EF4-FFF2-40B4-BE49-F238E27FC236}">
+                <a16:creationId xmlns:a16="http://schemas.microsoft.com/office/drawing/2014/main" id="{2E14D194-B0CD-4EE1-BD11-2E90CCBB0AC2}"/>
+              </a:ext>
+            </a:extLst>
+          </p:cNvPr>
+          <p:cNvGraphicFramePr>
+            <a:graphicFrameLocks noGrp="1"/>
+          </p:cNvGraphicFramePr>
+          <p:nvPr>
+            <p:extLst>
+              <p:ext uri="{D42A27DB-BD31-4B8C-83A1-F6EECF244321}">
+                <p14:modId xmlns:p14="http://schemas.microsoft.com/office/powerpoint/2010/main" val="385539147"/>
+              </p:ext>
+            </p:extLst>
+          </p:nvPr>
+        </p:nvGraphicFramePr>
+        <p:xfrm>
+          <a:off x="9196639" y="1136919"/>
+          <a:ext cx="2531324" cy="1493520"/>
+        </p:xfrm>
+        <a:graphic>
+          <a:graphicData uri="http://schemas.openxmlformats.org/drawingml/2006/table">
+            <a:tbl>
+              <a:tblPr>
+                <a:tableStyleId>{E8B1032C-EA38-4F05-BA0D-38AFFFC7BED3}</a:tableStyleId>
+              </a:tblPr>
+              <a:tblGrid>
+                <a:gridCol w="632831">
+                  <a:extLst>
+                    <a:ext uri="{9D8B030D-6E8A-4147-A177-3AD203B41FA5}">
+                      <a16:colId xmlns:a16="http://schemas.microsoft.com/office/drawing/2014/main" val="96190203"/>
+                    </a:ext>
+                  </a:extLst>
+                </a:gridCol>
+                <a:gridCol w="632831">
+                  <a:extLst>
+                    <a:ext uri="{9D8B030D-6E8A-4147-A177-3AD203B41FA5}">
+                      <a16:colId xmlns:a16="http://schemas.microsoft.com/office/drawing/2014/main" val="3673841729"/>
+                    </a:ext>
+                  </a:extLst>
+                </a:gridCol>
+                <a:gridCol w="632831">
+                  <a:extLst>
+                    <a:ext uri="{9D8B030D-6E8A-4147-A177-3AD203B41FA5}">
+                      <a16:colId xmlns:a16="http://schemas.microsoft.com/office/drawing/2014/main" val="1964090602"/>
+                    </a:ext>
+                  </a:extLst>
+                </a:gridCol>
+                <a:gridCol w="632831">
+                  <a:extLst>
+                    <a:ext uri="{9D8B030D-6E8A-4147-A177-3AD203B41FA5}">
+                      <a16:colId xmlns:a16="http://schemas.microsoft.com/office/drawing/2014/main" val="2337304450"/>
+                    </a:ext>
+                  </a:extLst>
+                </a:gridCol>
+              </a:tblGrid>
+              <a:tr h="350818">
+                <a:tc>
+                  <a:txBody>
+                    <a:bodyPr/>
+                    <a:lstStyle/>
+                    <a:p>
+                      <a:pPr algn="ctr" fontAlgn="b"/>
+                      <a:r>
+                        <a:rPr lang="en-NZ" sz="1400" b="0" u="none" strike="noStrike" dirty="0">
+                          <a:effectLst/>
+                          <a:latin typeface="Comic Sans MS" panose="030F0702030302020204" pitchFamily="66" charset="0"/>
+                        </a:rPr>
+                        <a:t>Rad (Gy)</a:t>
+                      </a:r>
+                      <a:endParaRPr lang="en-NZ" sz="1400" b="0" i="0" u="none" strike="noStrike" dirty="0">
+                        <a:solidFill>
+                          <a:srgbClr val="000000"/>
+                        </a:solidFill>
+                        <a:effectLst/>
+                        <a:latin typeface="Comic Sans MS" panose="030F0702030302020204" pitchFamily="66" charset="0"/>
+                      </a:endParaRPr>
+                    </a:p>
+                  </a:txBody>
+                  <a:tcPr marL="0" marR="0" marT="0" marB="0" anchor="b"/>
+                </a:tc>
+                <a:tc>
+                  <a:txBody>
+                    <a:bodyPr/>
+                    <a:lstStyle/>
+                    <a:p>
+                      <a:pPr algn="ctr" fontAlgn="b"/>
+                      <a:r>
+                        <a:rPr lang="en-NZ" sz="1400" b="0" u="none" strike="noStrike" dirty="0">
+                          <a:effectLst/>
+                          <a:latin typeface="Comic Sans MS" panose="030F0702030302020204" pitchFamily="66" charset="0"/>
+                        </a:rPr>
+                        <a:t>G1</a:t>
+                      </a:r>
+                      <a:endParaRPr lang="en-NZ" sz="1400" b="0" i="0" u="none" strike="noStrike" dirty="0">
+                        <a:solidFill>
+                          <a:srgbClr val="000000"/>
+                        </a:solidFill>
+                        <a:effectLst/>
+                        <a:latin typeface="Comic Sans MS" panose="030F0702030302020204" pitchFamily="66" charset="0"/>
+                      </a:endParaRPr>
+                    </a:p>
+                  </a:txBody>
+                  <a:tcPr marL="0" marR="0" marT="0" marB="0" anchor="b"/>
+                </a:tc>
+                <a:tc>
+                  <a:txBody>
+                    <a:bodyPr/>
+                    <a:lstStyle/>
+                    <a:p>
+                      <a:pPr algn="ctr" fontAlgn="b"/>
+                      <a:r>
+                        <a:rPr lang="en-NZ" sz="1400" b="0" u="none" strike="noStrike" dirty="0">
+                          <a:effectLst/>
+                          <a:latin typeface="Comic Sans MS" panose="030F0702030302020204" pitchFamily="66" charset="0"/>
+                        </a:rPr>
+                        <a:t>S</a:t>
+                      </a:r>
+                      <a:endParaRPr lang="en-NZ" sz="1400" b="0" i="0" u="none" strike="noStrike" dirty="0">
+                        <a:solidFill>
+                          <a:srgbClr val="000000"/>
+                        </a:solidFill>
+                        <a:effectLst/>
+                        <a:latin typeface="Comic Sans MS" panose="030F0702030302020204" pitchFamily="66" charset="0"/>
+                      </a:endParaRPr>
+                    </a:p>
+                  </a:txBody>
+                  <a:tcPr marL="0" marR="0" marT="0" marB="0" anchor="b"/>
+                </a:tc>
+                <a:tc>
+                  <a:txBody>
+                    <a:bodyPr/>
+                    <a:lstStyle/>
+                    <a:p>
+                      <a:pPr algn="ctr" fontAlgn="b"/>
+                      <a:r>
+                        <a:rPr lang="en-NZ" sz="1400" b="0" u="none" strike="noStrike" dirty="0">
+                          <a:effectLst/>
+                          <a:latin typeface="Comic Sans MS" panose="030F0702030302020204" pitchFamily="66" charset="0"/>
+                        </a:rPr>
+                        <a:t>G2</a:t>
+                      </a:r>
+                      <a:endParaRPr lang="en-NZ" sz="1400" b="0" i="0" u="none" strike="noStrike" dirty="0">
+                        <a:solidFill>
+                          <a:srgbClr val="000000"/>
+                        </a:solidFill>
+                        <a:effectLst/>
+                        <a:latin typeface="Comic Sans MS" panose="030F0702030302020204" pitchFamily="66" charset="0"/>
+                      </a:endParaRPr>
+                    </a:p>
+                  </a:txBody>
+                  <a:tcPr marL="0" marR="0" marT="0" marB="0" anchor="b"/>
+                </a:tc>
+                <a:extLst>
+                  <a:ext uri="{0D108BD9-81ED-4DB2-BD59-A6C34878D82A}">
+                    <a16:rowId xmlns:a16="http://schemas.microsoft.com/office/drawing/2014/main" val="2765767569"/>
+                  </a:ext>
+                </a:extLst>
+              </a:tr>
+              <a:tr h="210349">
+                <a:tc>
+                  <a:txBody>
+                    <a:bodyPr/>
+                    <a:lstStyle/>
+                    <a:p>
+                      <a:pPr algn="ctr" fontAlgn="b"/>
+                      <a:r>
+                        <a:rPr lang="en-NZ" sz="1400" b="0" u="none" strike="noStrike">
+                          <a:effectLst/>
+                          <a:latin typeface="Comic Sans MS" panose="030F0702030302020204" pitchFamily="66" charset="0"/>
+                        </a:rPr>
+                        <a:t>0</a:t>
+                      </a:r>
+                      <a:endParaRPr lang="en-NZ" sz="1400" b="0" i="0" u="none" strike="noStrike">
+                        <a:solidFill>
+                          <a:srgbClr val="000000"/>
+                        </a:solidFill>
+                        <a:effectLst/>
+                        <a:latin typeface="Comic Sans MS" panose="030F0702030302020204" pitchFamily="66" charset="0"/>
+                      </a:endParaRPr>
+                    </a:p>
+                  </a:txBody>
+                  <a:tcPr marL="0" marR="0" marT="0" marB="0" anchor="b"/>
+                </a:tc>
+                <a:tc>
+                  <a:txBody>
+                    <a:bodyPr/>
+                    <a:lstStyle/>
+                    <a:p>
+                      <a:pPr algn="r" fontAlgn="b"/>
+                      <a:r>
+                        <a:rPr lang="en-NZ" sz="1100" b="0" i="0" u="none" strike="noStrike">
+                          <a:solidFill>
+                            <a:srgbClr val="000000"/>
+                          </a:solidFill>
+                          <a:effectLst/>
+                          <a:latin typeface="Comic Sans MS" panose="030F0702030302020204" pitchFamily="66" charset="0"/>
+                        </a:rPr>
+                        <a:t>49589</a:t>
+                      </a:r>
+                    </a:p>
+                  </a:txBody>
+                  <a:tcPr marL="9525" marR="9525" marT="9525" marB="0" anchor="b"/>
+                </a:tc>
+                <a:tc>
+                  <a:txBody>
+                    <a:bodyPr/>
+                    <a:lstStyle/>
+                    <a:p>
+                      <a:pPr algn="r" fontAlgn="b"/>
+                      <a:r>
+                        <a:rPr lang="en-NZ" sz="1100" b="0" i="0" u="none" strike="noStrike">
+                          <a:solidFill>
+                            <a:srgbClr val="000000"/>
+                          </a:solidFill>
+                          <a:effectLst/>
+                          <a:latin typeface="Comic Sans MS" panose="030F0702030302020204" pitchFamily="66" charset="0"/>
+                        </a:rPr>
+                        <a:t>860000</a:t>
+                      </a:r>
+                    </a:p>
+                  </a:txBody>
+                  <a:tcPr marL="9525" marR="9525" marT="9525" marB="0" anchor="b"/>
+                </a:tc>
+                <a:tc>
+                  <a:txBody>
+                    <a:bodyPr/>
+                    <a:lstStyle/>
+                    <a:p>
+                      <a:pPr algn="r" fontAlgn="b"/>
+                      <a:r>
+                        <a:rPr lang="en-NZ" sz="1100" b="0" i="0" u="none" strike="noStrike">
+                          <a:solidFill>
+                            <a:srgbClr val="000000"/>
+                          </a:solidFill>
+                          <a:effectLst/>
+                          <a:latin typeface="Comic Sans MS" panose="030F0702030302020204" pitchFamily="66" charset="0"/>
+                        </a:rPr>
+                        <a:t>80694</a:t>
+                      </a:r>
+                    </a:p>
+                  </a:txBody>
+                  <a:tcPr marL="9525" marR="9525" marT="9525" marB="0" anchor="b"/>
+                </a:tc>
+                <a:extLst>
+                  <a:ext uri="{0D108BD9-81ED-4DB2-BD59-A6C34878D82A}">
+                    <a16:rowId xmlns:a16="http://schemas.microsoft.com/office/drawing/2014/main" val="550385731"/>
+                  </a:ext>
+                </a:extLst>
+              </a:tr>
+              <a:tr h="210349">
+                <a:tc>
+                  <a:txBody>
+                    <a:bodyPr/>
+                    <a:lstStyle/>
+                    <a:p>
+                      <a:pPr algn="ctr" fontAlgn="b"/>
+                      <a:r>
+                        <a:rPr lang="en-NZ" sz="1400" b="0" u="none" strike="noStrike">
+                          <a:effectLst/>
+                          <a:latin typeface="Comic Sans MS" panose="030F0702030302020204" pitchFamily="66" charset="0"/>
+                        </a:rPr>
+                        <a:t>2</a:t>
+                      </a:r>
+                      <a:endParaRPr lang="en-NZ" sz="1400" b="0" i="0" u="none" strike="noStrike">
+                        <a:solidFill>
+                          <a:srgbClr val="000000"/>
+                        </a:solidFill>
+                        <a:effectLst/>
+                        <a:latin typeface="Comic Sans MS" panose="030F0702030302020204" pitchFamily="66" charset="0"/>
+                      </a:endParaRPr>
+                    </a:p>
+                  </a:txBody>
+                  <a:tcPr marL="0" marR="0" marT="0" marB="0" anchor="b"/>
+                </a:tc>
+                <a:tc>
+                  <a:txBody>
+                    <a:bodyPr/>
+                    <a:lstStyle/>
+                    <a:p>
+                      <a:pPr algn="r" fontAlgn="b"/>
+                      <a:r>
+                        <a:rPr lang="en-NZ" sz="1100" b="0" i="0" u="none" strike="noStrike">
+                          <a:solidFill>
+                            <a:srgbClr val="000000"/>
+                          </a:solidFill>
+                          <a:effectLst/>
+                          <a:latin typeface="Comic Sans MS" panose="030F0702030302020204" pitchFamily="66" charset="0"/>
+                        </a:rPr>
+                        <a:t>75544</a:t>
+                      </a:r>
+                    </a:p>
+                  </a:txBody>
+                  <a:tcPr marL="9525" marR="9525" marT="9525" marB="0" anchor="b"/>
+                </a:tc>
+                <a:tc>
+                  <a:txBody>
+                    <a:bodyPr/>
+                    <a:lstStyle/>
+                    <a:p>
+                      <a:pPr algn="r" fontAlgn="b"/>
+                      <a:r>
+                        <a:rPr lang="en-NZ" sz="1100" b="0" i="0" u="none" strike="noStrike">
+                          <a:solidFill>
+                            <a:srgbClr val="000000"/>
+                          </a:solidFill>
+                          <a:effectLst/>
+                          <a:latin typeface="Comic Sans MS" panose="030F0702030302020204" pitchFamily="66" charset="0"/>
+                        </a:rPr>
+                        <a:t>1425000</a:t>
+                      </a:r>
+                    </a:p>
+                  </a:txBody>
+                  <a:tcPr marL="9525" marR="9525" marT="9525" marB="0" anchor="b"/>
+                </a:tc>
+                <a:tc>
+                  <a:txBody>
+                    <a:bodyPr/>
+                    <a:lstStyle/>
+                    <a:p>
+                      <a:pPr algn="r" fontAlgn="b"/>
+                      <a:r>
+                        <a:rPr lang="en-NZ" sz="1100" b="0" i="0" u="none" strike="noStrike">
+                          <a:solidFill>
+                            <a:srgbClr val="000000"/>
+                          </a:solidFill>
+                          <a:effectLst/>
+                          <a:latin typeface="Comic Sans MS" panose="030F0702030302020204" pitchFamily="66" charset="0"/>
+                        </a:rPr>
+                        <a:t>117369</a:t>
+                      </a:r>
+                    </a:p>
+                  </a:txBody>
+                  <a:tcPr marL="9525" marR="9525" marT="9525" marB="0" anchor="b"/>
+                </a:tc>
+                <a:extLst>
+                  <a:ext uri="{0D108BD9-81ED-4DB2-BD59-A6C34878D82A}">
+                    <a16:rowId xmlns:a16="http://schemas.microsoft.com/office/drawing/2014/main" val="1057367338"/>
+                  </a:ext>
+                </a:extLst>
+              </a:tr>
+              <a:tr h="210349">
+                <a:tc>
+                  <a:txBody>
+                    <a:bodyPr/>
+                    <a:lstStyle/>
+                    <a:p>
+                      <a:pPr algn="ctr" fontAlgn="b"/>
+                      <a:r>
+                        <a:rPr lang="en-NZ" sz="1400" b="0" u="none" strike="noStrike">
+                          <a:effectLst/>
+                          <a:latin typeface="Comic Sans MS" panose="030F0702030302020204" pitchFamily="66" charset="0"/>
+                        </a:rPr>
+                        <a:t>4</a:t>
+                      </a:r>
+                      <a:endParaRPr lang="en-NZ" sz="1400" b="0" i="0" u="none" strike="noStrike">
+                        <a:solidFill>
+                          <a:srgbClr val="000000"/>
+                        </a:solidFill>
+                        <a:effectLst/>
+                        <a:latin typeface="Comic Sans MS" panose="030F0702030302020204" pitchFamily="66" charset="0"/>
+                      </a:endParaRPr>
+                    </a:p>
+                  </a:txBody>
+                  <a:tcPr marL="0" marR="0" marT="0" marB="0" anchor="b"/>
+                </a:tc>
+                <a:tc>
+                  <a:txBody>
+                    <a:bodyPr/>
+                    <a:lstStyle/>
+                    <a:p>
+                      <a:pPr algn="r" fontAlgn="b"/>
+                      <a:r>
+                        <a:rPr lang="en-NZ" sz="1100" b="0" i="0" u="none" strike="noStrike">
+                          <a:solidFill>
+                            <a:srgbClr val="000000"/>
+                          </a:solidFill>
+                          <a:effectLst/>
+                          <a:latin typeface="Comic Sans MS" panose="030F0702030302020204" pitchFamily="66" charset="0"/>
+                        </a:rPr>
+                        <a:t>60623</a:t>
+                      </a:r>
+                    </a:p>
+                  </a:txBody>
+                  <a:tcPr marL="9525" marR="9525" marT="9525" marB="0" anchor="b"/>
+                </a:tc>
+                <a:tc>
+                  <a:txBody>
+                    <a:bodyPr/>
+                    <a:lstStyle/>
+                    <a:p>
+                      <a:pPr algn="r" fontAlgn="b"/>
+                      <a:r>
+                        <a:rPr lang="en-NZ" sz="1100" b="0" i="0" u="none" strike="noStrike">
+                          <a:solidFill>
+                            <a:srgbClr val="000000"/>
+                          </a:solidFill>
+                          <a:effectLst/>
+                          <a:latin typeface="Comic Sans MS" panose="030F0702030302020204" pitchFamily="66" charset="0"/>
+                        </a:rPr>
+                        <a:t>1335000</a:t>
+                      </a:r>
+                    </a:p>
+                  </a:txBody>
+                  <a:tcPr marL="9525" marR="9525" marT="9525" marB="0" anchor="b"/>
+                </a:tc>
+                <a:tc>
+                  <a:txBody>
+                    <a:bodyPr/>
+                    <a:lstStyle/>
+                    <a:p>
+                      <a:pPr algn="r" fontAlgn="b"/>
+                      <a:r>
+                        <a:rPr lang="en-NZ" sz="1100" b="0" i="0" u="none" strike="noStrike">
+                          <a:solidFill>
+                            <a:srgbClr val="000000"/>
+                          </a:solidFill>
+                          <a:effectLst/>
+                          <a:latin typeface="Comic Sans MS" panose="030F0702030302020204" pitchFamily="66" charset="0"/>
+                        </a:rPr>
+                        <a:t>91820</a:t>
+                      </a:r>
+                    </a:p>
+                  </a:txBody>
+                  <a:tcPr marL="9525" marR="9525" marT="9525" marB="0" anchor="b"/>
+                </a:tc>
+                <a:extLst>
+                  <a:ext uri="{0D108BD9-81ED-4DB2-BD59-A6C34878D82A}">
+                    <a16:rowId xmlns:a16="http://schemas.microsoft.com/office/drawing/2014/main" val="1606945285"/>
+                  </a:ext>
+                </a:extLst>
+              </a:tr>
+              <a:tr h="210349">
+                <a:tc>
+                  <a:txBody>
+                    <a:bodyPr/>
+                    <a:lstStyle/>
+                    <a:p>
+                      <a:pPr algn="ctr" fontAlgn="b"/>
+                      <a:r>
+                        <a:rPr lang="en-NZ" sz="1400" b="0" u="none" strike="noStrike">
+                          <a:effectLst/>
+                          <a:latin typeface="Comic Sans MS" panose="030F0702030302020204" pitchFamily="66" charset="0"/>
+                        </a:rPr>
+                        <a:t>6</a:t>
+                      </a:r>
+                      <a:endParaRPr lang="en-NZ" sz="1400" b="0" i="0" u="none" strike="noStrike">
+                        <a:solidFill>
+                          <a:srgbClr val="000000"/>
+                        </a:solidFill>
+                        <a:effectLst/>
+                        <a:latin typeface="Comic Sans MS" panose="030F0702030302020204" pitchFamily="66" charset="0"/>
+                      </a:endParaRPr>
+                    </a:p>
+                  </a:txBody>
+                  <a:tcPr marL="0" marR="0" marT="0" marB="0" anchor="b"/>
+                </a:tc>
+                <a:tc>
+                  <a:txBody>
+                    <a:bodyPr/>
+                    <a:lstStyle/>
+                    <a:p>
+                      <a:pPr algn="r" fontAlgn="b"/>
+                      <a:r>
+                        <a:rPr lang="en-NZ" sz="1100" b="0" i="0" u="none" strike="noStrike" dirty="0">
+                          <a:solidFill>
+                            <a:srgbClr val="000000"/>
+                          </a:solidFill>
+                          <a:effectLst/>
+                          <a:latin typeface="Comic Sans MS" panose="030F0702030302020204" pitchFamily="66" charset="0"/>
+                        </a:rPr>
+                        <a:t>62228</a:t>
+                      </a:r>
+                    </a:p>
+                  </a:txBody>
+                  <a:tcPr marL="9525" marR="9525" marT="9525" marB="0" anchor="b"/>
+                </a:tc>
+                <a:tc>
+                  <a:txBody>
+                    <a:bodyPr/>
+                    <a:lstStyle/>
+                    <a:p>
+                      <a:pPr algn="r" fontAlgn="b"/>
+                      <a:r>
+                        <a:rPr lang="en-NZ" sz="1100" b="0" i="0" u="none" strike="noStrike">
+                          <a:solidFill>
+                            <a:srgbClr val="000000"/>
+                          </a:solidFill>
+                          <a:effectLst/>
+                          <a:latin typeface="Comic Sans MS" panose="030F0702030302020204" pitchFamily="66" charset="0"/>
+                        </a:rPr>
+                        <a:t>935500</a:t>
+                      </a:r>
+                    </a:p>
+                  </a:txBody>
+                  <a:tcPr marL="9525" marR="9525" marT="9525" marB="0" anchor="b"/>
+                </a:tc>
+                <a:tc>
+                  <a:txBody>
+                    <a:bodyPr/>
+                    <a:lstStyle/>
+                    <a:p>
+                      <a:pPr algn="r" fontAlgn="b"/>
+                      <a:r>
+                        <a:rPr lang="en-NZ" sz="1100" b="0" i="0" u="none" strike="noStrike">
+                          <a:solidFill>
+                            <a:srgbClr val="000000"/>
+                          </a:solidFill>
+                          <a:effectLst/>
+                          <a:latin typeface="Comic Sans MS" panose="030F0702030302020204" pitchFamily="66" charset="0"/>
+                        </a:rPr>
+                        <a:t>90880</a:t>
+                      </a:r>
+                    </a:p>
+                  </a:txBody>
+                  <a:tcPr marL="9525" marR="9525" marT="9525" marB="0" anchor="b"/>
+                </a:tc>
+                <a:extLst>
+                  <a:ext uri="{0D108BD9-81ED-4DB2-BD59-A6C34878D82A}">
+                    <a16:rowId xmlns:a16="http://schemas.microsoft.com/office/drawing/2014/main" val="650925711"/>
+                  </a:ext>
+                </a:extLst>
+              </a:tr>
+              <a:tr h="210349">
+                <a:tc>
+                  <a:txBody>
+                    <a:bodyPr/>
+                    <a:lstStyle/>
+                    <a:p>
+                      <a:pPr algn="ctr" fontAlgn="b"/>
+                      <a:r>
+                        <a:rPr lang="en-NZ" sz="1400" b="0" u="none" strike="noStrike" dirty="0">
+                          <a:effectLst/>
+                          <a:latin typeface="Comic Sans MS" panose="030F0702030302020204" pitchFamily="66" charset="0"/>
+                        </a:rPr>
+                        <a:t>8</a:t>
+                      </a:r>
+                      <a:endParaRPr lang="en-NZ" sz="1400" b="0" i="0" u="none" strike="noStrike" dirty="0">
+                        <a:solidFill>
+                          <a:srgbClr val="000000"/>
+                        </a:solidFill>
+                        <a:effectLst/>
+                        <a:latin typeface="Comic Sans MS" panose="030F0702030302020204" pitchFamily="66" charset="0"/>
+                      </a:endParaRPr>
+                    </a:p>
+                  </a:txBody>
+                  <a:tcPr marL="0" marR="0" marT="0" marB="0" anchor="b"/>
+                </a:tc>
+                <a:tc>
+                  <a:txBody>
+                    <a:bodyPr/>
+                    <a:lstStyle/>
+                    <a:p>
+                      <a:pPr algn="r" fontAlgn="b"/>
+                      <a:r>
+                        <a:rPr lang="en-NZ" sz="1100" b="0" i="0" u="none" strike="noStrike" dirty="0">
+                          <a:solidFill>
+                            <a:srgbClr val="000000"/>
+                          </a:solidFill>
+                          <a:effectLst/>
+                          <a:latin typeface="Comic Sans MS" panose="030F0702030302020204" pitchFamily="66" charset="0"/>
+                        </a:rPr>
+                        <a:t>55957</a:t>
+                      </a:r>
+                    </a:p>
+                  </a:txBody>
+                  <a:tcPr marL="9525" marR="9525" marT="9525" marB="0" anchor="b"/>
+                </a:tc>
+                <a:tc>
+                  <a:txBody>
+                    <a:bodyPr/>
+                    <a:lstStyle/>
+                    <a:p>
+                      <a:pPr algn="r" fontAlgn="b"/>
+                      <a:r>
+                        <a:rPr lang="en-NZ" sz="1100" b="0" i="0" u="none" strike="noStrike">
+                          <a:solidFill>
+                            <a:srgbClr val="000000"/>
+                          </a:solidFill>
+                          <a:effectLst/>
+                          <a:latin typeface="Comic Sans MS" panose="030F0702030302020204" pitchFamily="66" charset="0"/>
+                        </a:rPr>
+                        <a:t>1039500</a:t>
+                      </a:r>
+                    </a:p>
+                  </a:txBody>
+                  <a:tcPr marL="9525" marR="9525" marT="9525" marB="0" anchor="b"/>
+                </a:tc>
+                <a:tc>
+                  <a:txBody>
+                    <a:bodyPr/>
+                    <a:lstStyle/>
+                    <a:p>
+                      <a:pPr algn="r" fontAlgn="b"/>
+                      <a:r>
+                        <a:rPr lang="en-NZ" sz="1100" b="0" i="0" u="none" strike="noStrike" dirty="0">
+                          <a:solidFill>
+                            <a:srgbClr val="000000"/>
+                          </a:solidFill>
+                          <a:effectLst/>
+                          <a:latin typeface="Comic Sans MS" panose="030F0702030302020204" pitchFamily="66" charset="0"/>
+                        </a:rPr>
+                        <a:t>80477</a:t>
+                      </a:r>
+                    </a:p>
+                  </a:txBody>
+                  <a:tcPr marL="9525" marR="9525" marT="9525" marB="0" anchor="b"/>
+                </a:tc>
+                <a:extLst>
+                  <a:ext uri="{0D108BD9-81ED-4DB2-BD59-A6C34878D82A}">
+                    <a16:rowId xmlns:a16="http://schemas.microsoft.com/office/drawing/2014/main" val="1571413639"/>
+                  </a:ext>
+                </a:extLst>
+              </a:tr>
+            </a:tbl>
+          </a:graphicData>
+        </a:graphic>
+      </p:graphicFrame>
+      <p:graphicFrame>
+        <p:nvGraphicFramePr>
+          <p:cNvPr id="20" name="Table 19">
+            <a:extLst>
+              <a:ext uri="{FF2B5EF4-FFF2-40B4-BE49-F238E27FC236}">
+                <a16:creationId xmlns:a16="http://schemas.microsoft.com/office/drawing/2014/main" id="{98A91137-A650-4196-9120-5B840CB33B55}"/>
+              </a:ext>
+            </a:extLst>
+          </p:cNvPr>
+          <p:cNvGraphicFramePr>
+            <a:graphicFrameLocks noGrp="1"/>
+          </p:cNvGraphicFramePr>
+          <p:nvPr>
+            <p:extLst>
+              <p:ext uri="{D42A27DB-BD31-4B8C-83A1-F6EECF244321}">
+                <p14:modId xmlns:p14="http://schemas.microsoft.com/office/powerpoint/2010/main" val="2034348613"/>
+              </p:ext>
+            </p:extLst>
+          </p:nvPr>
+        </p:nvGraphicFramePr>
+        <p:xfrm>
+          <a:off x="454996" y="4481231"/>
+          <a:ext cx="2606080" cy="1493520"/>
+        </p:xfrm>
+        <a:graphic>
+          <a:graphicData uri="http://schemas.openxmlformats.org/drawingml/2006/table">
+            <a:tbl>
+              <a:tblPr>
+                <a:tableStyleId>{E8B1032C-EA38-4F05-BA0D-38AFFFC7BED3}</a:tableStyleId>
+              </a:tblPr>
+              <a:tblGrid>
+                <a:gridCol w="651520">
+                  <a:extLst>
+                    <a:ext uri="{9D8B030D-6E8A-4147-A177-3AD203B41FA5}">
+                      <a16:colId xmlns:a16="http://schemas.microsoft.com/office/drawing/2014/main" val="96190203"/>
+                    </a:ext>
+                  </a:extLst>
+                </a:gridCol>
+                <a:gridCol w="651520">
+                  <a:extLst>
+                    <a:ext uri="{9D8B030D-6E8A-4147-A177-3AD203B41FA5}">
+                      <a16:colId xmlns:a16="http://schemas.microsoft.com/office/drawing/2014/main" val="3673841729"/>
+                    </a:ext>
+                  </a:extLst>
+                </a:gridCol>
+                <a:gridCol w="651520">
+                  <a:extLst>
+                    <a:ext uri="{9D8B030D-6E8A-4147-A177-3AD203B41FA5}">
+                      <a16:colId xmlns:a16="http://schemas.microsoft.com/office/drawing/2014/main" val="1964090602"/>
+                    </a:ext>
+                  </a:extLst>
+                </a:gridCol>
+                <a:gridCol w="651520">
+                  <a:extLst>
+                    <a:ext uri="{9D8B030D-6E8A-4147-A177-3AD203B41FA5}">
+                      <a16:colId xmlns:a16="http://schemas.microsoft.com/office/drawing/2014/main" val="2337304450"/>
+                    </a:ext>
+                  </a:extLst>
+                </a:gridCol>
+              </a:tblGrid>
+              <a:tr h="350818">
+                <a:tc>
+                  <a:txBody>
+                    <a:bodyPr/>
+                    <a:lstStyle/>
+                    <a:p>
+                      <a:pPr algn="ctr" fontAlgn="b"/>
+                      <a:r>
+                        <a:rPr lang="en-NZ" sz="1400" b="0" u="none" strike="noStrike" dirty="0">
+                          <a:effectLst/>
+                          <a:latin typeface="Comic Sans MS" panose="030F0702030302020204" pitchFamily="66" charset="0"/>
+                        </a:rPr>
+                        <a:t>Rad (Gy)</a:t>
+                      </a:r>
+                      <a:endParaRPr lang="en-NZ" sz="1400" b="0" i="0" u="none" strike="noStrike" dirty="0">
+                        <a:solidFill>
+                          <a:srgbClr val="000000"/>
+                        </a:solidFill>
+                        <a:effectLst/>
+                        <a:latin typeface="Comic Sans MS" panose="030F0702030302020204" pitchFamily="66" charset="0"/>
+                      </a:endParaRPr>
+                    </a:p>
+                  </a:txBody>
+                  <a:tcPr marL="0" marR="0" marT="0" marB="0" anchor="b"/>
+                </a:tc>
+                <a:tc>
+                  <a:txBody>
+                    <a:bodyPr/>
+                    <a:lstStyle/>
+                    <a:p>
+                      <a:pPr algn="ctr" fontAlgn="b"/>
+                      <a:r>
+                        <a:rPr lang="en-NZ" sz="1400" b="0" u="none" strike="noStrike" dirty="0">
+                          <a:effectLst/>
+                          <a:latin typeface="Comic Sans MS" panose="030F0702030302020204" pitchFamily="66" charset="0"/>
+                        </a:rPr>
+                        <a:t>G1</a:t>
+                      </a:r>
+                      <a:endParaRPr lang="en-NZ" sz="1400" b="0" i="0" u="none" strike="noStrike" dirty="0">
+                        <a:solidFill>
+                          <a:srgbClr val="000000"/>
+                        </a:solidFill>
+                        <a:effectLst/>
+                        <a:latin typeface="Comic Sans MS" panose="030F0702030302020204" pitchFamily="66" charset="0"/>
+                      </a:endParaRPr>
+                    </a:p>
+                  </a:txBody>
+                  <a:tcPr marL="0" marR="0" marT="0" marB="0" anchor="b"/>
+                </a:tc>
+                <a:tc>
+                  <a:txBody>
+                    <a:bodyPr/>
+                    <a:lstStyle/>
+                    <a:p>
+                      <a:pPr algn="ctr" fontAlgn="b"/>
+                      <a:r>
+                        <a:rPr lang="en-NZ" sz="1400" b="0" u="none" strike="noStrike" dirty="0">
+                          <a:effectLst/>
+                          <a:latin typeface="Comic Sans MS" panose="030F0702030302020204" pitchFamily="66" charset="0"/>
+                        </a:rPr>
+                        <a:t>S</a:t>
+                      </a:r>
+                      <a:endParaRPr lang="en-NZ" sz="1400" b="0" i="0" u="none" strike="noStrike" dirty="0">
+                        <a:solidFill>
+                          <a:srgbClr val="000000"/>
+                        </a:solidFill>
+                        <a:effectLst/>
+                        <a:latin typeface="Comic Sans MS" panose="030F0702030302020204" pitchFamily="66" charset="0"/>
+                      </a:endParaRPr>
+                    </a:p>
+                  </a:txBody>
+                  <a:tcPr marL="0" marR="0" marT="0" marB="0" anchor="b"/>
+                </a:tc>
+                <a:tc>
+                  <a:txBody>
+                    <a:bodyPr/>
+                    <a:lstStyle/>
+                    <a:p>
+                      <a:pPr algn="ctr" fontAlgn="b"/>
+                      <a:r>
+                        <a:rPr lang="en-NZ" sz="1400" b="0" u="none" strike="noStrike" dirty="0">
+                          <a:effectLst/>
+                          <a:latin typeface="Comic Sans MS" panose="030F0702030302020204" pitchFamily="66" charset="0"/>
+                        </a:rPr>
+                        <a:t>G2</a:t>
+                      </a:r>
+                      <a:endParaRPr lang="en-NZ" sz="1400" b="0" i="0" u="none" strike="noStrike" dirty="0">
+                        <a:solidFill>
+                          <a:srgbClr val="000000"/>
+                        </a:solidFill>
+                        <a:effectLst/>
+                        <a:latin typeface="Comic Sans MS" panose="030F0702030302020204" pitchFamily="66" charset="0"/>
+                      </a:endParaRPr>
+                    </a:p>
+                  </a:txBody>
+                  <a:tcPr marL="0" marR="0" marT="0" marB="0" anchor="b"/>
+                </a:tc>
+                <a:extLst>
+                  <a:ext uri="{0D108BD9-81ED-4DB2-BD59-A6C34878D82A}">
+                    <a16:rowId xmlns:a16="http://schemas.microsoft.com/office/drawing/2014/main" val="2765767569"/>
+                  </a:ext>
+                </a:extLst>
+              </a:tr>
+              <a:tr h="210349">
+                <a:tc>
+                  <a:txBody>
+                    <a:bodyPr/>
+                    <a:lstStyle/>
+                    <a:p>
+                      <a:pPr algn="ctr" fontAlgn="b"/>
+                      <a:r>
+                        <a:rPr lang="en-NZ" sz="1400" b="0" u="none" strike="noStrike">
+                          <a:effectLst/>
+                          <a:latin typeface="Comic Sans MS" panose="030F0702030302020204" pitchFamily="66" charset="0"/>
+                        </a:rPr>
+                        <a:t>0</a:t>
+                      </a:r>
+                      <a:endParaRPr lang="en-NZ" sz="1400" b="0" i="0" u="none" strike="noStrike">
+                        <a:solidFill>
+                          <a:srgbClr val="000000"/>
+                        </a:solidFill>
+                        <a:effectLst/>
+                        <a:latin typeface="Comic Sans MS" panose="030F0702030302020204" pitchFamily="66" charset="0"/>
+                      </a:endParaRPr>
+                    </a:p>
+                  </a:txBody>
+                  <a:tcPr marL="0" marR="0" marT="0" marB="0" anchor="b"/>
+                </a:tc>
+                <a:tc>
+                  <a:txBody>
+                    <a:bodyPr/>
+                    <a:lstStyle/>
+                    <a:p>
+                      <a:pPr algn="r" fontAlgn="b"/>
+                      <a:r>
+                        <a:rPr lang="en-NZ" sz="1100" b="0" i="0" u="none" strike="noStrike">
+                          <a:solidFill>
+                            <a:srgbClr val="000000"/>
+                          </a:solidFill>
+                          <a:effectLst/>
+                          <a:latin typeface="Comic Sans MS" panose="030F0702030302020204" pitchFamily="66" charset="0"/>
+                        </a:rPr>
+                        <a:t>40987</a:t>
+                      </a:r>
+                    </a:p>
+                  </a:txBody>
+                  <a:tcPr marL="9525" marR="9525" marT="9525" marB="0" anchor="b"/>
+                </a:tc>
+                <a:tc>
+                  <a:txBody>
+                    <a:bodyPr/>
+                    <a:lstStyle/>
+                    <a:p>
+                      <a:pPr algn="r" fontAlgn="b"/>
+                      <a:r>
+                        <a:rPr lang="en-NZ" sz="1100" b="0" i="0" u="none" strike="noStrike">
+                          <a:solidFill>
+                            <a:srgbClr val="000000"/>
+                          </a:solidFill>
+                          <a:effectLst/>
+                          <a:latin typeface="Comic Sans MS" panose="030F0702030302020204" pitchFamily="66" charset="0"/>
+                        </a:rPr>
+                        <a:t>1260000</a:t>
+                      </a:r>
+                    </a:p>
+                  </a:txBody>
+                  <a:tcPr marL="9525" marR="9525" marT="9525" marB="0" anchor="b"/>
+                </a:tc>
+                <a:tc>
+                  <a:txBody>
+                    <a:bodyPr/>
+                    <a:lstStyle/>
+                    <a:p>
+                      <a:pPr algn="r" fontAlgn="b"/>
+                      <a:r>
+                        <a:rPr lang="en-NZ" sz="1100" b="0" i="0" u="none" strike="noStrike">
+                          <a:solidFill>
+                            <a:srgbClr val="000000"/>
+                          </a:solidFill>
+                          <a:effectLst/>
+                          <a:latin typeface="Comic Sans MS" panose="030F0702030302020204" pitchFamily="66" charset="0"/>
+                        </a:rPr>
+                        <a:t>69060</a:t>
+                      </a:r>
+                    </a:p>
+                  </a:txBody>
+                  <a:tcPr marL="9525" marR="9525" marT="9525" marB="0" anchor="b"/>
+                </a:tc>
+                <a:extLst>
+                  <a:ext uri="{0D108BD9-81ED-4DB2-BD59-A6C34878D82A}">
+                    <a16:rowId xmlns:a16="http://schemas.microsoft.com/office/drawing/2014/main" val="550385731"/>
+                  </a:ext>
+                </a:extLst>
+              </a:tr>
+              <a:tr h="210349">
+                <a:tc>
+                  <a:txBody>
+                    <a:bodyPr/>
+                    <a:lstStyle/>
+                    <a:p>
+                      <a:pPr algn="ctr" fontAlgn="b"/>
+                      <a:r>
+                        <a:rPr lang="en-NZ" sz="1400" b="0" u="none" strike="noStrike">
+                          <a:effectLst/>
+                          <a:latin typeface="Comic Sans MS" panose="030F0702030302020204" pitchFamily="66" charset="0"/>
+                        </a:rPr>
+                        <a:t>2</a:t>
+                      </a:r>
+                      <a:endParaRPr lang="en-NZ" sz="1400" b="0" i="0" u="none" strike="noStrike">
+                        <a:solidFill>
+                          <a:srgbClr val="000000"/>
+                        </a:solidFill>
+                        <a:effectLst/>
+                        <a:latin typeface="Comic Sans MS" panose="030F0702030302020204" pitchFamily="66" charset="0"/>
+                      </a:endParaRPr>
+                    </a:p>
+                  </a:txBody>
+                  <a:tcPr marL="0" marR="0" marT="0" marB="0" anchor="b"/>
+                </a:tc>
+                <a:tc>
+                  <a:txBody>
+                    <a:bodyPr/>
+                    <a:lstStyle/>
+                    <a:p>
+                      <a:pPr algn="r" fontAlgn="b"/>
+                      <a:r>
+                        <a:rPr lang="en-NZ" sz="1100" b="0" i="0" u="none" strike="noStrike">
+                          <a:solidFill>
+                            <a:srgbClr val="000000"/>
+                          </a:solidFill>
+                          <a:effectLst/>
+                          <a:latin typeface="Comic Sans MS" panose="030F0702030302020204" pitchFamily="66" charset="0"/>
+                        </a:rPr>
+                        <a:t>45938</a:t>
+                      </a:r>
+                    </a:p>
+                  </a:txBody>
+                  <a:tcPr marL="9525" marR="9525" marT="9525" marB="0" anchor="b"/>
+                </a:tc>
+                <a:tc>
+                  <a:txBody>
+                    <a:bodyPr/>
+                    <a:lstStyle/>
+                    <a:p>
+                      <a:pPr algn="r" fontAlgn="b"/>
+                      <a:r>
+                        <a:rPr lang="en-NZ" sz="1100" b="0" i="0" u="none" strike="noStrike">
+                          <a:solidFill>
+                            <a:srgbClr val="000000"/>
+                          </a:solidFill>
+                          <a:effectLst/>
+                          <a:latin typeface="Comic Sans MS" panose="030F0702030302020204" pitchFamily="66" charset="0"/>
+                        </a:rPr>
+                        <a:t>1155000</a:t>
+                      </a:r>
+                    </a:p>
+                  </a:txBody>
+                  <a:tcPr marL="9525" marR="9525" marT="9525" marB="0" anchor="b"/>
+                </a:tc>
+                <a:tc>
+                  <a:txBody>
+                    <a:bodyPr/>
+                    <a:lstStyle/>
+                    <a:p>
+                      <a:pPr algn="r" fontAlgn="b"/>
+                      <a:r>
+                        <a:rPr lang="en-NZ" sz="1100" b="0" i="0" u="none" strike="noStrike">
+                          <a:solidFill>
+                            <a:srgbClr val="000000"/>
+                          </a:solidFill>
+                          <a:effectLst/>
+                          <a:latin typeface="Comic Sans MS" panose="030F0702030302020204" pitchFamily="66" charset="0"/>
+                        </a:rPr>
+                        <a:t>76496</a:t>
+                      </a:r>
+                    </a:p>
+                  </a:txBody>
+                  <a:tcPr marL="9525" marR="9525" marT="9525" marB="0" anchor="b"/>
+                </a:tc>
+                <a:extLst>
+                  <a:ext uri="{0D108BD9-81ED-4DB2-BD59-A6C34878D82A}">
+                    <a16:rowId xmlns:a16="http://schemas.microsoft.com/office/drawing/2014/main" val="1057367338"/>
+                  </a:ext>
+                </a:extLst>
+              </a:tr>
+              <a:tr h="210349">
+                <a:tc>
+                  <a:txBody>
+                    <a:bodyPr/>
+                    <a:lstStyle/>
+                    <a:p>
+                      <a:pPr algn="ctr" fontAlgn="b"/>
+                      <a:r>
+                        <a:rPr lang="en-NZ" sz="1400" b="0" u="none" strike="noStrike">
+                          <a:effectLst/>
+                          <a:latin typeface="Comic Sans MS" panose="030F0702030302020204" pitchFamily="66" charset="0"/>
+                        </a:rPr>
+                        <a:t>4</a:t>
+                      </a:r>
+                      <a:endParaRPr lang="en-NZ" sz="1400" b="0" i="0" u="none" strike="noStrike">
+                        <a:solidFill>
+                          <a:srgbClr val="000000"/>
+                        </a:solidFill>
+                        <a:effectLst/>
+                        <a:latin typeface="Comic Sans MS" panose="030F0702030302020204" pitchFamily="66" charset="0"/>
+                      </a:endParaRPr>
+                    </a:p>
+                  </a:txBody>
+                  <a:tcPr marL="0" marR="0" marT="0" marB="0" anchor="b"/>
+                </a:tc>
+                <a:tc>
+                  <a:txBody>
+                    <a:bodyPr/>
+                    <a:lstStyle/>
+                    <a:p>
+                      <a:pPr algn="r" fontAlgn="b"/>
+                      <a:r>
+                        <a:rPr lang="en-NZ" sz="1100" b="0" i="0" u="none" strike="noStrike">
+                          <a:solidFill>
+                            <a:srgbClr val="000000"/>
+                          </a:solidFill>
+                          <a:effectLst/>
+                          <a:latin typeface="Comic Sans MS" panose="030F0702030302020204" pitchFamily="66" charset="0"/>
+                        </a:rPr>
+                        <a:t>41209</a:t>
+                      </a:r>
+                    </a:p>
+                  </a:txBody>
+                  <a:tcPr marL="9525" marR="9525" marT="9525" marB="0" anchor="b"/>
+                </a:tc>
+                <a:tc>
+                  <a:txBody>
+                    <a:bodyPr/>
+                    <a:lstStyle/>
+                    <a:p>
+                      <a:pPr algn="r" fontAlgn="b"/>
+                      <a:r>
+                        <a:rPr lang="en-NZ" sz="1100" b="0" i="0" u="none" strike="noStrike">
+                          <a:solidFill>
+                            <a:srgbClr val="000000"/>
+                          </a:solidFill>
+                          <a:effectLst/>
+                          <a:latin typeface="Comic Sans MS" panose="030F0702030302020204" pitchFamily="66" charset="0"/>
+                        </a:rPr>
+                        <a:t>1066500</a:t>
+                      </a:r>
+                    </a:p>
+                  </a:txBody>
+                  <a:tcPr marL="9525" marR="9525" marT="9525" marB="0" anchor="b"/>
+                </a:tc>
+                <a:tc>
+                  <a:txBody>
+                    <a:bodyPr/>
+                    <a:lstStyle/>
+                    <a:p>
+                      <a:pPr algn="r" fontAlgn="b"/>
+                      <a:r>
+                        <a:rPr lang="en-NZ" sz="1100" b="0" i="0" u="none" strike="noStrike">
+                          <a:solidFill>
+                            <a:srgbClr val="000000"/>
+                          </a:solidFill>
+                          <a:effectLst/>
+                          <a:latin typeface="Comic Sans MS" panose="030F0702030302020204" pitchFamily="66" charset="0"/>
+                        </a:rPr>
+                        <a:t>69480</a:t>
+                      </a:r>
+                    </a:p>
+                  </a:txBody>
+                  <a:tcPr marL="9525" marR="9525" marT="9525" marB="0" anchor="b"/>
+                </a:tc>
+                <a:extLst>
+                  <a:ext uri="{0D108BD9-81ED-4DB2-BD59-A6C34878D82A}">
+                    <a16:rowId xmlns:a16="http://schemas.microsoft.com/office/drawing/2014/main" val="1606945285"/>
+                  </a:ext>
+                </a:extLst>
+              </a:tr>
+              <a:tr h="210349">
+                <a:tc>
+                  <a:txBody>
+                    <a:bodyPr/>
+                    <a:lstStyle/>
+                    <a:p>
+                      <a:pPr algn="ctr" fontAlgn="b"/>
+                      <a:r>
+                        <a:rPr lang="en-NZ" sz="1400" b="0" u="none" strike="noStrike">
+                          <a:effectLst/>
+                          <a:latin typeface="Comic Sans MS" panose="030F0702030302020204" pitchFamily="66" charset="0"/>
+                        </a:rPr>
+                        <a:t>6</a:t>
+                      </a:r>
+                      <a:endParaRPr lang="en-NZ" sz="1400" b="0" i="0" u="none" strike="noStrike">
+                        <a:solidFill>
+                          <a:srgbClr val="000000"/>
+                        </a:solidFill>
+                        <a:effectLst/>
+                        <a:latin typeface="Comic Sans MS" panose="030F0702030302020204" pitchFamily="66" charset="0"/>
+                      </a:endParaRPr>
+                    </a:p>
+                  </a:txBody>
+                  <a:tcPr marL="0" marR="0" marT="0" marB="0" anchor="b"/>
+                </a:tc>
+                <a:tc>
+                  <a:txBody>
+                    <a:bodyPr/>
+                    <a:lstStyle/>
+                    <a:p>
+                      <a:pPr algn="r" fontAlgn="b"/>
+                      <a:r>
+                        <a:rPr lang="en-NZ" sz="1100" b="0" i="0" u="none" strike="noStrike">
+                          <a:solidFill>
+                            <a:srgbClr val="000000"/>
+                          </a:solidFill>
+                          <a:effectLst/>
+                          <a:latin typeface="Comic Sans MS" panose="030F0702030302020204" pitchFamily="66" charset="0"/>
+                        </a:rPr>
+                        <a:t>49689</a:t>
+                      </a:r>
+                    </a:p>
+                  </a:txBody>
+                  <a:tcPr marL="9525" marR="9525" marT="9525" marB="0" anchor="b"/>
+                </a:tc>
+                <a:tc>
+                  <a:txBody>
+                    <a:bodyPr/>
+                    <a:lstStyle/>
+                    <a:p>
+                      <a:pPr algn="r" fontAlgn="b"/>
+                      <a:r>
+                        <a:rPr lang="en-NZ" sz="1100" b="0" i="0" u="none" strike="noStrike">
+                          <a:solidFill>
+                            <a:srgbClr val="000000"/>
+                          </a:solidFill>
+                          <a:effectLst/>
+                          <a:latin typeface="Comic Sans MS" panose="030F0702030302020204" pitchFamily="66" charset="0"/>
+                        </a:rPr>
+                        <a:t>1470000</a:t>
+                      </a:r>
+                    </a:p>
+                  </a:txBody>
+                  <a:tcPr marL="9525" marR="9525" marT="9525" marB="0" anchor="b"/>
+                </a:tc>
+                <a:tc>
+                  <a:txBody>
+                    <a:bodyPr/>
+                    <a:lstStyle/>
+                    <a:p>
+                      <a:pPr algn="r" fontAlgn="b"/>
+                      <a:r>
+                        <a:rPr lang="en-NZ" sz="1100" b="0" i="0" u="none" strike="noStrike">
+                          <a:solidFill>
+                            <a:srgbClr val="000000"/>
+                          </a:solidFill>
+                          <a:effectLst/>
+                          <a:latin typeface="Comic Sans MS" panose="030F0702030302020204" pitchFamily="66" charset="0"/>
+                        </a:rPr>
+                        <a:t>85286</a:t>
+                      </a:r>
+                    </a:p>
+                  </a:txBody>
+                  <a:tcPr marL="9525" marR="9525" marT="9525" marB="0" anchor="b"/>
+                </a:tc>
+                <a:extLst>
+                  <a:ext uri="{0D108BD9-81ED-4DB2-BD59-A6C34878D82A}">
+                    <a16:rowId xmlns:a16="http://schemas.microsoft.com/office/drawing/2014/main" val="650925711"/>
+                  </a:ext>
+                </a:extLst>
+              </a:tr>
+              <a:tr h="210349">
+                <a:tc>
+                  <a:txBody>
+                    <a:bodyPr/>
+                    <a:lstStyle/>
+                    <a:p>
+                      <a:pPr algn="ctr" fontAlgn="b"/>
+                      <a:r>
+                        <a:rPr lang="en-NZ" sz="1400" b="0" u="none" strike="noStrike" dirty="0">
+                          <a:effectLst/>
+                          <a:latin typeface="Comic Sans MS" panose="030F0702030302020204" pitchFamily="66" charset="0"/>
+                        </a:rPr>
+                        <a:t>8</a:t>
+                      </a:r>
+                      <a:endParaRPr lang="en-NZ" sz="1400" b="0" i="0" u="none" strike="noStrike" dirty="0">
+                        <a:solidFill>
+                          <a:srgbClr val="000000"/>
+                        </a:solidFill>
+                        <a:effectLst/>
+                        <a:latin typeface="Comic Sans MS" panose="030F0702030302020204" pitchFamily="66" charset="0"/>
+                      </a:endParaRPr>
+                    </a:p>
+                  </a:txBody>
+                  <a:tcPr marL="0" marR="0" marT="0" marB="0" anchor="b"/>
+                </a:tc>
+                <a:tc>
+                  <a:txBody>
+                    <a:bodyPr/>
+                    <a:lstStyle/>
+                    <a:p>
+                      <a:pPr algn="r" fontAlgn="b"/>
+                      <a:r>
+                        <a:rPr lang="en-NZ" sz="1100" b="0" i="0" u="none" strike="noStrike" dirty="0">
+                          <a:solidFill>
+                            <a:srgbClr val="000000"/>
+                          </a:solidFill>
+                          <a:effectLst/>
+                          <a:latin typeface="Comic Sans MS" panose="030F0702030302020204" pitchFamily="66" charset="0"/>
+                        </a:rPr>
+                        <a:t>54109</a:t>
+                      </a:r>
+                    </a:p>
+                  </a:txBody>
+                  <a:tcPr marL="9525" marR="9525" marT="9525" marB="0" anchor="b"/>
+                </a:tc>
+                <a:tc>
+                  <a:txBody>
+                    <a:bodyPr/>
+                    <a:lstStyle/>
+                    <a:p>
+                      <a:pPr algn="r" fontAlgn="b"/>
+                      <a:r>
+                        <a:rPr lang="en-NZ" sz="1100" b="0" i="0" u="none" strike="noStrike" dirty="0">
+                          <a:solidFill>
+                            <a:srgbClr val="000000"/>
+                          </a:solidFill>
+                          <a:effectLst/>
+                          <a:latin typeface="Comic Sans MS" panose="030F0702030302020204" pitchFamily="66" charset="0"/>
+                        </a:rPr>
+                        <a:t>1540000</a:t>
+                      </a:r>
+                    </a:p>
+                  </a:txBody>
+                  <a:tcPr marL="9525" marR="9525" marT="9525" marB="0" anchor="b"/>
+                </a:tc>
+                <a:tc>
+                  <a:txBody>
+                    <a:bodyPr/>
+                    <a:lstStyle/>
+                    <a:p>
+                      <a:pPr algn="r" fontAlgn="b"/>
+                      <a:r>
+                        <a:rPr lang="en-NZ" sz="1100" b="0" i="0" u="none" strike="noStrike" dirty="0">
+                          <a:solidFill>
+                            <a:srgbClr val="000000"/>
+                          </a:solidFill>
+                          <a:effectLst/>
+                          <a:latin typeface="Comic Sans MS" panose="030F0702030302020204" pitchFamily="66" charset="0"/>
+                        </a:rPr>
+                        <a:t>94631</a:t>
+                      </a:r>
+                    </a:p>
+                  </a:txBody>
+                  <a:tcPr marL="9525" marR="9525" marT="9525" marB="0" anchor="b"/>
+                </a:tc>
+                <a:extLst>
+                  <a:ext uri="{0D108BD9-81ED-4DB2-BD59-A6C34878D82A}">
+                    <a16:rowId xmlns:a16="http://schemas.microsoft.com/office/drawing/2014/main" val="1571413639"/>
+                  </a:ext>
+                </a:extLst>
+              </a:tr>
+            </a:tbl>
+          </a:graphicData>
+        </a:graphic>
+      </p:graphicFrame>
+      <p:sp>
+        <p:nvSpPr>
+          <p:cNvPr id="21" name="TextBox 20">
+            <a:extLst>
+              <a:ext uri="{FF2B5EF4-FFF2-40B4-BE49-F238E27FC236}">
+                <a16:creationId xmlns:a16="http://schemas.microsoft.com/office/drawing/2014/main" id="{2D912EE4-E737-49A4-A678-6C71AA7A7438}"/>
+              </a:ext>
+            </a:extLst>
+          </p:cNvPr>
+          <p:cNvSpPr txBox="1"/>
+          <p:nvPr/>
+        </p:nvSpPr>
+        <p:spPr>
+          <a:xfrm>
+            <a:off x="430629" y="4098739"/>
+            <a:ext cx="10022054" cy="369332"/>
+          </a:xfrm>
+          <a:prstGeom prst="rect">
+            <a:avLst/>
+          </a:prstGeom>
+          <a:noFill/>
+        </p:spPr>
+        <p:txBody>
+          <a:bodyPr wrap="square">
+            <a:spAutoFit/>
+          </a:bodyPr>
+          <a:lstStyle/>
+          <a:p>
+            <a:r>
+              <a:rPr lang="en-NZ" dirty="0">
+                <a:latin typeface="Comic Sans MS" panose="030F0702030302020204" pitchFamily="66" charset="0"/>
+              </a:rPr>
+              <a:t>0 h                                        4 h                                    8 h                                    24 h    </a:t>
+            </a:r>
+            <a:endParaRPr lang="en-NZ" dirty="0"/>
+          </a:p>
+        </p:txBody>
+      </p:sp>
+      <p:graphicFrame>
+        <p:nvGraphicFramePr>
+          <p:cNvPr id="22" name="Table 21">
+            <a:extLst>
+              <a:ext uri="{FF2B5EF4-FFF2-40B4-BE49-F238E27FC236}">
+                <a16:creationId xmlns:a16="http://schemas.microsoft.com/office/drawing/2014/main" id="{A6EF5772-F3A1-474F-9819-77C75AF3C359}"/>
+              </a:ext>
+            </a:extLst>
+          </p:cNvPr>
+          <p:cNvGraphicFramePr>
+            <a:graphicFrameLocks noGrp="1"/>
+          </p:cNvGraphicFramePr>
+          <p:nvPr>
+            <p:extLst>
+              <p:ext uri="{D42A27DB-BD31-4B8C-83A1-F6EECF244321}">
+                <p14:modId xmlns:p14="http://schemas.microsoft.com/office/powerpoint/2010/main" val="1494111180"/>
+              </p:ext>
+            </p:extLst>
+          </p:nvPr>
+        </p:nvGraphicFramePr>
+        <p:xfrm>
+          <a:off x="3343958" y="4481231"/>
+          <a:ext cx="2606080" cy="1493520"/>
+        </p:xfrm>
+        <a:graphic>
+          <a:graphicData uri="http://schemas.openxmlformats.org/drawingml/2006/table">
+            <a:tbl>
+              <a:tblPr>
+                <a:tableStyleId>{E8B1032C-EA38-4F05-BA0D-38AFFFC7BED3}</a:tableStyleId>
+              </a:tblPr>
+              <a:tblGrid>
+                <a:gridCol w="651520">
+                  <a:extLst>
+                    <a:ext uri="{9D8B030D-6E8A-4147-A177-3AD203B41FA5}">
+                      <a16:colId xmlns:a16="http://schemas.microsoft.com/office/drawing/2014/main" val="96190203"/>
+                    </a:ext>
+                  </a:extLst>
+                </a:gridCol>
+                <a:gridCol w="651520">
+                  <a:extLst>
+                    <a:ext uri="{9D8B030D-6E8A-4147-A177-3AD203B41FA5}">
+                      <a16:colId xmlns:a16="http://schemas.microsoft.com/office/drawing/2014/main" val="3673841729"/>
+                    </a:ext>
+                  </a:extLst>
+                </a:gridCol>
+                <a:gridCol w="651520">
+                  <a:extLst>
+                    <a:ext uri="{9D8B030D-6E8A-4147-A177-3AD203B41FA5}">
+                      <a16:colId xmlns:a16="http://schemas.microsoft.com/office/drawing/2014/main" val="1964090602"/>
+                    </a:ext>
+                  </a:extLst>
+                </a:gridCol>
+                <a:gridCol w="651520">
+                  <a:extLst>
+                    <a:ext uri="{9D8B030D-6E8A-4147-A177-3AD203B41FA5}">
+                      <a16:colId xmlns:a16="http://schemas.microsoft.com/office/drawing/2014/main" val="2337304450"/>
+                    </a:ext>
+                  </a:extLst>
+                </a:gridCol>
+              </a:tblGrid>
+              <a:tr h="350818">
+                <a:tc>
+                  <a:txBody>
+                    <a:bodyPr/>
+                    <a:lstStyle/>
+                    <a:p>
+                      <a:pPr algn="ctr" fontAlgn="b"/>
+                      <a:r>
+                        <a:rPr lang="en-NZ" sz="1400" b="0" u="none" strike="noStrike" dirty="0">
+                          <a:effectLst/>
+                          <a:latin typeface="Comic Sans MS" panose="030F0702030302020204" pitchFamily="66" charset="0"/>
+                        </a:rPr>
+                        <a:t>Rad (Gy)</a:t>
+                      </a:r>
+                      <a:endParaRPr lang="en-NZ" sz="1400" b="0" i="0" u="none" strike="noStrike" dirty="0">
+                        <a:solidFill>
+                          <a:srgbClr val="000000"/>
+                        </a:solidFill>
+                        <a:effectLst/>
+                        <a:latin typeface="Comic Sans MS" panose="030F0702030302020204" pitchFamily="66" charset="0"/>
+                      </a:endParaRPr>
+                    </a:p>
+                  </a:txBody>
+                  <a:tcPr marL="0" marR="0" marT="0" marB="0" anchor="b"/>
+                </a:tc>
+                <a:tc>
+                  <a:txBody>
+                    <a:bodyPr/>
+                    <a:lstStyle/>
+                    <a:p>
+                      <a:pPr algn="ctr" fontAlgn="b"/>
+                      <a:r>
+                        <a:rPr lang="en-NZ" sz="1400" b="0" u="none" strike="noStrike" dirty="0">
+                          <a:effectLst/>
+                          <a:latin typeface="Comic Sans MS" panose="030F0702030302020204" pitchFamily="66" charset="0"/>
+                        </a:rPr>
+                        <a:t>G1</a:t>
+                      </a:r>
+                      <a:endParaRPr lang="en-NZ" sz="1400" b="0" i="0" u="none" strike="noStrike" dirty="0">
+                        <a:solidFill>
+                          <a:srgbClr val="000000"/>
+                        </a:solidFill>
+                        <a:effectLst/>
+                        <a:latin typeface="Comic Sans MS" panose="030F0702030302020204" pitchFamily="66" charset="0"/>
+                      </a:endParaRPr>
+                    </a:p>
+                  </a:txBody>
+                  <a:tcPr marL="0" marR="0" marT="0" marB="0" anchor="b"/>
+                </a:tc>
+                <a:tc>
+                  <a:txBody>
+                    <a:bodyPr/>
+                    <a:lstStyle/>
+                    <a:p>
+                      <a:pPr algn="ctr" fontAlgn="b"/>
+                      <a:r>
+                        <a:rPr lang="en-NZ" sz="1400" b="0" u="none" strike="noStrike" dirty="0">
+                          <a:effectLst/>
+                          <a:latin typeface="Comic Sans MS" panose="030F0702030302020204" pitchFamily="66" charset="0"/>
+                        </a:rPr>
+                        <a:t>S</a:t>
+                      </a:r>
+                      <a:endParaRPr lang="en-NZ" sz="1400" b="0" i="0" u="none" strike="noStrike" dirty="0">
+                        <a:solidFill>
+                          <a:srgbClr val="000000"/>
+                        </a:solidFill>
+                        <a:effectLst/>
+                        <a:latin typeface="Comic Sans MS" panose="030F0702030302020204" pitchFamily="66" charset="0"/>
+                      </a:endParaRPr>
+                    </a:p>
+                  </a:txBody>
+                  <a:tcPr marL="0" marR="0" marT="0" marB="0" anchor="b"/>
+                </a:tc>
+                <a:tc>
+                  <a:txBody>
+                    <a:bodyPr/>
+                    <a:lstStyle/>
+                    <a:p>
+                      <a:pPr algn="ctr" fontAlgn="b"/>
+                      <a:r>
+                        <a:rPr lang="en-NZ" sz="1400" b="0" u="none" strike="noStrike" dirty="0">
+                          <a:effectLst/>
+                          <a:latin typeface="Comic Sans MS" panose="030F0702030302020204" pitchFamily="66" charset="0"/>
+                        </a:rPr>
+                        <a:t>G2</a:t>
+                      </a:r>
+                      <a:endParaRPr lang="en-NZ" sz="1400" b="0" i="0" u="none" strike="noStrike" dirty="0">
+                        <a:solidFill>
+                          <a:srgbClr val="000000"/>
+                        </a:solidFill>
+                        <a:effectLst/>
+                        <a:latin typeface="Comic Sans MS" panose="030F0702030302020204" pitchFamily="66" charset="0"/>
+                      </a:endParaRPr>
+                    </a:p>
+                  </a:txBody>
+                  <a:tcPr marL="0" marR="0" marT="0" marB="0" anchor="b"/>
+                </a:tc>
+                <a:extLst>
+                  <a:ext uri="{0D108BD9-81ED-4DB2-BD59-A6C34878D82A}">
+                    <a16:rowId xmlns:a16="http://schemas.microsoft.com/office/drawing/2014/main" val="2765767569"/>
+                  </a:ext>
+                </a:extLst>
+              </a:tr>
+              <a:tr h="210349">
+                <a:tc>
+                  <a:txBody>
+                    <a:bodyPr/>
+                    <a:lstStyle/>
+                    <a:p>
+                      <a:pPr algn="ctr" fontAlgn="b"/>
+                      <a:r>
+                        <a:rPr lang="en-NZ" sz="1400" b="0" u="none" strike="noStrike">
+                          <a:effectLst/>
+                          <a:latin typeface="Comic Sans MS" panose="030F0702030302020204" pitchFamily="66" charset="0"/>
+                        </a:rPr>
+                        <a:t>0</a:t>
+                      </a:r>
+                      <a:endParaRPr lang="en-NZ" sz="1400" b="0" i="0" u="none" strike="noStrike">
+                        <a:solidFill>
+                          <a:srgbClr val="000000"/>
+                        </a:solidFill>
+                        <a:effectLst/>
+                        <a:latin typeface="Comic Sans MS" panose="030F0702030302020204" pitchFamily="66" charset="0"/>
+                      </a:endParaRPr>
+                    </a:p>
+                  </a:txBody>
+                  <a:tcPr marL="0" marR="0" marT="0" marB="0" anchor="b"/>
+                </a:tc>
+                <a:tc>
+                  <a:txBody>
+                    <a:bodyPr/>
+                    <a:lstStyle/>
+                    <a:p>
+                      <a:pPr algn="r" fontAlgn="b"/>
+                      <a:r>
+                        <a:rPr lang="en-NZ" sz="1100" b="0" i="0" u="none" strike="noStrike">
+                          <a:solidFill>
+                            <a:srgbClr val="000000"/>
+                          </a:solidFill>
+                          <a:effectLst/>
+                          <a:latin typeface="Comic Sans MS" panose="030F0702030302020204" pitchFamily="66" charset="0"/>
+                        </a:rPr>
+                        <a:t>40302</a:t>
+                      </a:r>
+                    </a:p>
+                  </a:txBody>
+                  <a:tcPr marL="9525" marR="9525" marT="9525" marB="0" anchor="b"/>
+                </a:tc>
+                <a:tc>
+                  <a:txBody>
+                    <a:bodyPr/>
+                    <a:lstStyle/>
+                    <a:p>
+                      <a:pPr algn="r" fontAlgn="b"/>
+                      <a:r>
+                        <a:rPr lang="en-NZ" sz="1100" b="0" i="0" u="none" strike="noStrike">
+                          <a:solidFill>
+                            <a:srgbClr val="000000"/>
+                          </a:solidFill>
+                          <a:effectLst/>
+                          <a:latin typeface="Comic Sans MS" panose="030F0702030302020204" pitchFamily="66" charset="0"/>
+                        </a:rPr>
+                        <a:t>1265000</a:t>
+                      </a:r>
+                    </a:p>
+                  </a:txBody>
+                  <a:tcPr marL="9525" marR="9525" marT="9525" marB="0" anchor="b"/>
+                </a:tc>
+                <a:tc>
+                  <a:txBody>
+                    <a:bodyPr/>
+                    <a:lstStyle/>
+                    <a:p>
+                      <a:pPr algn="r" fontAlgn="b"/>
+                      <a:r>
+                        <a:rPr lang="en-NZ" sz="1100" b="0" i="0" u="none" strike="noStrike">
+                          <a:solidFill>
+                            <a:srgbClr val="000000"/>
+                          </a:solidFill>
+                          <a:effectLst/>
+                          <a:latin typeface="Comic Sans MS" panose="030F0702030302020204" pitchFamily="66" charset="0"/>
+                        </a:rPr>
+                        <a:t>68239</a:t>
+                      </a:r>
+                    </a:p>
+                  </a:txBody>
+                  <a:tcPr marL="9525" marR="9525" marT="9525" marB="0" anchor="b"/>
+                </a:tc>
+                <a:extLst>
+                  <a:ext uri="{0D108BD9-81ED-4DB2-BD59-A6C34878D82A}">
+                    <a16:rowId xmlns:a16="http://schemas.microsoft.com/office/drawing/2014/main" val="550385731"/>
+                  </a:ext>
+                </a:extLst>
+              </a:tr>
+              <a:tr h="210349">
+                <a:tc>
+                  <a:txBody>
+                    <a:bodyPr/>
+                    <a:lstStyle/>
+                    <a:p>
+                      <a:pPr algn="ctr" fontAlgn="b"/>
+                      <a:r>
+                        <a:rPr lang="en-NZ" sz="1400" b="0" u="none" strike="noStrike">
+                          <a:effectLst/>
+                          <a:latin typeface="Comic Sans MS" panose="030F0702030302020204" pitchFamily="66" charset="0"/>
+                        </a:rPr>
+                        <a:t>2</a:t>
+                      </a:r>
+                      <a:endParaRPr lang="en-NZ" sz="1400" b="0" i="0" u="none" strike="noStrike">
+                        <a:solidFill>
+                          <a:srgbClr val="000000"/>
+                        </a:solidFill>
+                        <a:effectLst/>
+                        <a:latin typeface="Comic Sans MS" panose="030F0702030302020204" pitchFamily="66" charset="0"/>
+                      </a:endParaRPr>
+                    </a:p>
+                  </a:txBody>
+                  <a:tcPr marL="0" marR="0" marT="0" marB="0" anchor="b"/>
+                </a:tc>
+                <a:tc>
+                  <a:txBody>
+                    <a:bodyPr/>
+                    <a:lstStyle/>
+                    <a:p>
+                      <a:pPr algn="r" fontAlgn="b"/>
+                      <a:r>
+                        <a:rPr lang="en-NZ" sz="1100" b="0" i="0" u="none" strike="noStrike">
+                          <a:solidFill>
+                            <a:srgbClr val="000000"/>
+                          </a:solidFill>
+                          <a:effectLst/>
+                          <a:latin typeface="Comic Sans MS" panose="030F0702030302020204" pitchFamily="66" charset="0"/>
+                        </a:rPr>
+                        <a:t>42348</a:t>
+                      </a:r>
+                    </a:p>
+                  </a:txBody>
+                  <a:tcPr marL="9525" marR="9525" marT="9525" marB="0" anchor="b"/>
+                </a:tc>
+                <a:tc>
+                  <a:txBody>
+                    <a:bodyPr/>
+                    <a:lstStyle/>
+                    <a:p>
+                      <a:pPr algn="r" fontAlgn="b"/>
+                      <a:r>
+                        <a:rPr lang="en-NZ" sz="1100" b="0" i="0" u="none" strike="noStrike">
+                          <a:solidFill>
+                            <a:srgbClr val="000000"/>
+                          </a:solidFill>
+                          <a:effectLst/>
+                          <a:latin typeface="Comic Sans MS" panose="030F0702030302020204" pitchFamily="66" charset="0"/>
+                        </a:rPr>
+                        <a:t>1320000</a:t>
+                      </a:r>
+                    </a:p>
+                  </a:txBody>
+                  <a:tcPr marL="9525" marR="9525" marT="9525" marB="0" anchor="b"/>
+                </a:tc>
+                <a:tc>
+                  <a:txBody>
+                    <a:bodyPr/>
+                    <a:lstStyle/>
+                    <a:p>
+                      <a:pPr algn="r" fontAlgn="b"/>
+                      <a:r>
+                        <a:rPr lang="en-NZ" sz="1100" b="0" i="0" u="none" strike="noStrike">
+                          <a:solidFill>
+                            <a:srgbClr val="000000"/>
+                          </a:solidFill>
+                          <a:effectLst/>
+                          <a:latin typeface="Comic Sans MS" panose="030F0702030302020204" pitchFamily="66" charset="0"/>
+                        </a:rPr>
+                        <a:t>70017</a:t>
+                      </a:r>
+                    </a:p>
+                  </a:txBody>
+                  <a:tcPr marL="9525" marR="9525" marT="9525" marB="0" anchor="b"/>
+                </a:tc>
+                <a:extLst>
+                  <a:ext uri="{0D108BD9-81ED-4DB2-BD59-A6C34878D82A}">
+                    <a16:rowId xmlns:a16="http://schemas.microsoft.com/office/drawing/2014/main" val="1057367338"/>
+                  </a:ext>
+                </a:extLst>
+              </a:tr>
+              <a:tr h="210349">
+                <a:tc>
+                  <a:txBody>
+                    <a:bodyPr/>
+                    <a:lstStyle/>
+                    <a:p>
+                      <a:pPr algn="ctr" fontAlgn="b"/>
+                      <a:r>
+                        <a:rPr lang="en-NZ" sz="1400" b="0" u="none" strike="noStrike">
+                          <a:effectLst/>
+                          <a:latin typeface="Comic Sans MS" panose="030F0702030302020204" pitchFamily="66" charset="0"/>
+                        </a:rPr>
+                        <a:t>4</a:t>
+                      </a:r>
+                      <a:endParaRPr lang="en-NZ" sz="1400" b="0" i="0" u="none" strike="noStrike">
+                        <a:solidFill>
+                          <a:srgbClr val="000000"/>
+                        </a:solidFill>
+                        <a:effectLst/>
+                        <a:latin typeface="Comic Sans MS" panose="030F0702030302020204" pitchFamily="66" charset="0"/>
+                      </a:endParaRPr>
+                    </a:p>
+                  </a:txBody>
+                  <a:tcPr marL="0" marR="0" marT="0" marB="0" anchor="b"/>
+                </a:tc>
+                <a:tc>
+                  <a:txBody>
+                    <a:bodyPr/>
+                    <a:lstStyle/>
+                    <a:p>
+                      <a:pPr algn="r" fontAlgn="b"/>
+                      <a:r>
+                        <a:rPr lang="en-NZ" sz="1100" b="0" i="0" u="none" strike="noStrike">
+                          <a:solidFill>
+                            <a:srgbClr val="000000"/>
+                          </a:solidFill>
+                          <a:effectLst/>
+                          <a:latin typeface="Comic Sans MS" panose="030F0702030302020204" pitchFamily="66" charset="0"/>
+                        </a:rPr>
+                        <a:t>38856</a:t>
+                      </a:r>
+                    </a:p>
+                  </a:txBody>
+                  <a:tcPr marL="9525" marR="9525" marT="9525" marB="0" anchor="b"/>
+                </a:tc>
+                <a:tc>
+                  <a:txBody>
+                    <a:bodyPr/>
+                    <a:lstStyle/>
+                    <a:p>
+                      <a:pPr algn="r" fontAlgn="b"/>
+                      <a:r>
+                        <a:rPr lang="en-NZ" sz="1100" b="0" i="0" u="none" strike="noStrike">
+                          <a:solidFill>
+                            <a:srgbClr val="000000"/>
+                          </a:solidFill>
+                          <a:effectLst/>
+                          <a:latin typeface="Comic Sans MS" panose="030F0702030302020204" pitchFamily="66" charset="0"/>
+                        </a:rPr>
+                        <a:t>1395000</a:t>
+                      </a:r>
+                    </a:p>
+                  </a:txBody>
+                  <a:tcPr marL="9525" marR="9525" marT="9525" marB="0" anchor="b"/>
+                </a:tc>
+                <a:tc>
+                  <a:txBody>
+                    <a:bodyPr/>
+                    <a:lstStyle/>
+                    <a:p>
+                      <a:pPr algn="r" fontAlgn="b"/>
+                      <a:r>
+                        <a:rPr lang="en-NZ" sz="1100" b="0" i="0" u="none" strike="noStrike">
+                          <a:solidFill>
+                            <a:srgbClr val="000000"/>
+                          </a:solidFill>
+                          <a:effectLst/>
+                          <a:latin typeface="Comic Sans MS" panose="030F0702030302020204" pitchFamily="66" charset="0"/>
+                        </a:rPr>
+                        <a:t>66619</a:t>
+                      </a:r>
+                    </a:p>
+                  </a:txBody>
+                  <a:tcPr marL="9525" marR="9525" marT="9525" marB="0" anchor="b"/>
+                </a:tc>
+                <a:extLst>
+                  <a:ext uri="{0D108BD9-81ED-4DB2-BD59-A6C34878D82A}">
+                    <a16:rowId xmlns:a16="http://schemas.microsoft.com/office/drawing/2014/main" val="1606945285"/>
+                  </a:ext>
+                </a:extLst>
+              </a:tr>
+              <a:tr h="210349">
+                <a:tc>
+                  <a:txBody>
+                    <a:bodyPr/>
+                    <a:lstStyle/>
+                    <a:p>
+                      <a:pPr algn="ctr" fontAlgn="b"/>
+                      <a:r>
+                        <a:rPr lang="en-NZ" sz="1400" b="0" u="none" strike="noStrike">
+                          <a:effectLst/>
+                          <a:latin typeface="Comic Sans MS" panose="030F0702030302020204" pitchFamily="66" charset="0"/>
+                        </a:rPr>
+                        <a:t>6</a:t>
+                      </a:r>
+                      <a:endParaRPr lang="en-NZ" sz="1400" b="0" i="0" u="none" strike="noStrike">
+                        <a:solidFill>
+                          <a:srgbClr val="000000"/>
+                        </a:solidFill>
+                        <a:effectLst/>
+                        <a:latin typeface="Comic Sans MS" panose="030F0702030302020204" pitchFamily="66" charset="0"/>
+                      </a:endParaRPr>
+                    </a:p>
+                  </a:txBody>
+                  <a:tcPr marL="0" marR="0" marT="0" marB="0" anchor="b"/>
+                </a:tc>
+                <a:tc>
+                  <a:txBody>
+                    <a:bodyPr/>
+                    <a:lstStyle/>
+                    <a:p>
+                      <a:pPr algn="r" fontAlgn="b"/>
+                      <a:r>
+                        <a:rPr lang="en-NZ" sz="1100" b="0" i="0" u="none" strike="noStrike">
+                          <a:solidFill>
+                            <a:srgbClr val="000000"/>
+                          </a:solidFill>
+                          <a:effectLst/>
+                          <a:latin typeface="Comic Sans MS" panose="030F0702030302020204" pitchFamily="66" charset="0"/>
+                        </a:rPr>
+                        <a:t>45850</a:t>
+                      </a:r>
+                    </a:p>
+                  </a:txBody>
+                  <a:tcPr marL="9525" marR="9525" marT="9525" marB="0" anchor="b"/>
+                </a:tc>
+                <a:tc>
+                  <a:txBody>
+                    <a:bodyPr/>
+                    <a:lstStyle/>
+                    <a:p>
+                      <a:pPr algn="r" fontAlgn="b"/>
+                      <a:r>
+                        <a:rPr lang="en-NZ" sz="1100" b="0" i="0" u="none" strike="noStrike">
+                          <a:solidFill>
+                            <a:srgbClr val="000000"/>
+                          </a:solidFill>
+                          <a:effectLst/>
+                          <a:latin typeface="Comic Sans MS" panose="030F0702030302020204" pitchFamily="66" charset="0"/>
+                        </a:rPr>
+                        <a:t>1095000</a:t>
+                      </a:r>
+                    </a:p>
+                  </a:txBody>
+                  <a:tcPr marL="9525" marR="9525" marT="9525" marB="0" anchor="b"/>
+                </a:tc>
+                <a:tc>
+                  <a:txBody>
+                    <a:bodyPr/>
+                    <a:lstStyle/>
+                    <a:p>
+                      <a:pPr algn="r" fontAlgn="b"/>
+                      <a:r>
+                        <a:rPr lang="en-NZ" sz="1100" b="0" i="0" u="none" strike="noStrike">
+                          <a:solidFill>
+                            <a:srgbClr val="000000"/>
+                          </a:solidFill>
+                          <a:effectLst/>
+                          <a:latin typeface="Comic Sans MS" panose="030F0702030302020204" pitchFamily="66" charset="0"/>
+                        </a:rPr>
+                        <a:t>80140</a:t>
+                      </a:r>
+                    </a:p>
+                  </a:txBody>
+                  <a:tcPr marL="9525" marR="9525" marT="9525" marB="0" anchor="b"/>
+                </a:tc>
+                <a:extLst>
+                  <a:ext uri="{0D108BD9-81ED-4DB2-BD59-A6C34878D82A}">
+                    <a16:rowId xmlns:a16="http://schemas.microsoft.com/office/drawing/2014/main" val="650925711"/>
+                  </a:ext>
+                </a:extLst>
+              </a:tr>
+              <a:tr h="210349">
+                <a:tc>
+                  <a:txBody>
+                    <a:bodyPr/>
+                    <a:lstStyle/>
+                    <a:p>
+                      <a:pPr algn="ctr" fontAlgn="b"/>
+                      <a:r>
+                        <a:rPr lang="en-NZ" sz="1400" b="0" u="none" strike="noStrike" dirty="0">
+                          <a:effectLst/>
+                          <a:latin typeface="Comic Sans MS" panose="030F0702030302020204" pitchFamily="66" charset="0"/>
+                        </a:rPr>
+                        <a:t>8</a:t>
+                      </a:r>
+                      <a:endParaRPr lang="en-NZ" sz="1400" b="0" i="0" u="none" strike="noStrike" dirty="0">
+                        <a:solidFill>
+                          <a:srgbClr val="000000"/>
+                        </a:solidFill>
+                        <a:effectLst/>
+                        <a:latin typeface="Comic Sans MS" panose="030F0702030302020204" pitchFamily="66" charset="0"/>
+                      </a:endParaRPr>
+                    </a:p>
+                  </a:txBody>
+                  <a:tcPr marL="0" marR="0" marT="0" marB="0" anchor="b"/>
+                </a:tc>
+                <a:tc>
+                  <a:txBody>
+                    <a:bodyPr/>
+                    <a:lstStyle/>
+                    <a:p>
+                      <a:pPr algn="r" fontAlgn="b"/>
+                      <a:r>
+                        <a:rPr lang="en-NZ" sz="1100" b="0" i="0" u="none" strike="noStrike">
+                          <a:solidFill>
+                            <a:srgbClr val="000000"/>
+                          </a:solidFill>
+                          <a:effectLst/>
+                          <a:latin typeface="Comic Sans MS" panose="030F0702030302020204" pitchFamily="66" charset="0"/>
+                        </a:rPr>
+                        <a:t>40231</a:t>
+                      </a:r>
+                    </a:p>
+                  </a:txBody>
+                  <a:tcPr marL="9525" marR="9525" marT="9525" marB="0" anchor="b"/>
+                </a:tc>
+                <a:tc>
+                  <a:txBody>
+                    <a:bodyPr/>
+                    <a:lstStyle/>
+                    <a:p>
+                      <a:pPr algn="r" fontAlgn="b"/>
+                      <a:r>
+                        <a:rPr lang="en-NZ" sz="1100" b="0" i="0" u="none" strike="noStrike">
+                          <a:solidFill>
+                            <a:srgbClr val="000000"/>
+                          </a:solidFill>
+                          <a:effectLst/>
+                          <a:latin typeface="Comic Sans MS" panose="030F0702030302020204" pitchFamily="66" charset="0"/>
+                        </a:rPr>
+                        <a:t>929000</a:t>
+                      </a:r>
+                    </a:p>
+                  </a:txBody>
+                  <a:tcPr marL="9525" marR="9525" marT="9525" marB="0" anchor="b"/>
+                </a:tc>
+                <a:tc>
+                  <a:txBody>
+                    <a:bodyPr/>
+                    <a:lstStyle/>
+                    <a:p>
+                      <a:pPr algn="r" fontAlgn="b"/>
+                      <a:r>
+                        <a:rPr lang="en-NZ" sz="1100" b="0" i="0" u="none" strike="noStrike" dirty="0">
+                          <a:solidFill>
+                            <a:srgbClr val="000000"/>
+                          </a:solidFill>
+                          <a:effectLst/>
+                          <a:latin typeface="Comic Sans MS" panose="030F0702030302020204" pitchFamily="66" charset="0"/>
+                        </a:rPr>
+                        <a:t>70000</a:t>
+                      </a:r>
+                    </a:p>
+                  </a:txBody>
+                  <a:tcPr marL="9525" marR="9525" marT="9525" marB="0" anchor="b"/>
+                </a:tc>
+                <a:extLst>
+                  <a:ext uri="{0D108BD9-81ED-4DB2-BD59-A6C34878D82A}">
+                    <a16:rowId xmlns:a16="http://schemas.microsoft.com/office/drawing/2014/main" val="1571413639"/>
+                  </a:ext>
+                </a:extLst>
+              </a:tr>
+            </a:tbl>
+          </a:graphicData>
+        </a:graphic>
+      </p:graphicFrame>
+      <p:graphicFrame>
+        <p:nvGraphicFramePr>
+          <p:cNvPr id="23" name="Table 22">
+            <a:extLst>
+              <a:ext uri="{FF2B5EF4-FFF2-40B4-BE49-F238E27FC236}">
+                <a16:creationId xmlns:a16="http://schemas.microsoft.com/office/drawing/2014/main" id="{5449416B-B05B-462A-AD8A-E67093F2E493}"/>
+              </a:ext>
+            </a:extLst>
+          </p:cNvPr>
+          <p:cNvGraphicFramePr>
+            <a:graphicFrameLocks noGrp="1"/>
+          </p:cNvGraphicFramePr>
+          <p:nvPr>
+            <p:extLst>
+              <p:ext uri="{D42A27DB-BD31-4B8C-83A1-F6EECF244321}">
+                <p14:modId xmlns:p14="http://schemas.microsoft.com/office/powerpoint/2010/main" val="1039123444"/>
+              </p:ext>
+            </p:extLst>
+          </p:nvPr>
+        </p:nvGraphicFramePr>
+        <p:xfrm>
+          <a:off x="6200688" y="4486641"/>
+          <a:ext cx="2606080" cy="1493520"/>
+        </p:xfrm>
+        <a:graphic>
+          <a:graphicData uri="http://schemas.openxmlformats.org/drawingml/2006/table">
+            <a:tbl>
+              <a:tblPr>
+                <a:tableStyleId>{E8B1032C-EA38-4F05-BA0D-38AFFFC7BED3}</a:tableStyleId>
+              </a:tblPr>
+              <a:tblGrid>
+                <a:gridCol w="651520">
+                  <a:extLst>
+                    <a:ext uri="{9D8B030D-6E8A-4147-A177-3AD203B41FA5}">
+                      <a16:colId xmlns:a16="http://schemas.microsoft.com/office/drawing/2014/main" val="96190203"/>
+                    </a:ext>
+                  </a:extLst>
+                </a:gridCol>
+                <a:gridCol w="651520">
+                  <a:extLst>
+                    <a:ext uri="{9D8B030D-6E8A-4147-A177-3AD203B41FA5}">
+                      <a16:colId xmlns:a16="http://schemas.microsoft.com/office/drawing/2014/main" val="3673841729"/>
+                    </a:ext>
+                  </a:extLst>
+                </a:gridCol>
+                <a:gridCol w="651520">
+                  <a:extLst>
+                    <a:ext uri="{9D8B030D-6E8A-4147-A177-3AD203B41FA5}">
+                      <a16:colId xmlns:a16="http://schemas.microsoft.com/office/drawing/2014/main" val="1964090602"/>
+                    </a:ext>
+                  </a:extLst>
+                </a:gridCol>
+                <a:gridCol w="651520">
+                  <a:extLst>
+                    <a:ext uri="{9D8B030D-6E8A-4147-A177-3AD203B41FA5}">
+                      <a16:colId xmlns:a16="http://schemas.microsoft.com/office/drawing/2014/main" val="2337304450"/>
+                    </a:ext>
+                  </a:extLst>
+                </a:gridCol>
+              </a:tblGrid>
+              <a:tr h="350818">
+                <a:tc>
+                  <a:txBody>
+                    <a:bodyPr/>
+                    <a:lstStyle/>
+                    <a:p>
+                      <a:pPr algn="ctr" fontAlgn="b"/>
+                      <a:r>
+                        <a:rPr lang="en-NZ" sz="1400" b="0" u="none" strike="noStrike" dirty="0">
+                          <a:effectLst/>
+                          <a:latin typeface="Comic Sans MS" panose="030F0702030302020204" pitchFamily="66" charset="0"/>
+                        </a:rPr>
+                        <a:t>Rad (Gy)</a:t>
+                      </a:r>
+                      <a:endParaRPr lang="en-NZ" sz="1400" b="0" i="0" u="none" strike="noStrike" dirty="0">
+                        <a:solidFill>
+                          <a:srgbClr val="000000"/>
+                        </a:solidFill>
+                        <a:effectLst/>
+                        <a:latin typeface="Comic Sans MS" panose="030F0702030302020204" pitchFamily="66" charset="0"/>
+                      </a:endParaRPr>
+                    </a:p>
+                  </a:txBody>
+                  <a:tcPr marL="0" marR="0" marT="0" marB="0" anchor="b"/>
+                </a:tc>
+                <a:tc>
+                  <a:txBody>
+                    <a:bodyPr/>
+                    <a:lstStyle/>
+                    <a:p>
+                      <a:pPr algn="ctr" fontAlgn="b"/>
+                      <a:r>
+                        <a:rPr lang="en-NZ" sz="1400" b="0" u="none" strike="noStrike" dirty="0">
+                          <a:effectLst/>
+                          <a:latin typeface="Comic Sans MS" panose="030F0702030302020204" pitchFamily="66" charset="0"/>
+                        </a:rPr>
+                        <a:t>G1</a:t>
+                      </a:r>
+                      <a:endParaRPr lang="en-NZ" sz="1400" b="0" i="0" u="none" strike="noStrike" dirty="0">
+                        <a:solidFill>
+                          <a:srgbClr val="000000"/>
+                        </a:solidFill>
+                        <a:effectLst/>
+                        <a:latin typeface="Comic Sans MS" panose="030F0702030302020204" pitchFamily="66" charset="0"/>
+                      </a:endParaRPr>
+                    </a:p>
+                  </a:txBody>
+                  <a:tcPr marL="0" marR="0" marT="0" marB="0" anchor="b"/>
+                </a:tc>
+                <a:tc>
+                  <a:txBody>
+                    <a:bodyPr/>
+                    <a:lstStyle/>
+                    <a:p>
+                      <a:pPr algn="ctr" fontAlgn="b"/>
+                      <a:r>
+                        <a:rPr lang="en-NZ" sz="1400" b="0" u="none" strike="noStrike" dirty="0">
+                          <a:effectLst/>
+                          <a:latin typeface="Comic Sans MS" panose="030F0702030302020204" pitchFamily="66" charset="0"/>
+                        </a:rPr>
+                        <a:t>S</a:t>
+                      </a:r>
+                      <a:endParaRPr lang="en-NZ" sz="1400" b="0" i="0" u="none" strike="noStrike" dirty="0">
+                        <a:solidFill>
+                          <a:srgbClr val="000000"/>
+                        </a:solidFill>
+                        <a:effectLst/>
+                        <a:latin typeface="Comic Sans MS" panose="030F0702030302020204" pitchFamily="66" charset="0"/>
+                      </a:endParaRPr>
+                    </a:p>
+                  </a:txBody>
+                  <a:tcPr marL="0" marR="0" marT="0" marB="0" anchor="b"/>
+                </a:tc>
+                <a:tc>
+                  <a:txBody>
+                    <a:bodyPr/>
+                    <a:lstStyle/>
+                    <a:p>
+                      <a:pPr algn="ctr" fontAlgn="b"/>
+                      <a:r>
+                        <a:rPr lang="en-NZ" sz="1400" b="0" u="none" strike="noStrike" dirty="0">
+                          <a:effectLst/>
+                          <a:latin typeface="Comic Sans MS" panose="030F0702030302020204" pitchFamily="66" charset="0"/>
+                        </a:rPr>
+                        <a:t>G2</a:t>
+                      </a:r>
+                      <a:endParaRPr lang="en-NZ" sz="1400" b="0" i="0" u="none" strike="noStrike" dirty="0">
+                        <a:solidFill>
+                          <a:srgbClr val="000000"/>
+                        </a:solidFill>
+                        <a:effectLst/>
+                        <a:latin typeface="Comic Sans MS" panose="030F0702030302020204" pitchFamily="66" charset="0"/>
+                      </a:endParaRPr>
+                    </a:p>
+                  </a:txBody>
+                  <a:tcPr marL="0" marR="0" marT="0" marB="0" anchor="b"/>
+                </a:tc>
+                <a:extLst>
+                  <a:ext uri="{0D108BD9-81ED-4DB2-BD59-A6C34878D82A}">
+                    <a16:rowId xmlns:a16="http://schemas.microsoft.com/office/drawing/2014/main" val="2765767569"/>
+                  </a:ext>
+                </a:extLst>
+              </a:tr>
+              <a:tr h="210349">
+                <a:tc>
+                  <a:txBody>
+                    <a:bodyPr/>
+                    <a:lstStyle/>
+                    <a:p>
+                      <a:pPr algn="ctr" fontAlgn="b"/>
+                      <a:r>
+                        <a:rPr lang="en-NZ" sz="1400" b="0" u="none" strike="noStrike">
+                          <a:effectLst/>
+                          <a:latin typeface="Comic Sans MS" panose="030F0702030302020204" pitchFamily="66" charset="0"/>
+                        </a:rPr>
+                        <a:t>0</a:t>
+                      </a:r>
+                      <a:endParaRPr lang="en-NZ" sz="1400" b="0" i="0" u="none" strike="noStrike">
+                        <a:solidFill>
+                          <a:srgbClr val="000000"/>
+                        </a:solidFill>
+                        <a:effectLst/>
+                        <a:latin typeface="Comic Sans MS" panose="030F0702030302020204" pitchFamily="66" charset="0"/>
+                      </a:endParaRPr>
+                    </a:p>
+                  </a:txBody>
+                  <a:tcPr marL="0" marR="0" marT="0" marB="0" anchor="b"/>
+                </a:tc>
+                <a:tc>
+                  <a:txBody>
+                    <a:bodyPr/>
+                    <a:lstStyle/>
+                    <a:p>
+                      <a:pPr algn="r" fontAlgn="b"/>
+                      <a:r>
+                        <a:rPr lang="en-NZ" sz="1100" b="0" i="0" u="none" strike="noStrike">
+                          <a:solidFill>
+                            <a:srgbClr val="000000"/>
+                          </a:solidFill>
+                          <a:effectLst/>
+                          <a:latin typeface="Comic Sans MS" panose="030F0702030302020204" pitchFamily="66" charset="0"/>
+                        </a:rPr>
+                        <a:t>40260</a:t>
+                      </a:r>
+                    </a:p>
+                  </a:txBody>
+                  <a:tcPr marL="9525" marR="9525" marT="9525" marB="0" anchor="b"/>
+                </a:tc>
+                <a:tc>
+                  <a:txBody>
+                    <a:bodyPr/>
+                    <a:lstStyle/>
+                    <a:p>
+                      <a:pPr algn="r" fontAlgn="b"/>
+                      <a:r>
+                        <a:rPr lang="en-NZ" sz="1100" b="0" i="0" u="none" strike="noStrike">
+                          <a:solidFill>
+                            <a:srgbClr val="000000"/>
+                          </a:solidFill>
+                          <a:effectLst/>
+                          <a:latin typeface="Comic Sans MS" panose="030F0702030302020204" pitchFamily="66" charset="0"/>
+                        </a:rPr>
+                        <a:t>976000</a:t>
+                      </a:r>
+                    </a:p>
+                  </a:txBody>
+                  <a:tcPr marL="9525" marR="9525" marT="9525" marB="0" anchor="b"/>
+                </a:tc>
+                <a:tc>
+                  <a:txBody>
+                    <a:bodyPr/>
+                    <a:lstStyle/>
+                    <a:p>
+                      <a:pPr algn="r" fontAlgn="b"/>
+                      <a:r>
+                        <a:rPr lang="en-NZ" sz="1100" b="0" i="0" u="none" strike="noStrike">
+                          <a:solidFill>
+                            <a:srgbClr val="000000"/>
+                          </a:solidFill>
+                          <a:effectLst/>
+                          <a:latin typeface="Comic Sans MS" panose="030F0702030302020204" pitchFamily="66" charset="0"/>
+                        </a:rPr>
+                        <a:t>69105</a:t>
+                      </a:r>
+                    </a:p>
+                  </a:txBody>
+                  <a:tcPr marL="9525" marR="9525" marT="9525" marB="0" anchor="b"/>
+                </a:tc>
+                <a:extLst>
+                  <a:ext uri="{0D108BD9-81ED-4DB2-BD59-A6C34878D82A}">
+                    <a16:rowId xmlns:a16="http://schemas.microsoft.com/office/drawing/2014/main" val="550385731"/>
+                  </a:ext>
+                </a:extLst>
+              </a:tr>
+              <a:tr h="210349">
+                <a:tc>
+                  <a:txBody>
+                    <a:bodyPr/>
+                    <a:lstStyle/>
+                    <a:p>
+                      <a:pPr algn="ctr" fontAlgn="b"/>
+                      <a:r>
+                        <a:rPr lang="en-NZ" sz="1400" b="0" u="none" strike="noStrike">
+                          <a:effectLst/>
+                          <a:latin typeface="Comic Sans MS" panose="030F0702030302020204" pitchFamily="66" charset="0"/>
+                        </a:rPr>
+                        <a:t>2</a:t>
+                      </a:r>
+                      <a:endParaRPr lang="en-NZ" sz="1400" b="0" i="0" u="none" strike="noStrike">
+                        <a:solidFill>
+                          <a:srgbClr val="000000"/>
+                        </a:solidFill>
+                        <a:effectLst/>
+                        <a:latin typeface="Comic Sans MS" panose="030F0702030302020204" pitchFamily="66" charset="0"/>
+                      </a:endParaRPr>
+                    </a:p>
+                  </a:txBody>
+                  <a:tcPr marL="0" marR="0" marT="0" marB="0" anchor="b"/>
+                </a:tc>
+                <a:tc>
+                  <a:txBody>
+                    <a:bodyPr/>
+                    <a:lstStyle/>
+                    <a:p>
+                      <a:pPr algn="r" fontAlgn="b"/>
+                      <a:r>
+                        <a:rPr lang="en-NZ" sz="1100" b="0" i="0" u="none" strike="noStrike">
+                          <a:solidFill>
+                            <a:srgbClr val="000000"/>
+                          </a:solidFill>
+                          <a:effectLst/>
+                          <a:latin typeface="Comic Sans MS" panose="030F0702030302020204" pitchFamily="66" charset="0"/>
+                        </a:rPr>
+                        <a:t>40181</a:t>
+                      </a:r>
+                    </a:p>
+                  </a:txBody>
+                  <a:tcPr marL="9525" marR="9525" marT="9525" marB="0" anchor="b"/>
+                </a:tc>
+                <a:tc>
+                  <a:txBody>
+                    <a:bodyPr/>
+                    <a:lstStyle/>
+                    <a:p>
+                      <a:pPr algn="r" fontAlgn="b"/>
+                      <a:r>
+                        <a:rPr lang="en-NZ" sz="1100" b="0" i="0" u="none" strike="noStrike">
+                          <a:solidFill>
+                            <a:srgbClr val="000000"/>
+                          </a:solidFill>
+                          <a:effectLst/>
+                          <a:latin typeface="Comic Sans MS" panose="030F0702030302020204" pitchFamily="66" charset="0"/>
+                        </a:rPr>
+                        <a:t>1090000</a:t>
+                      </a:r>
+                    </a:p>
+                  </a:txBody>
+                  <a:tcPr marL="9525" marR="9525" marT="9525" marB="0" anchor="b"/>
+                </a:tc>
+                <a:tc>
+                  <a:txBody>
+                    <a:bodyPr/>
+                    <a:lstStyle/>
+                    <a:p>
+                      <a:pPr algn="r" fontAlgn="b"/>
+                      <a:r>
+                        <a:rPr lang="en-NZ" sz="1100" b="0" i="0" u="none" strike="noStrike">
+                          <a:solidFill>
+                            <a:srgbClr val="000000"/>
+                          </a:solidFill>
+                          <a:effectLst/>
+                          <a:latin typeface="Comic Sans MS" panose="030F0702030302020204" pitchFamily="66" charset="0"/>
+                        </a:rPr>
+                        <a:t>64828</a:t>
+                      </a:r>
+                    </a:p>
+                  </a:txBody>
+                  <a:tcPr marL="9525" marR="9525" marT="9525" marB="0" anchor="b"/>
+                </a:tc>
+                <a:extLst>
+                  <a:ext uri="{0D108BD9-81ED-4DB2-BD59-A6C34878D82A}">
+                    <a16:rowId xmlns:a16="http://schemas.microsoft.com/office/drawing/2014/main" val="1057367338"/>
+                  </a:ext>
+                </a:extLst>
+              </a:tr>
+              <a:tr h="210349">
+                <a:tc>
+                  <a:txBody>
+                    <a:bodyPr/>
+                    <a:lstStyle/>
+                    <a:p>
+                      <a:pPr algn="ctr" fontAlgn="b"/>
+                      <a:r>
+                        <a:rPr lang="en-NZ" sz="1400" b="0" u="none" strike="noStrike">
+                          <a:effectLst/>
+                          <a:latin typeface="Comic Sans MS" panose="030F0702030302020204" pitchFamily="66" charset="0"/>
+                        </a:rPr>
+                        <a:t>4</a:t>
+                      </a:r>
+                      <a:endParaRPr lang="en-NZ" sz="1400" b="0" i="0" u="none" strike="noStrike">
+                        <a:solidFill>
+                          <a:srgbClr val="000000"/>
+                        </a:solidFill>
+                        <a:effectLst/>
+                        <a:latin typeface="Comic Sans MS" panose="030F0702030302020204" pitchFamily="66" charset="0"/>
+                      </a:endParaRPr>
+                    </a:p>
+                  </a:txBody>
+                  <a:tcPr marL="0" marR="0" marT="0" marB="0" anchor="b"/>
+                </a:tc>
+                <a:tc>
+                  <a:txBody>
+                    <a:bodyPr/>
+                    <a:lstStyle/>
+                    <a:p>
+                      <a:pPr algn="r" fontAlgn="b"/>
+                      <a:r>
+                        <a:rPr lang="en-NZ" sz="1100" b="0" i="0" u="none" strike="noStrike">
+                          <a:solidFill>
+                            <a:srgbClr val="000000"/>
+                          </a:solidFill>
+                          <a:effectLst/>
+                          <a:latin typeface="Comic Sans MS" panose="030F0702030302020204" pitchFamily="66" charset="0"/>
+                        </a:rPr>
+                        <a:t>50156</a:t>
+                      </a:r>
+                    </a:p>
+                  </a:txBody>
+                  <a:tcPr marL="9525" marR="9525" marT="9525" marB="0" anchor="b"/>
+                </a:tc>
+                <a:tc>
+                  <a:txBody>
+                    <a:bodyPr/>
+                    <a:lstStyle/>
+                    <a:p>
+                      <a:pPr algn="r" fontAlgn="b"/>
+                      <a:r>
+                        <a:rPr lang="en-NZ" sz="1100" b="0" i="0" u="none" strike="noStrike">
+                          <a:solidFill>
+                            <a:srgbClr val="000000"/>
+                          </a:solidFill>
+                          <a:effectLst/>
+                          <a:latin typeface="Comic Sans MS" panose="030F0702030302020204" pitchFamily="66" charset="0"/>
+                        </a:rPr>
+                        <a:t>1435000</a:t>
+                      </a:r>
+                    </a:p>
+                  </a:txBody>
+                  <a:tcPr marL="9525" marR="9525" marT="9525" marB="0" anchor="b"/>
+                </a:tc>
+                <a:tc>
+                  <a:txBody>
+                    <a:bodyPr/>
+                    <a:lstStyle/>
+                    <a:p>
+                      <a:pPr algn="r" fontAlgn="b"/>
+                      <a:r>
+                        <a:rPr lang="en-NZ" sz="1100" b="0" i="0" u="none" strike="noStrike">
+                          <a:solidFill>
+                            <a:srgbClr val="000000"/>
+                          </a:solidFill>
+                          <a:effectLst/>
+                          <a:latin typeface="Comic Sans MS" panose="030F0702030302020204" pitchFamily="66" charset="0"/>
+                        </a:rPr>
+                        <a:t>80990</a:t>
+                      </a:r>
+                    </a:p>
+                  </a:txBody>
+                  <a:tcPr marL="9525" marR="9525" marT="9525" marB="0" anchor="b"/>
+                </a:tc>
+                <a:extLst>
+                  <a:ext uri="{0D108BD9-81ED-4DB2-BD59-A6C34878D82A}">
+                    <a16:rowId xmlns:a16="http://schemas.microsoft.com/office/drawing/2014/main" val="1606945285"/>
+                  </a:ext>
+                </a:extLst>
+              </a:tr>
+              <a:tr h="210349">
+                <a:tc>
+                  <a:txBody>
+                    <a:bodyPr/>
+                    <a:lstStyle/>
+                    <a:p>
+                      <a:pPr algn="ctr" fontAlgn="b"/>
+                      <a:r>
+                        <a:rPr lang="en-NZ" sz="1400" b="0" u="none" strike="noStrike">
+                          <a:effectLst/>
+                          <a:latin typeface="Comic Sans MS" panose="030F0702030302020204" pitchFamily="66" charset="0"/>
+                        </a:rPr>
+                        <a:t>6</a:t>
+                      </a:r>
+                      <a:endParaRPr lang="en-NZ" sz="1400" b="0" i="0" u="none" strike="noStrike">
+                        <a:solidFill>
+                          <a:srgbClr val="000000"/>
+                        </a:solidFill>
+                        <a:effectLst/>
+                        <a:latin typeface="Comic Sans MS" panose="030F0702030302020204" pitchFamily="66" charset="0"/>
+                      </a:endParaRPr>
+                    </a:p>
+                  </a:txBody>
+                  <a:tcPr marL="0" marR="0" marT="0" marB="0" anchor="b"/>
+                </a:tc>
+                <a:tc>
+                  <a:txBody>
+                    <a:bodyPr/>
+                    <a:lstStyle/>
+                    <a:p>
+                      <a:pPr algn="r" fontAlgn="b"/>
+                      <a:r>
+                        <a:rPr lang="en-NZ" sz="1100" b="0" i="0" u="none" strike="noStrike">
+                          <a:solidFill>
+                            <a:srgbClr val="000000"/>
+                          </a:solidFill>
+                          <a:effectLst/>
+                          <a:latin typeface="Comic Sans MS" panose="030F0702030302020204" pitchFamily="66" charset="0"/>
+                        </a:rPr>
+                        <a:t>43685</a:t>
+                      </a:r>
+                    </a:p>
+                  </a:txBody>
+                  <a:tcPr marL="9525" marR="9525" marT="9525" marB="0" anchor="b"/>
+                </a:tc>
+                <a:tc>
+                  <a:txBody>
+                    <a:bodyPr/>
+                    <a:lstStyle/>
+                    <a:p>
+                      <a:pPr algn="r" fontAlgn="b"/>
+                      <a:r>
+                        <a:rPr lang="en-NZ" sz="1100" b="0" i="0" u="none" strike="noStrike">
+                          <a:solidFill>
+                            <a:srgbClr val="000000"/>
+                          </a:solidFill>
+                          <a:effectLst/>
+                          <a:latin typeface="Comic Sans MS" panose="030F0702030302020204" pitchFamily="66" charset="0"/>
+                        </a:rPr>
+                        <a:t>1200000</a:t>
+                      </a:r>
+                    </a:p>
+                  </a:txBody>
+                  <a:tcPr marL="9525" marR="9525" marT="9525" marB="0" anchor="b"/>
+                </a:tc>
+                <a:tc>
+                  <a:txBody>
+                    <a:bodyPr/>
+                    <a:lstStyle/>
+                    <a:p>
+                      <a:pPr algn="r" fontAlgn="b"/>
+                      <a:r>
+                        <a:rPr lang="en-NZ" sz="1100" b="0" i="0" u="none" strike="noStrike" dirty="0">
+                          <a:solidFill>
+                            <a:srgbClr val="000000"/>
+                          </a:solidFill>
+                          <a:effectLst/>
+                          <a:latin typeface="Comic Sans MS" panose="030F0702030302020204" pitchFamily="66" charset="0"/>
+                        </a:rPr>
+                        <a:t>75137</a:t>
+                      </a:r>
+                    </a:p>
+                  </a:txBody>
+                  <a:tcPr marL="9525" marR="9525" marT="9525" marB="0" anchor="b"/>
+                </a:tc>
+                <a:extLst>
+                  <a:ext uri="{0D108BD9-81ED-4DB2-BD59-A6C34878D82A}">
+                    <a16:rowId xmlns:a16="http://schemas.microsoft.com/office/drawing/2014/main" val="650925711"/>
+                  </a:ext>
+                </a:extLst>
+              </a:tr>
+              <a:tr h="210349">
+                <a:tc>
+                  <a:txBody>
+                    <a:bodyPr/>
+                    <a:lstStyle/>
+                    <a:p>
+                      <a:pPr algn="ctr" fontAlgn="b"/>
+                      <a:r>
+                        <a:rPr lang="en-NZ" sz="1400" b="0" u="none" strike="noStrike" dirty="0">
+                          <a:effectLst/>
+                          <a:latin typeface="Comic Sans MS" panose="030F0702030302020204" pitchFamily="66" charset="0"/>
+                        </a:rPr>
+                        <a:t>8</a:t>
+                      </a:r>
+                      <a:endParaRPr lang="en-NZ" sz="1400" b="0" i="0" u="none" strike="noStrike" dirty="0">
+                        <a:solidFill>
+                          <a:srgbClr val="000000"/>
+                        </a:solidFill>
+                        <a:effectLst/>
+                        <a:latin typeface="Comic Sans MS" panose="030F0702030302020204" pitchFamily="66" charset="0"/>
+                      </a:endParaRPr>
+                    </a:p>
+                  </a:txBody>
+                  <a:tcPr marL="0" marR="0" marT="0" marB="0" anchor="b"/>
+                </a:tc>
+                <a:tc>
+                  <a:txBody>
+                    <a:bodyPr/>
+                    <a:lstStyle/>
+                    <a:p>
+                      <a:pPr algn="r" fontAlgn="b"/>
+                      <a:r>
+                        <a:rPr lang="en-NZ" sz="1100" b="0" i="0" u="none" strike="noStrike">
+                          <a:solidFill>
+                            <a:srgbClr val="000000"/>
+                          </a:solidFill>
+                          <a:effectLst/>
+                          <a:latin typeface="Comic Sans MS" panose="030F0702030302020204" pitchFamily="66" charset="0"/>
+                        </a:rPr>
+                        <a:t>47293</a:t>
+                      </a:r>
+                    </a:p>
+                  </a:txBody>
+                  <a:tcPr marL="9525" marR="9525" marT="9525" marB="0" anchor="b"/>
+                </a:tc>
+                <a:tc>
+                  <a:txBody>
+                    <a:bodyPr/>
+                    <a:lstStyle/>
+                    <a:p>
+                      <a:pPr algn="r" fontAlgn="b"/>
+                      <a:r>
+                        <a:rPr lang="en-NZ" sz="1100" b="0" i="0" u="none" strike="noStrike">
+                          <a:solidFill>
+                            <a:srgbClr val="000000"/>
+                          </a:solidFill>
+                          <a:effectLst/>
+                          <a:latin typeface="Comic Sans MS" panose="030F0702030302020204" pitchFamily="66" charset="0"/>
+                        </a:rPr>
+                        <a:t>1115000</a:t>
+                      </a:r>
+                    </a:p>
+                  </a:txBody>
+                  <a:tcPr marL="9525" marR="9525" marT="9525" marB="0" anchor="b"/>
+                </a:tc>
+                <a:tc>
+                  <a:txBody>
+                    <a:bodyPr/>
+                    <a:lstStyle/>
+                    <a:p>
+                      <a:pPr algn="r" fontAlgn="b"/>
+                      <a:r>
+                        <a:rPr lang="en-NZ" sz="1100" b="0" i="0" u="none" strike="noStrike" dirty="0">
+                          <a:solidFill>
+                            <a:srgbClr val="000000"/>
+                          </a:solidFill>
+                          <a:effectLst/>
+                          <a:latin typeface="Comic Sans MS" panose="030F0702030302020204" pitchFamily="66" charset="0"/>
+                        </a:rPr>
+                        <a:t>86098</a:t>
+                      </a:r>
+                    </a:p>
+                  </a:txBody>
+                  <a:tcPr marL="9525" marR="9525" marT="9525" marB="0" anchor="b"/>
+                </a:tc>
+                <a:extLst>
+                  <a:ext uri="{0D108BD9-81ED-4DB2-BD59-A6C34878D82A}">
+                    <a16:rowId xmlns:a16="http://schemas.microsoft.com/office/drawing/2014/main" val="1571413639"/>
+                  </a:ext>
+                </a:extLst>
+              </a:tr>
+            </a:tbl>
+          </a:graphicData>
+        </a:graphic>
+      </p:graphicFrame>
+      <p:graphicFrame>
+        <p:nvGraphicFramePr>
+          <p:cNvPr id="24" name="Table 23">
+            <a:extLst>
+              <a:ext uri="{FF2B5EF4-FFF2-40B4-BE49-F238E27FC236}">
+                <a16:creationId xmlns:a16="http://schemas.microsoft.com/office/drawing/2014/main" id="{335438CE-6A08-4D34-A1C3-33D3032C65D3}"/>
+              </a:ext>
+            </a:extLst>
+          </p:cNvPr>
+          <p:cNvGraphicFramePr>
+            <a:graphicFrameLocks noGrp="1"/>
+          </p:cNvGraphicFramePr>
+          <p:nvPr>
+            <p:extLst>
+              <p:ext uri="{D42A27DB-BD31-4B8C-83A1-F6EECF244321}">
+                <p14:modId xmlns:p14="http://schemas.microsoft.com/office/powerpoint/2010/main" val="558752581"/>
+              </p:ext>
+            </p:extLst>
+          </p:nvPr>
+        </p:nvGraphicFramePr>
+        <p:xfrm>
+          <a:off x="9121883" y="4481231"/>
+          <a:ext cx="2606080" cy="1493520"/>
+        </p:xfrm>
+        <a:graphic>
+          <a:graphicData uri="http://schemas.openxmlformats.org/drawingml/2006/table">
+            <a:tbl>
+              <a:tblPr>
+                <a:tableStyleId>{E8B1032C-EA38-4F05-BA0D-38AFFFC7BED3}</a:tableStyleId>
+              </a:tblPr>
+              <a:tblGrid>
+                <a:gridCol w="651520">
+                  <a:extLst>
+                    <a:ext uri="{9D8B030D-6E8A-4147-A177-3AD203B41FA5}">
+                      <a16:colId xmlns:a16="http://schemas.microsoft.com/office/drawing/2014/main" val="96190203"/>
+                    </a:ext>
+                  </a:extLst>
+                </a:gridCol>
+                <a:gridCol w="651520">
+                  <a:extLst>
+                    <a:ext uri="{9D8B030D-6E8A-4147-A177-3AD203B41FA5}">
+                      <a16:colId xmlns:a16="http://schemas.microsoft.com/office/drawing/2014/main" val="3673841729"/>
+                    </a:ext>
+                  </a:extLst>
+                </a:gridCol>
+                <a:gridCol w="651520">
+                  <a:extLst>
+                    <a:ext uri="{9D8B030D-6E8A-4147-A177-3AD203B41FA5}">
+                      <a16:colId xmlns:a16="http://schemas.microsoft.com/office/drawing/2014/main" val="1964090602"/>
+                    </a:ext>
+                  </a:extLst>
+                </a:gridCol>
+                <a:gridCol w="651520">
+                  <a:extLst>
+                    <a:ext uri="{9D8B030D-6E8A-4147-A177-3AD203B41FA5}">
+                      <a16:colId xmlns:a16="http://schemas.microsoft.com/office/drawing/2014/main" val="2337304450"/>
+                    </a:ext>
+                  </a:extLst>
+                </a:gridCol>
+              </a:tblGrid>
+              <a:tr h="350818">
+                <a:tc>
+                  <a:txBody>
+                    <a:bodyPr/>
+                    <a:lstStyle/>
+                    <a:p>
+                      <a:pPr algn="ctr" fontAlgn="b"/>
+                      <a:r>
+                        <a:rPr lang="en-NZ" sz="1400" b="0" u="none" strike="noStrike" dirty="0">
+                          <a:effectLst/>
+                          <a:latin typeface="Comic Sans MS" panose="030F0702030302020204" pitchFamily="66" charset="0"/>
+                        </a:rPr>
+                        <a:t>Rad (Gy)</a:t>
+                      </a:r>
+                      <a:endParaRPr lang="en-NZ" sz="1400" b="0" i="0" u="none" strike="noStrike" dirty="0">
+                        <a:solidFill>
+                          <a:srgbClr val="000000"/>
+                        </a:solidFill>
+                        <a:effectLst/>
+                        <a:latin typeface="Comic Sans MS" panose="030F0702030302020204" pitchFamily="66" charset="0"/>
+                      </a:endParaRPr>
+                    </a:p>
+                  </a:txBody>
+                  <a:tcPr marL="0" marR="0" marT="0" marB="0" anchor="b"/>
+                </a:tc>
+                <a:tc>
+                  <a:txBody>
+                    <a:bodyPr/>
+                    <a:lstStyle/>
+                    <a:p>
+                      <a:pPr algn="ctr" fontAlgn="b"/>
+                      <a:r>
+                        <a:rPr lang="en-NZ" sz="1400" b="0" u="none" strike="noStrike" dirty="0">
+                          <a:effectLst/>
+                          <a:latin typeface="Comic Sans MS" panose="030F0702030302020204" pitchFamily="66" charset="0"/>
+                        </a:rPr>
+                        <a:t>G1</a:t>
+                      </a:r>
+                      <a:endParaRPr lang="en-NZ" sz="1400" b="0" i="0" u="none" strike="noStrike" dirty="0">
+                        <a:solidFill>
+                          <a:srgbClr val="000000"/>
+                        </a:solidFill>
+                        <a:effectLst/>
+                        <a:latin typeface="Comic Sans MS" panose="030F0702030302020204" pitchFamily="66" charset="0"/>
+                      </a:endParaRPr>
+                    </a:p>
+                  </a:txBody>
+                  <a:tcPr marL="0" marR="0" marT="0" marB="0" anchor="b"/>
+                </a:tc>
+                <a:tc>
+                  <a:txBody>
+                    <a:bodyPr/>
+                    <a:lstStyle/>
+                    <a:p>
+                      <a:pPr algn="ctr" fontAlgn="b"/>
+                      <a:r>
+                        <a:rPr lang="en-NZ" sz="1400" b="0" u="none" strike="noStrike" dirty="0">
+                          <a:effectLst/>
+                          <a:latin typeface="Comic Sans MS" panose="030F0702030302020204" pitchFamily="66" charset="0"/>
+                        </a:rPr>
+                        <a:t>S</a:t>
+                      </a:r>
+                      <a:endParaRPr lang="en-NZ" sz="1400" b="0" i="0" u="none" strike="noStrike" dirty="0">
+                        <a:solidFill>
+                          <a:srgbClr val="000000"/>
+                        </a:solidFill>
+                        <a:effectLst/>
+                        <a:latin typeface="Comic Sans MS" panose="030F0702030302020204" pitchFamily="66" charset="0"/>
+                      </a:endParaRPr>
+                    </a:p>
+                  </a:txBody>
+                  <a:tcPr marL="0" marR="0" marT="0" marB="0" anchor="b"/>
+                </a:tc>
+                <a:tc>
+                  <a:txBody>
+                    <a:bodyPr/>
+                    <a:lstStyle/>
+                    <a:p>
+                      <a:pPr algn="ctr" fontAlgn="b"/>
+                      <a:r>
+                        <a:rPr lang="en-NZ" sz="1400" b="0" u="none" strike="noStrike" dirty="0">
+                          <a:effectLst/>
+                          <a:latin typeface="Comic Sans MS" panose="030F0702030302020204" pitchFamily="66" charset="0"/>
+                        </a:rPr>
+                        <a:t>G2</a:t>
+                      </a:r>
+                      <a:endParaRPr lang="en-NZ" sz="1400" b="0" i="0" u="none" strike="noStrike" dirty="0">
+                        <a:solidFill>
+                          <a:srgbClr val="000000"/>
+                        </a:solidFill>
+                        <a:effectLst/>
+                        <a:latin typeface="Comic Sans MS" panose="030F0702030302020204" pitchFamily="66" charset="0"/>
+                      </a:endParaRPr>
+                    </a:p>
+                  </a:txBody>
+                  <a:tcPr marL="0" marR="0" marT="0" marB="0" anchor="b"/>
+                </a:tc>
+                <a:extLst>
+                  <a:ext uri="{0D108BD9-81ED-4DB2-BD59-A6C34878D82A}">
+                    <a16:rowId xmlns:a16="http://schemas.microsoft.com/office/drawing/2014/main" val="2765767569"/>
+                  </a:ext>
+                </a:extLst>
+              </a:tr>
+              <a:tr h="210349">
+                <a:tc>
+                  <a:txBody>
+                    <a:bodyPr/>
+                    <a:lstStyle/>
+                    <a:p>
+                      <a:pPr algn="ctr" fontAlgn="b"/>
+                      <a:r>
+                        <a:rPr lang="en-NZ" sz="1400" b="0" u="none" strike="noStrike">
+                          <a:effectLst/>
+                          <a:latin typeface="Comic Sans MS" panose="030F0702030302020204" pitchFamily="66" charset="0"/>
+                        </a:rPr>
+                        <a:t>0</a:t>
+                      </a:r>
+                      <a:endParaRPr lang="en-NZ" sz="1400" b="0" i="0" u="none" strike="noStrike">
+                        <a:solidFill>
+                          <a:srgbClr val="000000"/>
+                        </a:solidFill>
+                        <a:effectLst/>
+                        <a:latin typeface="Comic Sans MS" panose="030F0702030302020204" pitchFamily="66" charset="0"/>
+                      </a:endParaRPr>
+                    </a:p>
+                  </a:txBody>
+                  <a:tcPr marL="0" marR="0" marT="0" marB="0" anchor="b"/>
+                </a:tc>
+                <a:tc>
+                  <a:txBody>
+                    <a:bodyPr/>
+                    <a:lstStyle/>
+                    <a:p>
+                      <a:pPr algn="r" fontAlgn="b"/>
+                      <a:r>
+                        <a:rPr lang="en-NZ" sz="1100" b="0" i="0" u="none" strike="noStrike">
+                          <a:solidFill>
+                            <a:srgbClr val="000000"/>
+                          </a:solidFill>
+                          <a:effectLst/>
+                          <a:latin typeface="Comic Sans MS" panose="030F0702030302020204" pitchFamily="66" charset="0"/>
+                        </a:rPr>
+                        <a:t>52251</a:t>
+                      </a:r>
+                    </a:p>
+                  </a:txBody>
+                  <a:tcPr marL="9525" marR="9525" marT="9525" marB="0" anchor="b"/>
+                </a:tc>
+                <a:tc>
+                  <a:txBody>
+                    <a:bodyPr/>
+                    <a:lstStyle/>
+                    <a:p>
+                      <a:pPr algn="r" fontAlgn="b"/>
+                      <a:r>
+                        <a:rPr lang="en-NZ" sz="1100" b="0" i="0" u="none" strike="noStrike">
+                          <a:solidFill>
+                            <a:srgbClr val="000000"/>
+                          </a:solidFill>
+                          <a:effectLst/>
+                          <a:latin typeface="Comic Sans MS" panose="030F0702030302020204" pitchFamily="66" charset="0"/>
+                        </a:rPr>
+                        <a:t>1031500</a:t>
+                      </a:r>
+                    </a:p>
+                  </a:txBody>
+                  <a:tcPr marL="9525" marR="9525" marT="9525" marB="0" anchor="b"/>
+                </a:tc>
+                <a:tc>
+                  <a:txBody>
+                    <a:bodyPr/>
+                    <a:lstStyle/>
+                    <a:p>
+                      <a:pPr algn="r" fontAlgn="b"/>
+                      <a:r>
+                        <a:rPr lang="en-NZ" sz="1100" b="0" i="0" u="none" strike="noStrike">
+                          <a:solidFill>
+                            <a:srgbClr val="000000"/>
+                          </a:solidFill>
+                          <a:effectLst/>
+                          <a:latin typeface="Comic Sans MS" panose="030F0702030302020204" pitchFamily="66" charset="0"/>
+                        </a:rPr>
+                        <a:t>70652</a:t>
+                      </a:r>
+                    </a:p>
+                  </a:txBody>
+                  <a:tcPr marL="9525" marR="9525" marT="9525" marB="0" anchor="b"/>
+                </a:tc>
+                <a:extLst>
+                  <a:ext uri="{0D108BD9-81ED-4DB2-BD59-A6C34878D82A}">
+                    <a16:rowId xmlns:a16="http://schemas.microsoft.com/office/drawing/2014/main" val="550385731"/>
+                  </a:ext>
+                </a:extLst>
+              </a:tr>
+              <a:tr h="210349">
+                <a:tc>
+                  <a:txBody>
+                    <a:bodyPr/>
+                    <a:lstStyle/>
+                    <a:p>
+                      <a:pPr algn="ctr" fontAlgn="b"/>
+                      <a:r>
+                        <a:rPr lang="en-NZ" sz="1400" b="0" u="none" strike="noStrike">
+                          <a:effectLst/>
+                          <a:latin typeface="Comic Sans MS" panose="030F0702030302020204" pitchFamily="66" charset="0"/>
+                        </a:rPr>
+                        <a:t>2</a:t>
+                      </a:r>
+                      <a:endParaRPr lang="en-NZ" sz="1400" b="0" i="0" u="none" strike="noStrike">
+                        <a:solidFill>
+                          <a:srgbClr val="000000"/>
+                        </a:solidFill>
+                        <a:effectLst/>
+                        <a:latin typeface="Comic Sans MS" panose="030F0702030302020204" pitchFamily="66" charset="0"/>
+                      </a:endParaRPr>
+                    </a:p>
+                  </a:txBody>
+                  <a:tcPr marL="0" marR="0" marT="0" marB="0" anchor="b"/>
+                </a:tc>
+                <a:tc>
+                  <a:txBody>
+                    <a:bodyPr/>
+                    <a:lstStyle/>
+                    <a:p>
+                      <a:pPr algn="r" fontAlgn="b"/>
+                      <a:r>
+                        <a:rPr lang="en-NZ" sz="1100" b="0" i="0" u="none" strike="noStrike">
+                          <a:solidFill>
+                            <a:srgbClr val="000000"/>
+                          </a:solidFill>
+                          <a:effectLst/>
+                          <a:latin typeface="Comic Sans MS" panose="030F0702030302020204" pitchFamily="66" charset="0"/>
+                        </a:rPr>
+                        <a:t>60630</a:t>
+                      </a:r>
+                    </a:p>
+                  </a:txBody>
+                  <a:tcPr marL="9525" marR="9525" marT="9525" marB="0" anchor="b"/>
+                </a:tc>
+                <a:tc>
+                  <a:txBody>
+                    <a:bodyPr/>
+                    <a:lstStyle/>
+                    <a:p>
+                      <a:pPr algn="r" fontAlgn="b"/>
+                      <a:r>
+                        <a:rPr lang="en-NZ" sz="1100" b="0" i="0" u="none" strike="noStrike">
+                          <a:solidFill>
+                            <a:srgbClr val="000000"/>
+                          </a:solidFill>
+                          <a:effectLst/>
+                          <a:latin typeface="Comic Sans MS" panose="030F0702030302020204" pitchFamily="66" charset="0"/>
+                        </a:rPr>
+                        <a:t>1320000</a:t>
+                      </a:r>
+                    </a:p>
+                  </a:txBody>
+                  <a:tcPr marL="9525" marR="9525" marT="9525" marB="0" anchor="b"/>
+                </a:tc>
+                <a:tc>
+                  <a:txBody>
+                    <a:bodyPr/>
+                    <a:lstStyle/>
+                    <a:p>
+                      <a:pPr algn="r" fontAlgn="b"/>
+                      <a:r>
+                        <a:rPr lang="en-NZ" sz="1100" b="0" i="0" u="none" strike="noStrike">
+                          <a:solidFill>
+                            <a:srgbClr val="000000"/>
+                          </a:solidFill>
+                          <a:effectLst/>
+                          <a:latin typeface="Comic Sans MS" panose="030F0702030302020204" pitchFamily="66" charset="0"/>
+                        </a:rPr>
+                        <a:t>91296</a:t>
+                      </a:r>
+                    </a:p>
+                  </a:txBody>
+                  <a:tcPr marL="9525" marR="9525" marT="9525" marB="0" anchor="b"/>
+                </a:tc>
+                <a:extLst>
+                  <a:ext uri="{0D108BD9-81ED-4DB2-BD59-A6C34878D82A}">
+                    <a16:rowId xmlns:a16="http://schemas.microsoft.com/office/drawing/2014/main" val="1057367338"/>
+                  </a:ext>
+                </a:extLst>
+              </a:tr>
+              <a:tr h="210349">
+                <a:tc>
+                  <a:txBody>
+                    <a:bodyPr/>
+                    <a:lstStyle/>
+                    <a:p>
+                      <a:pPr algn="ctr" fontAlgn="b"/>
+                      <a:r>
+                        <a:rPr lang="en-NZ" sz="1400" b="0" u="none" strike="noStrike">
+                          <a:effectLst/>
+                          <a:latin typeface="Comic Sans MS" panose="030F0702030302020204" pitchFamily="66" charset="0"/>
+                        </a:rPr>
+                        <a:t>4</a:t>
+                      </a:r>
+                      <a:endParaRPr lang="en-NZ" sz="1400" b="0" i="0" u="none" strike="noStrike">
+                        <a:solidFill>
+                          <a:srgbClr val="000000"/>
+                        </a:solidFill>
+                        <a:effectLst/>
+                        <a:latin typeface="Comic Sans MS" panose="030F0702030302020204" pitchFamily="66" charset="0"/>
+                      </a:endParaRPr>
+                    </a:p>
+                  </a:txBody>
+                  <a:tcPr marL="0" marR="0" marT="0" marB="0" anchor="b"/>
+                </a:tc>
+                <a:tc>
+                  <a:txBody>
+                    <a:bodyPr/>
+                    <a:lstStyle/>
+                    <a:p>
+                      <a:pPr algn="r" fontAlgn="b"/>
+                      <a:r>
+                        <a:rPr lang="en-NZ" sz="1100" b="0" i="0" u="none" strike="noStrike">
+                          <a:solidFill>
+                            <a:srgbClr val="000000"/>
+                          </a:solidFill>
+                          <a:effectLst/>
+                          <a:latin typeface="Comic Sans MS" panose="030F0702030302020204" pitchFamily="66" charset="0"/>
+                        </a:rPr>
+                        <a:t>73512</a:t>
+                      </a:r>
+                    </a:p>
+                  </a:txBody>
+                  <a:tcPr marL="9525" marR="9525" marT="9525" marB="0" anchor="b"/>
+                </a:tc>
+                <a:tc>
+                  <a:txBody>
+                    <a:bodyPr/>
+                    <a:lstStyle/>
+                    <a:p>
+                      <a:pPr algn="r" fontAlgn="b"/>
+                      <a:r>
+                        <a:rPr lang="en-NZ" sz="1100" b="0" i="0" u="none" strike="noStrike">
+                          <a:solidFill>
+                            <a:srgbClr val="000000"/>
+                          </a:solidFill>
+                          <a:effectLst/>
+                          <a:latin typeface="Comic Sans MS" panose="030F0702030302020204" pitchFamily="66" charset="0"/>
+                        </a:rPr>
+                        <a:t>1270000</a:t>
+                      </a:r>
+                    </a:p>
+                  </a:txBody>
+                  <a:tcPr marL="9525" marR="9525" marT="9525" marB="0" anchor="b"/>
+                </a:tc>
+                <a:tc>
+                  <a:txBody>
+                    <a:bodyPr/>
+                    <a:lstStyle/>
+                    <a:p>
+                      <a:pPr algn="r" fontAlgn="b"/>
+                      <a:r>
+                        <a:rPr lang="en-NZ" sz="1100" b="0" i="0" u="none" strike="noStrike">
+                          <a:solidFill>
+                            <a:srgbClr val="000000"/>
+                          </a:solidFill>
+                          <a:effectLst/>
+                          <a:latin typeface="Comic Sans MS" panose="030F0702030302020204" pitchFamily="66" charset="0"/>
+                        </a:rPr>
+                        <a:t>96049</a:t>
+                      </a:r>
+                    </a:p>
+                  </a:txBody>
+                  <a:tcPr marL="9525" marR="9525" marT="9525" marB="0" anchor="b"/>
+                </a:tc>
+                <a:extLst>
+                  <a:ext uri="{0D108BD9-81ED-4DB2-BD59-A6C34878D82A}">
+                    <a16:rowId xmlns:a16="http://schemas.microsoft.com/office/drawing/2014/main" val="1606945285"/>
+                  </a:ext>
+                </a:extLst>
+              </a:tr>
+              <a:tr h="210349">
+                <a:tc>
+                  <a:txBody>
+                    <a:bodyPr/>
+                    <a:lstStyle/>
+                    <a:p>
+                      <a:pPr algn="ctr" fontAlgn="b"/>
+                      <a:r>
+                        <a:rPr lang="en-NZ" sz="1400" b="0" u="none" strike="noStrike">
+                          <a:effectLst/>
+                          <a:latin typeface="Comic Sans MS" panose="030F0702030302020204" pitchFamily="66" charset="0"/>
+                        </a:rPr>
+                        <a:t>6</a:t>
+                      </a:r>
+                      <a:endParaRPr lang="en-NZ" sz="1400" b="0" i="0" u="none" strike="noStrike">
+                        <a:solidFill>
+                          <a:srgbClr val="000000"/>
+                        </a:solidFill>
+                        <a:effectLst/>
+                        <a:latin typeface="Comic Sans MS" panose="030F0702030302020204" pitchFamily="66" charset="0"/>
+                      </a:endParaRPr>
+                    </a:p>
+                  </a:txBody>
+                  <a:tcPr marL="0" marR="0" marT="0" marB="0" anchor="b"/>
+                </a:tc>
+                <a:tc>
+                  <a:txBody>
+                    <a:bodyPr/>
+                    <a:lstStyle/>
+                    <a:p>
+                      <a:pPr algn="r" fontAlgn="b"/>
+                      <a:r>
+                        <a:rPr lang="en-NZ" sz="1100" b="0" i="0" u="none" strike="noStrike">
+                          <a:solidFill>
+                            <a:srgbClr val="000000"/>
+                          </a:solidFill>
+                          <a:effectLst/>
+                          <a:latin typeface="Comic Sans MS" panose="030F0702030302020204" pitchFamily="66" charset="0"/>
+                        </a:rPr>
+                        <a:t>70817</a:t>
+                      </a:r>
+                    </a:p>
+                  </a:txBody>
+                  <a:tcPr marL="9525" marR="9525" marT="9525" marB="0" anchor="b"/>
+                </a:tc>
+                <a:tc>
+                  <a:txBody>
+                    <a:bodyPr/>
+                    <a:lstStyle/>
+                    <a:p>
+                      <a:pPr algn="r" fontAlgn="b"/>
+                      <a:r>
+                        <a:rPr lang="en-NZ" sz="1100" b="0" i="0" u="none" strike="noStrike" dirty="0">
+                          <a:solidFill>
+                            <a:srgbClr val="000000"/>
+                          </a:solidFill>
+                          <a:effectLst/>
+                          <a:latin typeface="Comic Sans MS" panose="030F0702030302020204" pitchFamily="66" charset="0"/>
+                        </a:rPr>
+                        <a:t>1052500</a:t>
+                      </a:r>
+                    </a:p>
+                  </a:txBody>
+                  <a:tcPr marL="9525" marR="9525" marT="9525" marB="0" anchor="b"/>
+                </a:tc>
+                <a:tc>
+                  <a:txBody>
+                    <a:bodyPr/>
+                    <a:lstStyle/>
+                    <a:p>
+                      <a:pPr algn="r" fontAlgn="b"/>
+                      <a:r>
+                        <a:rPr lang="en-NZ" sz="1100" b="0" i="0" u="none" strike="noStrike">
+                          <a:solidFill>
+                            <a:srgbClr val="000000"/>
+                          </a:solidFill>
+                          <a:effectLst/>
+                          <a:latin typeface="Comic Sans MS" panose="030F0702030302020204" pitchFamily="66" charset="0"/>
+                        </a:rPr>
+                        <a:t>85455</a:t>
+                      </a:r>
+                    </a:p>
+                  </a:txBody>
+                  <a:tcPr marL="9525" marR="9525" marT="9525" marB="0" anchor="b"/>
+                </a:tc>
+                <a:extLst>
+                  <a:ext uri="{0D108BD9-81ED-4DB2-BD59-A6C34878D82A}">
+                    <a16:rowId xmlns:a16="http://schemas.microsoft.com/office/drawing/2014/main" val="650925711"/>
+                  </a:ext>
+                </a:extLst>
+              </a:tr>
+              <a:tr h="210349">
+                <a:tc>
+                  <a:txBody>
+                    <a:bodyPr/>
+                    <a:lstStyle/>
+                    <a:p>
+                      <a:pPr algn="ctr" fontAlgn="b"/>
+                      <a:r>
+                        <a:rPr lang="en-NZ" sz="1400" b="0" u="none" strike="noStrike" dirty="0">
+                          <a:effectLst/>
+                          <a:latin typeface="Comic Sans MS" panose="030F0702030302020204" pitchFamily="66" charset="0"/>
+                        </a:rPr>
+                        <a:t>8</a:t>
+                      </a:r>
+                      <a:endParaRPr lang="en-NZ" sz="1400" b="0" i="0" u="none" strike="noStrike" dirty="0">
+                        <a:solidFill>
+                          <a:srgbClr val="000000"/>
+                        </a:solidFill>
+                        <a:effectLst/>
+                        <a:latin typeface="Comic Sans MS" panose="030F0702030302020204" pitchFamily="66" charset="0"/>
+                      </a:endParaRPr>
+                    </a:p>
+                  </a:txBody>
+                  <a:tcPr marL="0" marR="0" marT="0" marB="0" anchor="b"/>
+                </a:tc>
+                <a:tc>
+                  <a:txBody>
+                    <a:bodyPr/>
+                    <a:lstStyle/>
+                    <a:p>
+                      <a:pPr algn="r" fontAlgn="b"/>
+                      <a:r>
+                        <a:rPr lang="en-NZ" sz="1100" b="0" i="0" u="none" strike="noStrike">
+                          <a:solidFill>
+                            <a:srgbClr val="000000"/>
+                          </a:solidFill>
+                          <a:effectLst/>
+                          <a:latin typeface="Comic Sans MS" panose="030F0702030302020204" pitchFamily="66" charset="0"/>
+                        </a:rPr>
+                        <a:t>61482</a:t>
+                      </a:r>
+                    </a:p>
+                  </a:txBody>
+                  <a:tcPr marL="9525" marR="9525" marT="9525" marB="0" anchor="b"/>
+                </a:tc>
+                <a:tc>
+                  <a:txBody>
+                    <a:bodyPr/>
+                    <a:lstStyle/>
+                    <a:p>
+                      <a:pPr algn="r" fontAlgn="b"/>
+                      <a:r>
+                        <a:rPr lang="en-NZ" sz="1100" b="0" i="0" u="none" strike="noStrike">
+                          <a:solidFill>
+                            <a:srgbClr val="000000"/>
+                          </a:solidFill>
+                          <a:effectLst/>
+                          <a:latin typeface="Comic Sans MS" panose="030F0702030302020204" pitchFamily="66" charset="0"/>
+                        </a:rPr>
+                        <a:t>1160000</a:t>
+                      </a:r>
+                    </a:p>
+                  </a:txBody>
+                  <a:tcPr marL="9525" marR="9525" marT="9525" marB="0" anchor="b"/>
+                </a:tc>
+                <a:tc>
+                  <a:txBody>
+                    <a:bodyPr/>
+                    <a:lstStyle/>
+                    <a:p>
+                      <a:pPr algn="r" fontAlgn="b"/>
+                      <a:r>
+                        <a:rPr lang="en-NZ" sz="1100" b="0" i="0" u="none" strike="noStrike" dirty="0">
+                          <a:solidFill>
+                            <a:srgbClr val="000000"/>
+                          </a:solidFill>
+                          <a:effectLst/>
+                          <a:latin typeface="Comic Sans MS" panose="030F0702030302020204" pitchFamily="66" charset="0"/>
+                        </a:rPr>
+                        <a:t>74556</a:t>
+                      </a:r>
+                    </a:p>
+                  </a:txBody>
+                  <a:tcPr marL="9525" marR="9525" marT="9525" marB="0" anchor="b"/>
+                </a:tc>
+                <a:extLst>
+                  <a:ext uri="{0D108BD9-81ED-4DB2-BD59-A6C34878D82A}">
+                    <a16:rowId xmlns:a16="http://schemas.microsoft.com/office/drawing/2014/main" val="1571413639"/>
+                  </a:ext>
+                </a:extLst>
+              </a:tr>
+            </a:tbl>
+          </a:graphicData>
+        </a:graphic>
+      </p:graphicFrame>
+      <p:sp>
+        <p:nvSpPr>
+          <p:cNvPr id="25" name="TextBox 24">
+            <a:extLst>
+              <a:ext uri="{FF2B5EF4-FFF2-40B4-BE49-F238E27FC236}">
+                <a16:creationId xmlns:a16="http://schemas.microsoft.com/office/drawing/2014/main" id="{A32A6442-BF04-4EF9-807A-9002A23CE7E5}"/>
+              </a:ext>
+            </a:extLst>
+          </p:cNvPr>
+          <p:cNvSpPr txBox="1"/>
+          <p:nvPr/>
+        </p:nvSpPr>
+        <p:spPr>
+          <a:xfrm>
+            <a:off x="427380" y="755996"/>
+            <a:ext cx="10022054" cy="369332"/>
+          </a:xfrm>
+          <a:prstGeom prst="rect">
+            <a:avLst/>
+          </a:prstGeom>
+          <a:noFill/>
+        </p:spPr>
+        <p:txBody>
+          <a:bodyPr wrap="square">
+            <a:spAutoFit/>
+          </a:bodyPr>
+          <a:lstStyle/>
+          <a:p>
+            <a:r>
+              <a:rPr lang="en-NZ" dirty="0">
+                <a:latin typeface="Comic Sans MS" panose="030F0702030302020204" pitchFamily="66" charset="0"/>
+              </a:rPr>
+              <a:t>0 h                                        4 h                                    8 h                                    24 h    </a:t>
+            </a:r>
+            <a:endParaRPr lang="en-NZ" dirty="0"/>
           </a:p>
         </p:txBody>
       </p:sp>
     </p:spTree>
     <p:extLst>
       <p:ext uri="{BB962C8B-B14F-4D97-AF65-F5344CB8AC3E}">
-        <p14:creationId xmlns:p14="http://schemas.microsoft.com/office/powerpoint/2010/main" val="3464105915"/>
+        <p14:creationId xmlns:p14="http://schemas.microsoft.com/office/powerpoint/2010/main" val="2142606489"/>
       </p:ext>
     </p:extLst>
   </p:cSld>
